--- a/Python_intro_lecture.pptx
+++ b/Python_intro_lecture.pptx
@@ -5,7 +5,7 @@
     <p:sldMasterId id="2147483648" r:id="rId1"/>
   </p:sldMasterIdLst>
   <p:notesMasterIdLst>
-    <p:notesMasterId r:id="rId30"/>
+    <p:notesMasterId r:id="rId29"/>
   </p:notesMasterIdLst>
   <p:sldIdLst>
     <p:sldId id="299" r:id="rId2"/>
@@ -34,8 +34,7 @@
     <p:sldId id="286" r:id="rId25"/>
     <p:sldId id="289" r:id="rId26"/>
     <p:sldId id="290" r:id="rId27"/>
-    <p:sldId id="304" r:id="rId28"/>
-    <p:sldId id="293" r:id="rId29"/>
+    <p:sldId id="293" r:id="rId28"/>
   </p:sldIdLst>
   <p:sldSz cx="9144000" cy="6858000" type="screen4x3"/>
   <p:notesSz cx="6858000" cy="9144000"/>
@@ -165,7 +164,6 @@
             <p14:sldId id="286"/>
             <p14:sldId id="289"/>
             <p14:sldId id="290"/>
-            <p14:sldId id="304"/>
             <p14:sldId id="293"/>
           </p14:sldIdLst>
         </p14:section>
@@ -276,7 +274,7 @@
           <a:p>
             <a:fld id="{6FF7EC36-5E22-4EB8-B692-4D76DA0CB9E2}" type="datetimeFigureOut">
               <a:rPr lang="en-CA" smtClean="0"/>
-              <a:t>2018-10-29</a:t>
+              <a:t>2018-10-30</a:t>
             </a:fld>
             <a:endParaRPr lang="en-CA"/>
           </a:p>
@@ -544,6 +542,93 @@
 </p:notesMaster>
 </file>
 
+<file path=ppt/notesSlides/notesSlide1.xml><?xml version="1.0" encoding="utf-8"?>
+<p:notes xmlns:a="http://schemas.openxmlformats.org/drawingml/2006/main" xmlns:r="http://schemas.openxmlformats.org/officeDocument/2006/relationships" xmlns:p="http://schemas.openxmlformats.org/presentationml/2006/main">
+  <p:cSld>
+    <p:spTree>
+      <p:nvGrpSpPr>
+        <p:cNvPr id="1" name=""/>
+        <p:cNvGrpSpPr/>
+        <p:nvPr/>
+      </p:nvGrpSpPr>
+      <p:grpSpPr>
+        <a:xfrm>
+          <a:off x="0" y="0"/>
+          <a:ext cx="0" cy="0"/>
+          <a:chOff x="0" y="0"/>
+          <a:chExt cx="0" cy="0"/>
+        </a:xfrm>
+      </p:grpSpPr>
+      <p:sp>
+        <p:nvSpPr>
+          <p:cNvPr id="2" name="Slide Image Placeholder 1"/>
+          <p:cNvSpPr>
+            <a:spLocks noGrp="1" noRot="1" noChangeAspect="1"/>
+          </p:cNvSpPr>
+          <p:nvPr>
+            <p:ph type="sldImg"/>
+          </p:nvPr>
+        </p:nvSpPr>
+        <p:spPr/>
+      </p:sp>
+      <p:sp>
+        <p:nvSpPr>
+          <p:cNvPr id="3" name="Notes Placeholder 2"/>
+          <p:cNvSpPr>
+            <a:spLocks noGrp="1"/>
+          </p:cNvSpPr>
+          <p:nvPr>
+            <p:ph type="body" idx="1"/>
+          </p:nvPr>
+        </p:nvSpPr>
+        <p:spPr/>
+        <p:txBody>
+          <a:bodyPr/>
+          <a:lstStyle/>
+          <a:p>
+            <a:r>
+              <a:rPr lang="en-US" dirty="0"/>
+              <a:t>b = [1, 3, 5, 7, 9, 11, 13, 15, 17, 19, 21, 23]</a:t>
+            </a:r>
+          </a:p>
+        </p:txBody>
+      </p:sp>
+      <p:sp>
+        <p:nvSpPr>
+          <p:cNvPr id="4" name="Slide Number Placeholder 3"/>
+          <p:cNvSpPr>
+            <a:spLocks noGrp="1"/>
+          </p:cNvSpPr>
+          <p:nvPr>
+            <p:ph type="sldNum" sz="quarter" idx="5"/>
+          </p:nvPr>
+        </p:nvSpPr>
+        <p:spPr/>
+        <p:txBody>
+          <a:bodyPr/>
+          <a:lstStyle/>
+          <a:p>
+            <a:fld id="{45209CFD-9CC7-4D80-8523-4D96B8C55787}" type="slidenum">
+              <a:rPr lang="en-CA" smtClean="0"/>
+              <a:t>18</a:t>
+            </a:fld>
+            <a:endParaRPr lang="en-CA"/>
+          </a:p>
+        </p:txBody>
+      </p:sp>
+    </p:spTree>
+    <p:extLst>
+      <p:ext uri="{BB962C8B-B14F-4D97-AF65-F5344CB8AC3E}">
+        <p14:creationId xmlns:p14="http://schemas.microsoft.com/office/powerpoint/2010/main" val="3213063037"/>
+      </p:ext>
+    </p:extLst>
+  </p:cSld>
+  <p:clrMapOvr>
+    <a:masterClrMapping/>
+  </p:clrMapOvr>
+</p:notes>
+</file>
+
 <file path=ppt/slideLayouts/slideLayout1.xml><?xml version="1.0" encoding="utf-8"?>
 <p:sldLayout xmlns:a="http://schemas.openxmlformats.org/drawingml/2006/main" xmlns:r="http://schemas.openxmlformats.org/officeDocument/2006/relationships" xmlns:p="http://schemas.openxmlformats.org/presentationml/2006/main" type="title" preserve="1">
   <p:cSld name="Title Slide">
@@ -724,7 +809,7 @@
             <a:fld id="{1D8BD707-D9CF-40AE-B4C6-C98DA3205C09}" type="datetimeFigureOut">
               <a:rPr lang="en-US" smtClean="0"/>
               <a:pPr/>
-              <a:t>10/29/18</a:t>
+              <a:t>10/30/18</a:t>
             </a:fld>
             <a:endParaRPr lang="en-US"/>
           </a:p>
@@ -889,7 +974,7 @@
             <a:fld id="{1D8BD707-D9CF-40AE-B4C6-C98DA3205C09}" type="datetimeFigureOut">
               <a:rPr lang="en-US" smtClean="0"/>
               <a:pPr/>
-              <a:t>10/29/18</a:t>
+              <a:t>10/30/18</a:t>
             </a:fld>
             <a:endParaRPr lang="en-US"/>
           </a:p>
@@ -1064,7 +1149,7 @@
             <a:fld id="{1D8BD707-D9CF-40AE-B4C6-C98DA3205C09}" type="datetimeFigureOut">
               <a:rPr lang="en-US" smtClean="0"/>
               <a:pPr/>
-              <a:t>10/29/18</a:t>
+              <a:t>10/30/18</a:t>
             </a:fld>
             <a:endParaRPr lang="en-US"/>
           </a:p>
@@ -1229,7 +1314,7 @@
             <a:fld id="{1D8BD707-D9CF-40AE-B4C6-C98DA3205C09}" type="datetimeFigureOut">
               <a:rPr lang="en-US" smtClean="0"/>
               <a:pPr/>
-              <a:t>10/29/18</a:t>
+              <a:t>10/30/18</a:t>
             </a:fld>
             <a:endParaRPr lang="en-US"/>
           </a:p>
@@ -1471,7 +1556,7 @@
             <a:fld id="{1D8BD707-D9CF-40AE-B4C6-C98DA3205C09}" type="datetimeFigureOut">
               <a:rPr lang="en-US" smtClean="0"/>
               <a:pPr/>
-              <a:t>10/29/18</a:t>
+              <a:t>10/30/18</a:t>
             </a:fld>
             <a:endParaRPr lang="en-US"/>
           </a:p>
@@ -1753,7 +1838,7 @@
             <a:fld id="{1D8BD707-D9CF-40AE-B4C6-C98DA3205C09}" type="datetimeFigureOut">
               <a:rPr lang="en-US" smtClean="0"/>
               <a:pPr/>
-              <a:t>10/29/18</a:t>
+              <a:t>10/30/18</a:t>
             </a:fld>
             <a:endParaRPr lang="en-US"/>
           </a:p>
@@ -2169,7 +2254,7 @@
             <a:fld id="{1D8BD707-D9CF-40AE-B4C6-C98DA3205C09}" type="datetimeFigureOut">
               <a:rPr lang="en-US" smtClean="0"/>
               <a:pPr/>
-              <a:t>10/29/18</a:t>
+              <a:t>10/30/18</a:t>
             </a:fld>
             <a:endParaRPr lang="en-US"/>
           </a:p>
@@ -2283,7 +2368,7 @@
             <a:fld id="{1D8BD707-D9CF-40AE-B4C6-C98DA3205C09}" type="datetimeFigureOut">
               <a:rPr lang="en-US" smtClean="0"/>
               <a:pPr/>
-              <a:t>10/29/18</a:t>
+              <a:t>10/30/18</a:t>
             </a:fld>
             <a:endParaRPr lang="en-US"/>
           </a:p>
@@ -2375,7 +2460,7 @@
             <a:fld id="{1D8BD707-D9CF-40AE-B4C6-C98DA3205C09}" type="datetimeFigureOut">
               <a:rPr lang="en-US" smtClean="0"/>
               <a:pPr/>
-              <a:t>10/29/18</a:t>
+              <a:t>10/30/18</a:t>
             </a:fld>
             <a:endParaRPr lang="en-US"/>
           </a:p>
@@ -2647,7 +2732,7 @@
             <a:fld id="{1D8BD707-D9CF-40AE-B4C6-C98DA3205C09}" type="datetimeFigureOut">
               <a:rPr lang="en-US" smtClean="0"/>
               <a:pPr/>
-              <a:t>10/29/18</a:t>
+              <a:t>10/30/18</a:t>
             </a:fld>
             <a:endParaRPr lang="en-US"/>
           </a:p>
@@ -2896,7 +2981,7 @@
             <a:fld id="{1D8BD707-D9CF-40AE-B4C6-C98DA3205C09}" type="datetimeFigureOut">
               <a:rPr lang="en-US" smtClean="0"/>
               <a:pPr/>
-              <a:t>10/29/18</a:t>
+              <a:t>10/30/18</a:t>
             </a:fld>
             <a:endParaRPr lang="en-US"/>
           </a:p>
@@ -3104,7 +3189,7 @@
             <a:fld id="{1D8BD707-D9CF-40AE-B4C6-C98DA3205C09}" type="datetimeFigureOut">
               <a:rPr lang="en-US" smtClean="0"/>
               <a:pPr/>
-              <a:t>10/29/18</a:t>
+              <a:t>10/30/18</a:t>
             </a:fld>
             <a:endParaRPr lang="en-US"/>
           </a:p>
@@ -3709,7 +3794,7 @@
           <a:p>
             <a:r>
               <a:rPr lang="en-CA" dirty="0"/>
-              <a:t>Be aware that in Python, loops often should be replaced by a specific Python function or alternative (e.g. list comprehension).</a:t>
+              <a:t>Be aware that in Python, loops often should be replaced by a specific Python function or alternative (e.g. list comprehension) that has higher performance.</a:t>
             </a:r>
           </a:p>
           <a:p>
@@ -3894,16 +3979,24 @@
                   <a:schemeClr val="accent1"/>
                 </a:solidFill>
               </a:rPr>
-              <a:t>('HOME')</a:t>
-            </a:r>
-          </a:p>
-          <a:p>
-            <a:pPr marL="0" indent="0">
-              <a:buNone/>
-            </a:pPr>
+              <a:t>('HOME’)  </a:t>
+            </a:r>
             <a:r>
               <a:rPr lang="en-CA" sz="2600" dirty="0">
                 <a:solidFill>
+                  <a:schemeClr val="accent3"/>
+                </a:solidFill>
+              </a:rPr>
+              <a:t>#user home directory</a:t>
+            </a:r>
+          </a:p>
+          <a:p>
+            <a:pPr marL="0" indent="0">
+              <a:buNone/>
+            </a:pPr>
+            <a:r>
+              <a:rPr lang="en-CA" sz="2600" dirty="0">
+                <a:solidFill>
                   <a:schemeClr val="accent1"/>
                 </a:solidFill>
               </a:rPr>
@@ -3928,16 +4021,29 @@
                   <a:schemeClr val="accent1"/>
                 </a:solidFill>
               </a:rPr>
-              <a:t>(home)</a:t>
-            </a:r>
-          </a:p>
-          <a:p>
-            <a:pPr marL="0" indent="0">
-              <a:buNone/>
-            </a:pPr>
+              <a:t>(home) </a:t>
+            </a:r>
             <a:r>
               <a:rPr lang="en-CA" sz="2600" dirty="0">
                 <a:solidFill>
+                  <a:schemeClr val="accent3"/>
+                </a:solidFill>
+              </a:rPr>
+              <a:t>#change working directory to user home directory</a:t>
+            </a:r>
+            <a:endParaRPr lang="en-CA" sz="2600" dirty="0">
+              <a:solidFill>
+                <a:schemeClr val="accent1"/>
+              </a:solidFill>
+            </a:endParaRPr>
+          </a:p>
+          <a:p>
+            <a:pPr marL="0" indent="0">
+              <a:buNone/>
+            </a:pPr>
+            <a:r>
+              <a:rPr lang="en-CA" sz="2600" dirty="0">
+                <a:solidFill>
                   <a:schemeClr val="accent1"/>
                 </a:solidFill>
               </a:rPr>
@@ -3957,6 +4063,80 @@
                   <a:schemeClr val="accent1"/>
                 </a:solidFill>
               </a:rPr>
+              <a:t>()) </a:t>
+            </a:r>
+          </a:p>
+          <a:p>
+            <a:pPr marL="0" indent="0">
+              <a:buNone/>
+            </a:pPr>
+            <a:r>
+              <a:rPr lang="en-CA" sz="2600" dirty="0" err="1">
+                <a:solidFill>
+                  <a:schemeClr val="accent1"/>
+                </a:solidFill>
+              </a:rPr>
+              <a:t>os.chdir</a:t>
+            </a:r>
+            <a:r>
+              <a:rPr lang="en-CA" sz="2600" dirty="0">
+                <a:solidFill>
+                  <a:schemeClr val="accent1"/>
+                </a:solidFill>
+              </a:rPr>
+              <a:t>(home + </a:t>
+            </a:r>
+            <a:r>
+              <a:rPr lang="en-CA" sz="2600" dirty="0" err="1">
+                <a:solidFill>
+                  <a:schemeClr val="accent1"/>
+                </a:solidFill>
+              </a:rPr>
+              <a:t>os.sep</a:t>
+            </a:r>
+            <a:r>
+              <a:rPr lang="en-CA" sz="2600" dirty="0">
+                <a:solidFill>
+                  <a:schemeClr val="accent1"/>
+                </a:solidFill>
+              </a:rPr>
+              <a:t> + 'Desktop’) </a:t>
+            </a:r>
+            <a:r>
+              <a:rPr lang="en-CA" sz="2600" dirty="0">
+                <a:solidFill>
+                  <a:schemeClr val="accent3"/>
+                </a:solidFill>
+              </a:rPr>
+              <a:t># change working directory to user Desktop</a:t>
+            </a:r>
+          </a:p>
+          <a:p>
+            <a:pPr marL="0" indent="0">
+              <a:buNone/>
+            </a:pPr>
+            <a:r>
+              <a:rPr lang="en-CA" sz="2600" dirty="0">
+                <a:solidFill>
+                  <a:schemeClr val="accent1"/>
+                </a:solidFill>
+              </a:rPr>
+              <a:t>print(</a:t>
+            </a:r>
+            <a:r>
+              <a:rPr lang="en-CA" sz="2600" dirty="0" err="1">
+                <a:solidFill>
+                  <a:schemeClr val="accent1"/>
+                </a:solidFill>
+              </a:rPr>
+              <a:t>os.getcwd</a:t>
+            </a:r>
+            <a:r>
+              <a:rPr lang="en-CA" sz="2600" dirty="0">
+                <a:solidFill>
+                  <a:schemeClr val="accent1"/>
+                </a:solidFill>
+              </a:rPr>
               <a:t>())</a:t>
             </a:r>
           </a:p>
@@ -3965,12 +4145,20 @@
               <a:buNone/>
             </a:pPr>
             <a:r>
+              <a:rPr lang="en-CA" sz="2600" dirty="0">
+                <a:solidFill>
+                  <a:schemeClr val="accent1"/>
+                </a:solidFill>
+              </a:rPr>
+              <a:t>print(</a:t>
+            </a:r>
+            <a:r>
               <a:rPr lang="en-CA" sz="2600" dirty="0" err="1">
                 <a:solidFill>
                   <a:schemeClr val="accent1"/>
                 </a:solidFill>
               </a:rPr>
-              <a:t>os.chdir</a:t>
+              <a:t>os.listdir</a:t>
             </a:r>
             <a:r>
               <a:rPr lang="en-CA" sz="2600" dirty="0">
@@ -3978,82 +4166,21 @@
                   <a:schemeClr val="accent1"/>
                 </a:solidFill>
               </a:rPr>
-              <a:t>(home + </a:t>
-            </a:r>
-            <a:r>
-              <a:rPr lang="en-CA" sz="2600" dirty="0" err="1">
-                <a:solidFill>
-                  <a:schemeClr val="accent1"/>
-                </a:solidFill>
-              </a:rPr>
-              <a:t>os.sep</a:t>
+              <a:t>()) </a:t>
             </a:r>
             <a:r>
               <a:rPr lang="en-CA" sz="2600" dirty="0">
                 <a:solidFill>
-                  <a:schemeClr val="accent1"/>
-                </a:solidFill>
-              </a:rPr>
-              <a:t> + 'Desktop')</a:t>
-            </a:r>
-          </a:p>
-          <a:p>
-            <a:pPr marL="0" indent="0">
-              <a:buNone/>
-            </a:pPr>
-            <a:r>
-              <a:rPr lang="en-CA" sz="2600" dirty="0">
-                <a:solidFill>
-                  <a:schemeClr val="accent1"/>
-                </a:solidFill>
-              </a:rPr>
-              <a:t>print(</a:t>
-            </a:r>
-            <a:r>
-              <a:rPr lang="en-CA" sz="2600" dirty="0" err="1">
-                <a:solidFill>
-                  <a:schemeClr val="accent1"/>
-                </a:solidFill>
-              </a:rPr>
-              <a:t>os.getcwd</a:t>
-            </a:r>
-            <a:r>
-              <a:rPr lang="en-CA" sz="2600" dirty="0">
-                <a:solidFill>
-                  <a:schemeClr val="accent1"/>
-                </a:solidFill>
-              </a:rPr>
-              <a:t>())</a:t>
-            </a:r>
-          </a:p>
-          <a:p>
-            <a:pPr marL="0" indent="0">
-              <a:buNone/>
-            </a:pPr>
-            <a:r>
-              <a:rPr lang="en-CA" sz="2600" dirty="0">
-                <a:solidFill>
-                  <a:schemeClr val="accent1"/>
-                </a:solidFill>
-              </a:rPr>
-              <a:t>print(</a:t>
-            </a:r>
-            <a:r>
-              <a:rPr lang="en-CA" sz="2600" dirty="0" err="1">
-                <a:solidFill>
-                  <a:schemeClr val="accent1"/>
-                </a:solidFill>
-              </a:rPr>
-              <a:t>os.listdir</a:t>
-            </a:r>
-            <a:r>
-              <a:rPr lang="en-CA" sz="2600" dirty="0">
-                <a:solidFill>
-                  <a:schemeClr val="accent1"/>
-                </a:solidFill>
-              </a:rPr>
-              <a:t>())</a:t>
-            </a:r>
+                  <a:schemeClr val="accent3"/>
+                </a:solidFill>
+              </a:rPr>
+              <a:t># print a list which has each file in current directory as an item.</a:t>
+            </a:r>
+            <a:endParaRPr lang="en-CA" sz="2600" dirty="0">
+              <a:solidFill>
+                <a:schemeClr val="accent1"/>
+              </a:solidFill>
+            </a:endParaRPr>
           </a:p>
           <a:p>
             <a:endParaRPr lang="en-CA" dirty="0">
@@ -4128,7 +4255,9 @@
         </p:nvSpPr>
         <p:spPr/>
         <p:txBody>
-          <a:bodyPr/>
+          <a:bodyPr>
+            <a:normAutofit fontScale="92500" lnSpcReduction="20000"/>
+          </a:bodyPr>
           <a:lstStyle/>
           <a:p>
             <a:r>
@@ -4141,7 +4270,13 @@
             </a:r>
             <a:r>
               <a:rPr lang="en-CA" dirty="0"/>
-              <a:t>&gt;)  In </a:t>
+              <a:t>&gt;) or ? &lt;function&gt; </a:t>
+            </a:r>
+          </a:p>
+          <a:p>
+            <a:r>
+              <a:rPr lang="en-CA" dirty="0"/>
+              <a:t>Must be in </a:t>
             </a:r>
             <a:r>
               <a:rPr lang="en-CA" dirty="0" err="1"/>
@@ -4162,20 +4297,26 @@
             </a:r>
           </a:p>
           <a:p>
+            <a:r>
+              <a:rPr lang="en-CA" dirty="0"/>
+              <a:t>Can specify function in package, e.g.</a:t>
+            </a:r>
+          </a:p>
+          <a:p>
+            <a:r>
+              <a:rPr lang="en-CA" dirty="0"/>
+              <a:t>? </a:t>
+            </a:r>
+            <a:r>
+              <a:rPr lang="en-CA" dirty="0" err="1"/>
+              <a:t>os.listdir</a:t>
+            </a:r>
             <a:endParaRPr lang="en-CA" dirty="0"/>
           </a:p>
           <a:p>
             <a:r>
               <a:rPr lang="en-CA" dirty="0"/>
-              <a:t>? &lt;</a:t>
-            </a:r>
-            <a:r>
-              <a:rPr lang="en-CA" dirty="0" err="1"/>
-              <a:t>function_name</a:t>
-            </a:r>
-            <a:r>
-              <a:rPr lang="en-CA" dirty="0"/>
-              <a:t>&gt;</a:t>
+              <a:t>...provided that the package has already been imported or is built-in.</a:t>
             </a:r>
           </a:p>
           <a:p>
@@ -4815,7 +4956,7 @@
         </p:spPr>
         <p:txBody>
           <a:bodyPr>
-            <a:normAutofit lnSpcReduction="10000"/>
+            <a:normAutofit fontScale="92500" lnSpcReduction="20000"/>
           </a:bodyPr>
           <a:lstStyle/>
           <a:p>
@@ -4911,15 +5052,15 @@
               <a:buNone/>
             </a:pPr>
             <a:r>
-              <a:rPr lang="en-CA" sz="1600" dirty="0" err="1">
+              <a:rPr lang="en-CA" sz="2000" dirty="0" err="1">
                 <a:solidFill>
                   <a:schemeClr val="tx2"/>
                 </a:solidFill>
               </a:rPr>
-              <a:t>myClassList</a:t>
-            </a:r>
-            <a:r>
-              <a:rPr lang="en-CA" sz="1600" dirty="0">
+              <a:t>dfnew</a:t>
+            </a:r>
+            <a:r>
+              <a:rPr lang="en-CA" sz="2000" dirty="0">
                 <a:solidFill>
                   <a:schemeClr val="tx2"/>
                 </a:solidFill>
@@ -4927,15 +5068,15 @@
               <a:t> = </a:t>
             </a:r>
             <a:r>
-              <a:rPr lang="en-CA" sz="1600" dirty="0" err="1">
+              <a:rPr lang="en-CA" sz="2000" dirty="0" err="1">
                 <a:solidFill>
                   <a:schemeClr val="tx2"/>
                 </a:solidFill>
               </a:rPr>
-              <a:t>read.table</a:t>
-            </a:r>
-            <a:r>
-              <a:rPr lang="en-CA" sz="1600" dirty="0">
+              <a:t>pd.read_csv</a:t>
+            </a:r>
+            <a:r>
+              <a:rPr lang="en-CA" sz="2000" dirty="0">
                 <a:solidFill>
                   <a:schemeClr val="tx2"/>
                 </a:solidFill>
@@ -4943,7 +5084,7 @@
               <a:t>("D:/Dropbox/courses/MDSC755_progTrial/data/</a:t>
             </a:r>
             <a:r>
-              <a:rPr lang="en-CA" sz="1600" dirty="0" err="1">
+              <a:rPr lang="en-CA" sz="2000" dirty="0" err="1">
                 <a:solidFill>
                   <a:schemeClr val="tx2"/>
                 </a:solidFill>
@@ -4951,15 +5092,15 @@
               <a:t>classList.csv</a:t>
             </a:r>
             <a:r>
-              <a:rPr lang="en-CA" sz="1600" dirty="0">
+              <a:rPr lang="en-CA" sz="2000" dirty="0">
                 <a:solidFill>
                   <a:schemeClr val="tx2"/>
                 </a:solidFill>
               </a:rPr>
-              <a:t>", header=TRUE, </a:t>
-            </a:r>
-            <a:r>
-              <a:rPr lang="en-CA" sz="1600" dirty="0" err="1">
+              <a:t>", header=True, </a:t>
+            </a:r>
+            <a:r>
+              <a:rPr lang="en-CA" sz="2000" dirty="0" err="1">
                 <a:solidFill>
                   <a:schemeClr val="tx2"/>
                 </a:solidFill>
@@ -4967,7 +5108,7 @@
               <a:t>sep</a:t>
             </a:r>
             <a:r>
-              <a:rPr lang="en-CA" sz="1600" dirty="0">
+              <a:rPr lang="en-CA" sz="2000" dirty="0">
                 <a:solidFill>
                   <a:schemeClr val="tx2"/>
                 </a:solidFill>
@@ -4981,39 +5122,59 @@
             </a:pPr>
             <a:r>
               <a:rPr lang="en-CA" sz="2000" dirty="0"/>
-              <a:t>NOTE: In general if you want to extend your code line over 2+ lines without terminating then you need to use a backslash (and should use an indent for clarity). e.g.</a:t>
-            </a:r>
-          </a:p>
-          <a:p>
-            <a:pPr marL="0" indent="0">
-              <a:buNone/>
-            </a:pPr>
-            <a:r>
-              <a:rPr lang="en-CA" sz="1600" dirty="0" err="1">
+              <a:t>NOTE: In general if you want to extend your code line over 2+ lines without terminating then you need to use a backslash </a:t>
+            </a:r>
+            <a:r>
+              <a:rPr lang="en-CA" sz="2000" dirty="0">
                 <a:solidFill>
                   <a:schemeClr val="tx2"/>
                 </a:solidFill>
               </a:rPr>
-              <a:t>myClassList</a:t>
-            </a:r>
-            <a:r>
-              <a:rPr lang="en-CA" sz="1600" dirty="0">
+              <a:t> </a:t>
+            </a:r>
+            <a:r>
+              <a:rPr lang="en-CA" sz="2000" dirty="0">
+                <a:solidFill>
+                  <a:srgbClr val="FF0000"/>
+                </a:solidFill>
+              </a:rPr>
+              <a:t>\ </a:t>
+            </a:r>
+            <a:r>
+              <a:rPr lang="en-CA" sz="2000" dirty="0"/>
+              <a:t>(and should use an indent for clarity). e.g.</a:t>
+            </a:r>
+          </a:p>
+          <a:p>
+            <a:pPr marL="0" indent="0">
+              <a:buNone/>
+            </a:pPr>
+            <a:r>
+              <a:rPr lang="en-CA" sz="2200" dirty="0" err="1">
                 <a:solidFill>
                   <a:schemeClr val="tx2"/>
                 </a:solidFill>
               </a:rPr>
+              <a:t>dfnew</a:t>
+            </a:r>
+            <a:r>
+              <a:rPr lang="en-CA" sz="2200" dirty="0">
+                <a:solidFill>
+                  <a:schemeClr val="tx2"/>
+                </a:solidFill>
+              </a:rPr>
               <a:t> = </a:t>
             </a:r>
             <a:r>
-              <a:rPr lang="en-CA" sz="1600" dirty="0" err="1">
+              <a:rPr lang="en-CA" sz="2200" dirty="0" err="1">
                 <a:solidFill>
                   <a:schemeClr val="tx2"/>
                 </a:solidFill>
               </a:rPr>
-              <a:t>read.table</a:t>
-            </a:r>
-            <a:r>
-              <a:rPr lang="en-CA" sz="1600" dirty="0">
+              <a:t>pd.read_csv</a:t>
+            </a:r>
+            <a:r>
+              <a:rPr lang="en-CA" sz="2200" dirty="0">
                 <a:solidFill>
                   <a:schemeClr val="tx2"/>
                 </a:solidFill>
@@ -5021,7 +5182,7 @@
               <a:t>("D:/Dropbox/courses/MDSC755_progTrial/data/</a:t>
             </a:r>
             <a:r>
-              <a:rPr lang="en-CA" sz="1600" dirty="0" err="1">
+              <a:rPr lang="en-CA" sz="2200" dirty="0" err="1">
                 <a:solidFill>
                   <a:schemeClr val="tx2"/>
                 </a:solidFill>
@@ -5029,28 +5190,36 @@
               <a:t>classList.csv</a:t>
             </a:r>
             <a:r>
-              <a:rPr lang="en-CA" sz="1600" dirty="0">
+              <a:rPr lang="en-CA" sz="2200" dirty="0">
                 <a:solidFill>
                   <a:schemeClr val="tx2"/>
                 </a:solidFill>
               </a:rPr>
-              <a:t>",\</a:t>
-            </a:r>
-          </a:p>
-          <a:p>
-            <a:pPr marL="0" indent="0">
-              <a:buNone/>
-            </a:pPr>
-            <a:r>
-              <a:rPr lang="en-CA" sz="1600" dirty="0">
+              <a:t>", </a:t>
+            </a:r>
+            <a:r>
+              <a:rPr lang="en-CA" sz="2200" dirty="0">
+                <a:solidFill>
+                  <a:srgbClr val="FF0000"/>
+                </a:solidFill>
+              </a:rPr>
+              <a:t>\</a:t>
+            </a:r>
+          </a:p>
+          <a:p>
+            <a:pPr marL="0" indent="0">
+              <a:buNone/>
+            </a:pPr>
+            <a:r>
+              <a:rPr lang="en-CA" sz="2200" dirty="0">
                 <a:solidFill>
                   <a:schemeClr val="tx2"/>
                 </a:solidFill>
               </a:rPr>
-              <a:t>    header=TRUE, </a:t>
-            </a:r>
-            <a:r>
-              <a:rPr lang="en-CA" sz="1600" dirty="0" err="1">
+              <a:t>    header=True, </a:t>
+            </a:r>
+            <a:r>
+              <a:rPr lang="en-CA" sz="2200" dirty="0" err="1">
                 <a:solidFill>
                   <a:schemeClr val="tx2"/>
                 </a:solidFill>
@@ -5058,12 +5227,20 @@
               <a:t>sep</a:t>
             </a:r>
             <a:r>
-              <a:rPr lang="en-CA" sz="1600" dirty="0">
+              <a:rPr lang="en-CA" sz="2200" dirty="0">
                 <a:solidFill>
                   <a:schemeClr val="tx2"/>
                 </a:solidFill>
               </a:rPr>
-              <a:t>=",")   #indented line</a:t>
+              <a:t>=",") </a:t>
+            </a:r>
+            <a:r>
+              <a:rPr lang="en-CA" sz="2200" dirty="0">
+                <a:solidFill>
+                  <a:schemeClr val="accent3"/>
+                </a:solidFill>
+              </a:rPr>
+              <a:t>#indented line</a:t>
             </a:r>
           </a:p>
           <a:p>
@@ -5348,7 +5525,7 @@
           <a:p>
             <a:r>
               <a:rPr lang="en-CA" dirty="0"/>
-              <a:t>Arrays and matrices</a:t>
+              <a:t>Arrays and lists</a:t>
             </a:r>
           </a:p>
         </p:txBody>
@@ -5366,16 +5543,61 @@
         <p:spPr/>
         <p:txBody>
           <a:bodyPr>
-            <a:normAutofit fontScale="77500" lnSpcReduction="20000"/>
+            <a:normAutofit fontScale="62500" lnSpcReduction="20000"/>
           </a:bodyPr>
           <a:lstStyle/>
           <a:p>
             <a:r>
+              <a:rPr lang="en-CA" u="sng" dirty="0"/>
+              <a:t>Indexing starts at 0</a:t>
+            </a:r>
+            <a:r>
               <a:rPr lang="en-CA" dirty="0"/>
-              <a:t>Indexing starts at 0. (Base 0 indexing is standard/recommended in most languages.)</a:t>
-            </a:r>
-          </a:p>
-          <a:p>
+              <a:t>. (Base 0 indexing is standard or recommended in most languages.) e.g. Index 4 elements by</a:t>
+            </a:r>
+          </a:p>
+          <a:p>
+            <a:r>
+              <a:rPr lang="en-CA" dirty="0">
+                <a:solidFill>
+                  <a:schemeClr val="accent1"/>
+                </a:solidFill>
+              </a:rPr>
+              <a:t>0,1,2,3</a:t>
+            </a:r>
+          </a:p>
+          <a:p>
+            <a:r>
+              <a:rPr lang="en-CA" u="sng" dirty="0"/>
+              <a:t>Lists</a:t>
+            </a:r>
+            <a:r>
+              <a:rPr lang="en-CA" dirty="0"/>
+              <a:t> are for any type of Python variable (e.g. strings and numbers).</a:t>
+            </a:r>
+          </a:p>
+          <a:p>
+            <a:r>
+              <a:rPr lang="en-CA" u="sng" dirty="0"/>
+              <a:t>Arrays</a:t>
+            </a:r>
+            <a:r>
+              <a:rPr lang="en-CA" dirty="0"/>
+              <a:t> from the </a:t>
+            </a:r>
+            <a:r>
+              <a:rPr lang="en-CA" dirty="0" err="1"/>
+              <a:t>numpy</a:t>
+            </a:r>
+            <a:r>
+              <a:rPr lang="en-CA" dirty="0"/>
+              <a:t> package are better suited to numeric operations.</a:t>
+            </a:r>
+          </a:p>
+          <a:p>
+            <a:pPr marL="0" indent="0">
+              <a:buNone/>
+            </a:pPr>
             <a:endParaRPr lang="en-CA" dirty="0"/>
           </a:p>
           <a:p>
@@ -5492,7 +5714,15 @@
                   <a:schemeClr val="accent1"/>
                 </a:solidFill>
               </a:rPr>
-              <a:t>([5,10,15,25,40])  #alternative one-liner.</a:t>
+              <a:t>([5,10,15,25,40])  </a:t>
+            </a:r>
+            <a:r>
+              <a:rPr lang="en-CA" dirty="0">
+                <a:solidFill>
+                  <a:schemeClr val="accent3"/>
+                </a:solidFill>
+              </a:rPr>
+              <a:t>#alternative one-liner.</a:t>
             </a:r>
           </a:p>
           <a:p>
@@ -5504,15 +5734,7 @@
           <a:p>
             <a:r>
               <a:rPr lang="en-CA" dirty="0"/>
-              <a:t>Index into </a:t>
-            </a:r>
-            <a:r>
-              <a:rPr lang="en-CA" dirty="0" err="1"/>
-              <a:t>arrays.e.g</a:t>
-            </a:r>
-            <a:r>
-              <a:rPr lang="en-CA" dirty="0"/>
-              <a:t>. the 5</a:t>
+              <a:t>Index into arrays. e.g. the 5</a:t>
             </a:r>
             <a:r>
               <a:rPr lang="en-CA" baseline="30000" dirty="0"/>
@@ -5630,7 +5852,7 @@
           <a:p>
             <a:r>
               <a:rPr lang="en-CA" dirty="0"/>
-              <a:t>Arrays and notation</a:t>
+              <a:t>Arrays and indexing</a:t>
             </a:r>
           </a:p>
         </p:txBody>
@@ -5717,6 +5939,35 @@
                 </a:solidFill>
               </a:rPr>
               <a:t>b = [x for x in range(1, 25, 2)]  #start, limit, step</a:t>
+            </a:r>
+          </a:p>
+          <a:p>
+            <a:pPr marL="0" indent="0">
+              <a:buNone/>
+            </a:pPr>
+            <a:r>
+              <a:rPr lang="en-CA" dirty="0" err="1">
+                <a:solidFill>
+                  <a:schemeClr val="tx2"/>
+                </a:solidFill>
+              </a:rPr>
+              <a:t>len</a:t>
+            </a:r>
+            <a:r>
+              <a:rPr lang="en-CA" dirty="0">
+                <a:solidFill>
+                  <a:schemeClr val="tx2"/>
+                </a:solidFill>
+              </a:rPr>
+              <a:t>(b) </a:t>
+            </a:r>
+            <a:r>
+              <a:rPr lang="en-CA" dirty="0">
+                <a:solidFill>
+                  <a:schemeClr val="accent3"/>
+                </a:solidFill>
+              </a:rPr>
+              <a:t># will give you the length (# elements)</a:t>
             </a:r>
           </a:p>
           <a:p>
@@ -5839,43 +6090,6 @@
                 <a:schemeClr val="tx2"/>
               </a:solidFill>
             </a:endParaRPr>
-          </a:p>
-          <a:p>
-            <a:pPr marL="0" indent="0">
-              <a:buNone/>
-            </a:pPr>
-            <a:r>
-              <a:rPr lang="en-CA" dirty="0">
-                <a:solidFill>
-                  <a:schemeClr val="tx2"/>
-                </a:solidFill>
-              </a:rPr>
-              <a:t>b[-5] </a:t>
-            </a:r>
-            <a:r>
-              <a:rPr lang="en-CA" dirty="0">
-                <a:solidFill>
-                  <a:schemeClr val="accent3"/>
-                </a:solidFill>
-              </a:rPr>
-              <a:t># will give you the 5</a:t>
-            </a:r>
-            <a:r>
-              <a:rPr lang="en-CA" baseline="30000" dirty="0">
-                <a:solidFill>
-                  <a:schemeClr val="accent3"/>
-                </a:solidFill>
-              </a:rPr>
-              <a:t>th</a:t>
-            </a:r>
-            <a:r>
-              <a:rPr lang="en-CA" dirty="0">
-                <a:solidFill>
-                  <a:schemeClr val="accent3"/>
-                </a:solidFill>
-              </a:rPr>
-              <a:t> from last element</a:t>
-            </a:r>
           </a:p>
           <a:p>
             <a:pPr marL="0" indent="0">
@@ -5946,7 +6160,7 @@
           <a:p>
             <a:r>
               <a:rPr lang="en-CA" dirty="0"/>
-              <a:t>Or use ‘array’</a:t>
+              <a:t>Some ‘array’ ops</a:t>
             </a:r>
           </a:p>
         </p:txBody>
@@ -5964,7 +6178,7 @@
         <p:spPr/>
         <p:txBody>
           <a:bodyPr>
-            <a:normAutofit fontScale="70000" lnSpcReduction="20000"/>
+            <a:normAutofit fontScale="47500" lnSpcReduction="20000"/>
           </a:bodyPr>
           <a:lstStyle/>
           <a:p>
@@ -5977,11 +6191,7 @@
                   <a:schemeClr val="accent3"/>
                 </a:solidFill>
               </a:rPr>
-              <a:t># Create two vectors of different lengths.</a:t>
-            </a:r>
-            <a:r>
-              <a:rPr lang="en-CA" dirty="0"/>
-              <a:t> </a:t>
+              <a:t># Create two lists</a:t>
             </a:r>
           </a:p>
           <a:p>
@@ -5991,23 +6201,160 @@
             <a:r>
               <a:rPr lang="en-CA" dirty="0">
                 <a:solidFill>
+                  <a:schemeClr val="accent1"/>
+                </a:solidFill>
+              </a:rPr>
+              <a:t>v1 = [5, 9, 3, 4]</a:t>
+            </a:r>
+          </a:p>
+          <a:p>
+            <a:pPr marL="0" indent="0">
+              <a:buNone/>
+            </a:pPr>
+            <a:r>
+              <a:rPr lang="en-CA" dirty="0">
+                <a:solidFill>
+                  <a:schemeClr val="accent1"/>
+                </a:solidFill>
+              </a:rPr>
+              <a:t>v2 = [10, 11, 12, 13]</a:t>
+            </a:r>
+          </a:p>
+          <a:p>
+            <a:pPr marL="0" indent="0">
+              <a:buNone/>
+            </a:pPr>
+            <a:r>
+              <a:rPr lang="en-CA" dirty="0">
+                <a:solidFill>
+                  <a:schemeClr val="accent3"/>
+                </a:solidFill>
+              </a:rPr>
+              <a:t># Create 2D array from the 2 lists, by default as rows.</a:t>
+            </a:r>
+          </a:p>
+          <a:p>
+            <a:pPr marL="0" indent="0">
+              <a:buNone/>
+            </a:pPr>
+            <a:r>
+              <a:rPr lang="en-CA" dirty="0">
+                <a:solidFill>
                   <a:schemeClr val="tx2"/>
                 </a:solidFill>
               </a:rPr>
-              <a:t>vector1 &lt;- c(5,9,3,4) </a:t>
-            </a:r>
-          </a:p>
-          <a:p>
-            <a:pPr marL="0" indent="0">
-              <a:buNone/>
-            </a:pPr>
+              <a:t>result = </a:t>
+            </a:r>
+            <a:r>
+              <a:rPr lang="en-CA" dirty="0" err="1">
+                <a:solidFill>
+                  <a:schemeClr val="tx2"/>
+                </a:solidFill>
+              </a:rPr>
+              <a:t>np.array</a:t>
+            </a:r>
             <a:r>
               <a:rPr lang="en-CA" dirty="0">
                 <a:solidFill>
                   <a:schemeClr val="tx2"/>
                 </a:solidFill>
               </a:rPr>
-              <a:t>vector2 &lt;- c(10,11,12,13) </a:t>
+              <a:t>([v1, v2]) </a:t>
+            </a:r>
+          </a:p>
+          <a:p>
+            <a:pPr marL="0" indent="0">
+              <a:buNone/>
+            </a:pPr>
+            <a:r>
+              <a:rPr lang="en-CA" dirty="0">
+                <a:solidFill>
+                  <a:schemeClr val="tx2"/>
+                </a:solidFill>
+              </a:rPr>
+              <a:t>print(result)</a:t>
+            </a:r>
+          </a:p>
+          <a:p>
+            <a:pPr marL="0" indent="0">
+              <a:buNone/>
+            </a:pPr>
+            <a:endParaRPr lang="en-CA" dirty="0">
+              <a:solidFill>
+                <a:schemeClr val="accent3"/>
+              </a:solidFill>
+            </a:endParaRPr>
+          </a:p>
+          <a:p>
+            <a:pPr marL="0" indent="0">
+              <a:buNone/>
+            </a:pPr>
+            <a:r>
+              <a:rPr lang="en-CA" dirty="0">
+                <a:solidFill>
+                  <a:schemeClr val="accent3"/>
+                </a:solidFill>
+              </a:rPr>
+              <a:t># Create two vectors (1D arrays)</a:t>
+            </a:r>
+            <a:endParaRPr lang="en-CA" dirty="0"/>
+          </a:p>
+          <a:p>
+            <a:pPr marL="0" indent="0">
+              <a:buNone/>
+            </a:pPr>
+            <a:r>
+              <a:rPr lang="en-CA" dirty="0">
+                <a:solidFill>
+                  <a:schemeClr val="accent1"/>
+                </a:solidFill>
+              </a:rPr>
+              <a:t>vector1 = </a:t>
+            </a:r>
+            <a:r>
+              <a:rPr lang="en-CA" dirty="0" err="1">
+                <a:solidFill>
+                  <a:schemeClr val="accent1"/>
+                </a:solidFill>
+              </a:rPr>
+              <a:t>np.array</a:t>
+            </a:r>
+            <a:r>
+              <a:rPr lang="en-CA" dirty="0">
+                <a:solidFill>
+                  <a:schemeClr val="accent1"/>
+                </a:solidFill>
+              </a:rPr>
+              <a:t>([5, 9, 3, 4]) </a:t>
+            </a:r>
+          </a:p>
+          <a:p>
+            <a:pPr marL="0" indent="0">
+              <a:buNone/>
+            </a:pPr>
+            <a:r>
+              <a:rPr lang="en-CA" dirty="0">
+                <a:solidFill>
+                  <a:schemeClr val="accent1"/>
+                </a:solidFill>
+              </a:rPr>
+              <a:t>vector2 = </a:t>
+            </a:r>
+            <a:r>
+              <a:rPr lang="en-CA" dirty="0" err="1">
+                <a:solidFill>
+                  <a:schemeClr val="accent1"/>
+                </a:solidFill>
+              </a:rPr>
+              <a:t>np.array</a:t>
+            </a:r>
+            <a:r>
+              <a:rPr lang="en-CA" dirty="0">
+                <a:solidFill>
+                  <a:schemeClr val="accent1"/>
+                </a:solidFill>
+              </a:rPr>
+              <a:t>([10, 11, 12, 13])</a:t>
             </a:r>
           </a:p>
           <a:p>
@@ -6030,7 +6377,7 @@
                   <a:schemeClr val="accent3"/>
                 </a:solidFill>
               </a:rPr>
-              <a:t># Take these vectors as input to the array. </a:t>
+              <a:t># Create 2D array from the 2 vectors, with axis 0 indicating ‘down’, i.e. each vector will become a row.</a:t>
             </a:r>
           </a:p>
           <a:p>
@@ -6040,83 +6387,97 @@
             <a:r>
               <a:rPr lang="en-CA" dirty="0">
                 <a:solidFill>
+                  <a:schemeClr val="accent1"/>
+                </a:solidFill>
+              </a:rPr>
+              <a:t>result = </a:t>
+            </a:r>
+            <a:r>
+              <a:rPr lang="en-CA" dirty="0" err="1">
+                <a:solidFill>
+                  <a:schemeClr val="accent1"/>
+                </a:solidFill>
+              </a:rPr>
+              <a:t>np.concatenate</a:t>
+            </a:r>
+            <a:r>
+              <a:rPr lang="en-CA" dirty="0">
+                <a:solidFill>
+                  <a:schemeClr val="accent1"/>
+                </a:solidFill>
+              </a:rPr>
+              <a:t>([vector1], [vector2], axis=0) </a:t>
+            </a:r>
+          </a:p>
+          <a:p>
+            <a:pPr marL="0" indent="0">
+              <a:buNone/>
+            </a:pPr>
+            <a:r>
+              <a:rPr lang="en-CA" dirty="0">
+                <a:solidFill>
+                  <a:schemeClr val="accent1"/>
+                </a:solidFill>
+              </a:rPr>
+              <a:t>print(result)</a:t>
+            </a:r>
+          </a:p>
+          <a:p>
+            <a:pPr marL="0" indent="0">
+              <a:buNone/>
+            </a:pPr>
+            <a:endParaRPr lang="en-CA" dirty="0">
+              <a:solidFill>
+                <a:schemeClr val="accent3"/>
+              </a:solidFill>
+            </a:endParaRPr>
+          </a:p>
+          <a:p>
+            <a:pPr marL="0" indent="0">
+              <a:buNone/>
+            </a:pPr>
+            <a:r>
+              <a:rPr lang="en-CA" dirty="0">
+                <a:solidFill>
+                  <a:schemeClr val="accent3"/>
+                </a:solidFill>
+              </a:rPr>
+              <a:t># take the transpose</a:t>
+            </a:r>
+          </a:p>
+          <a:p>
+            <a:pPr marL="0" indent="0">
+              <a:buNone/>
+            </a:pPr>
+            <a:r>
+              <a:rPr lang="en-CA" dirty="0" err="1">
+                <a:solidFill>
                   <a:schemeClr val="tx2"/>
                 </a:solidFill>
               </a:rPr>
-              <a:t>result &lt;- array(c(vector1,vector2),dim = c(4,2)) </a:t>
-            </a:r>
-          </a:p>
-          <a:p>
-            <a:pPr marL="0" indent="0">
-              <a:buNone/>
-            </a:pPr>
+              <a:t>tran</a:t>
+            </a:r>
             <a:r>
               <a:rPr lang="en-CA" dirty="0">
                 <a:solidFill>
                   <a:schemeClr val="tx2"/>
                 </a:solidFill>
               </a:rPr>
-              <a:t>print(result)</a:t>
-            </a:r>
-          </a:p>
-          <a:p>
-            <a:pPr marL="0" indent="0">
-              <a:buNone/>
-            </a:pPr>
+              <a:t> = </a:t>
+            </a:r>
+            <a:r>
+              <a:rPr lang="en-CA" dirty="0" err="1">
+                <a:solidFill>
+                  <a:schemeClr val="tx2"/>
+                </a:solidFill>
+              </a:rPr>
+              <a:t>result.T</a:t>
+            </a:r>
             <a:endParaRPr lang="en-CA" dirty="0">
               <a:solidFill>
                 <a:schemeClr val="tx2"/>
               </a:solidFill>
             </a:endParaRPr>
-          </a:p>
-          <a:p>
-            <a:pPr marL="0" indent="0">
-              <a:buNone/>
-            </a:pPr>
-            <a:r>
-              <a:rPr lang="en-CA" dirty="0">
-                <a:solidFill>
-                  <a:schemeClr val="accent3"/>
-                </a:solidFill>
-              </a:rPr>
-              <a:t># note that it fills down rows first and then moves to the next column</a:t>
-            </a:r>
-          </a:p>
-          <a:p>
-            <a:pPr marL="0" indent="0">
-              <a:buNone/>
-            </a:pPr>
-            <a:endParaRPr lang="en-CA" dirty="0">
-              <a:solidFill>
-                <a:schemeClr val="accent3"/>
-              </a:solidFill>
-            </a:endParaRPr>
-          </a:p>
-          <a:p>
-            <a:pPr marL="0" indent="0">
-              <a:buNone/>
-            </a:pPr>
-            <a:r>
-              <a:rPr lang="en-CA" dirty="0">
-                <a:solidFill>
-                  <a:schemeClr val="accent3"/>
-                </a:solidFill>
-              </a:rPr>
-              <a:t># take the transpose</a:t>
-            </a:r>
-          </a:p>
-          <a:p>
-            <a:pPr marL="0" indent="0">
-              <a:buNone/>
-            </a:pPr>
-            <a:r>
-              <a:rPr lang="en-CA" dirty="0">
-                <a:solidFill>
-                  <a:schemeClr val="tx2"/>
-                </a:solidFill>
-              </a:rPr>
-              <a:t>t(result)</a:t>
-            </a:r>
           </a:p>
         </p:txBody>
       </p:sp>
@@ -6296,50 +6657,39 @@
         <p:spPr/>
         <p:txBody>
           <a:bodyPr>
-            <a:normAutofit fontScale="85000" lnSpcReduction="20000"/>
+            <a:normAutofit/>
           </a:bodyPr>
           <a:lstStyle/>
           <a:p>
             <a:r>
-              <a:rPr lang="en-CA" dirty="0"/>
-              <a:t>Paste command, with collapse=“/”, </a:t>
-            </a:r>
-            <a:r>
-              <a:rPr lang="en-CA" dirty="0" err="1"/>
-              <a:t>sep</a:t>
-            </a:r>
-            <a:r>
-              <a:rPr lang="en-CA" dirty="0"/>
-              <a:t>=“;”</a:t>
-            </a:r>
-          </a:p>
-          <a:p>
-            <a:endParaRPr lang="en-US" dirty="0"/>
-          </a:p>
-          <a:p>
-            <a:pPr marL="0" indent="0">
-              <a:buNone/>
-            </a:pPr>
-            <a:r>
-              <a:rPr lang="en-US" dirty="0">
-                <a:solidFill>
-                  <a:schemeClr val="tx2"/>
-                </a:solidFill>
-              </a:rPr>
-              <a:t>&gt;str1 &lt;- 'Happy </a:t>
-            </a:r>
-            <a:r>
-              <a:rPr lang="en-US" dirty="0" err="1">
-                <a:solidFill>
-                  <a:schemeClr val="tx2"/>
+              <a:rPr lang="en-CA" sz="2400" dirty="0"/>
+              <a:t>Some string commands. Single quote and double quote are usually interchangeable but must be paired correctly.</a:t>
+            </a:r>
+          </a:p>
+          <a:p>
+            <a:pPr marL="0" indent="0">
+              <a:buNone/>
+            </a:pPr>
+            <a:r>
+              <a:rPr lang="en-US" sz="2400" dirty="0">
+                <a:solidFill>
+                  <a:schemeClr val="accent1"/>
+                </a:solidFill>
+              </a:rPr>
+              <a:t>str1 = 'Happy </a:t>
+            </a:r>
+            <a:r>
+              <a:rPr lang="en-US" sz="2400" dirty="0" err="1">
+                <a:solidFill>
+                  <a:schemeClr val="accent1"/>
                 </a:solidFill>
               </a:rPr>
               <a:t>unBirthday</a:t>
             </a:r>
             <a:r>
-              <a:rPr lang="en-US" dirty="0">
-                <a:solidFill>
-                  <a:schemeClr val="tx2"/>
+              <a:rPr lang="en-US" sz="2400" dirty="0">
+                <a:solidFill>
+                  <a:schemeClr val="accent1"/>
                 </a:solidFill>
               </a:rPr>
               <a:t>’</a:t>
@@ -6350,135 +6700,162 @@
               <a:buNone/>
             </a:pPr>
             <a:r>
-              <a:rPr lang="en-US" dirty="0">
-                <a:solidFill>
-                  <a:schemeClr val="tx2"/>
-                </a:solidFill>
-              </a:rPr>
-              <a:t>&gt;str2 &lt;- 'to me’</a:t>
-            </a:r>
-          </a:p>
-          <a:p>
-            <a:pPr marL="0" indent="0">
-              <a:buNone/>
-            </a:pPr>
-            <a:r>
-              <a:rPr lang="en-US" dirty="0">
-                <a:solidFill>
-                  <a:schemeClr val="tx2"/>
-                </a:solidFill>
-              </a:rPr>
-              <a:t>&gt;str3 &lt;- 'again’</a:t>
-            </a:r>
-          </a:p>
-          <a:p>
-            <a:pPr marL="0" indent="0">
-              <a:buNone/>
-            </a:pPr>
-            <a:endParaRPr lang="en-US" dirty="0">
-              <a:solidFill>
-                <a:schemeClr val="tx2"/>
-              </a:solidFill>
-            </a:endParaRPr>
-          </a:p>
-          <a:p>
-            <a:pPr marL="0" indent="0">
-              <a:buNone/>
-            </a:pPr>
-            <a:r>
-              <a:rPr lang="en-US" dirty="0">
-                <a:solidFill>
-                  <a:schemeClr val="tx2"/>
-                </a:solidFill>
-              </a:rPr>
-              <a:t>&gt;paste(str1, str2, </a:t>
-            </a:r>
-            <a:r>
-              <a:rPr lang="en-US" dirty="0" err="1">
-                <a:solidFill>
-                  <a:schemeClr val="tx2"/>
-                </a:solidFill>
-              </a:rPr>
-              <a:t>sep</a:t>
-            </a:r>
-            <a:r>
-              <a:rPr lang="en-US" dirty="0">
-                <a:solidFill>
-                  <a:schemeClr val="tx2"/>
-                </a:solidFill>
-              </a:rPr>
-              <a:t>='-’)</a:t>
-            </a:r>
-          </a:p>
-          <a:p>
-            <a:pPr marL="0" indent="0">
-              <a:buNone/>
-            </a:pPr>
-            <a:r>
-              <a:rPr lang="en-US" dirty="0">
-                <a:solidFill>
-                  <a:schemeClr val="tx2"/>
-                </a:solidFill>
-              </a:rPr>
-              <a:t>&gt;paste(c(str1, str2), str3)</a:t>
-            </a:r>
-          </a:p>
-          <a:p>
-            <a:pPr marL="0" indent="0">
-              <a:buNone/>
-            </a:pPr>
-            <a:r>
-              <a:rPr lang="en-US" dirty="0">
-                <a:solidFill>
-                  <a:schemeClr val="tx2"/>
-                </a:solidFill>
-              </a:rPr>
-              <a:t>&gt;paste(str1, str2, str3, </a:t>
-            </a:r>
-            <a:r>
-              <a:rPr lang="en-US" dirty="0" err="1">
-                <a:solidFill>
-                  <a:schemeClr val="tx2"/>
-                </a:solidFill>
-              </a:rPr>
-              <a:t>sep</a:t>
-            </a:r>
-            <a:r>
-              <a:rPr lang="en-US" dirty="0">
-                <a:solidFill>
-                  <a:schemeClr val="tx2"/>
-                </a:solidFill>
-              </a:rPr>
-              <a:t>='-', collapse='/’)</a:t>
-            </a:r>
-          </a:p>
-          <a:p>
-            <a:pPr marL="0" indent="0">
-              <a:buNone/>
-            </a:pPr>
-            <a:r>
-              <a:rPr lang="en-US" dirty="0">
-                <a:solidFill>
-                  <a:schemeClr val="tx2"/>
-                </a:solidFill>
-              </a:rPr>
-              <a:t>&gt;paste(c(str1, str2), str3, </a:t>
-            </a:r>
-            <a:r>
-              <a:rPr lang="en-US" dirty="0" err="1">
-                <a:solidFill>
-                  <a:schemeClr val="tx2"/>
-                </a:solidFill>
-              </a:rPr>
-              <a:t>sep</a:t>
-            </a:r>
-            <a:r>
-              <a:rPr lang="en-US" dirty="0">
-                <a:solidFill>
-                  <a:schemeClr val="tx2"/>
-                </a:solidFill>
-              </a:rPr>
-              <a:t>='-', collapse ='/')</a:t>
+              <a:rPr lang="en-US" sz="2400" dirty="0">
+                <a:solidFill>
+                  <a:schemeClr val="accent1"/>
+                </a:solidFill>
+              </a:rPr>
+              <a:t>str2 = “to me”</a:t>
+            </a:r>
+          </a:p>
+          <a:p>
+            <a:pPr marL="0" indent="0">
+              <a:buNone/>
+            </a:pPr>
+            <a:r>
+              <a:rPr lang="en-US" sz="2400" dirty="0">
+                <a:solidFill>
+                  <a:schemeClr val="accent1"/>
+                </a:solidFill>
+              </a:rPr>
+              <a:t>str3 = 'again’</a:t>
+            </a:r>
+          </a:p>
+          <a:p>
+            <a:pPr marL="0" indent="0">
+              <a:buNone/>
+            </a:pPr>
+            <a:r>
+              <a:rPr lang="en-US" sz="2400" dirty="0">
+                <a:solidFill>
+                  <a:schemeClr val="accent1"/>
+                </a:solidFill>
+              </a:rPr>
+              <a:t>str1 + ‘-’ + str2  </a:t>
+            </a:r>
+            <a:r>
+              <a:rPr lang="en-US" sz="2400" dirty="0">
+                <a:solidFill>
+                  <a:schemeClr val="accent3"/>
+                </a:solidFill>
+              </a:rPr>
+              <a:t>#concatenate with separator</a:t>
+            </a:r>
+          </a:p>
+          <a:p>
+            <a:pPr marL="0" indent="0">
+              <a:buNone/>
+            </a:pPr>
+            <a:r>
+              <a:rPr lang="en-US" sz="2400" dirty="0">
+                <a:solidFill>
+                  <a:schemeClr val="accent1"/>
+                </a:solidFill>
+              </a:rPr>
+              <a:t>str1 + str2 + str3 </a:t>
+            </a:r>
+            <a:r>
+              <a:rPr lang="en-US" sz="2400" dirty="0">
+                <a:solidFill>
+                  <a:schemeClr val="accent3"/>
+                </a:solidFill>
+              </a:rPr>
+              <a:t># </a:t>
+            </a:r>
+            <a:r>
+              <a:rPr lang="en-US" sz="2400" dirty="0" err="1">
+                <a:solidFill>
+                  <a:schemeClr val="accent3"/>
+                </a:solidFill>
+              </a:rPr>
+              <a:t>concat</a:t>
+            </a:r>
+            <a:r>
+              <a:rPr lang="en-US" sz="2400" dirty="0">
+                <a:solidFill>
+                  <a:schemeClr val="accent3"/>
+                </a:solidFill>
+              </a:rPr>
+              <a:t> without separator</a:t>
+            </a:r>
+          </a:p>
+          <a:p>
+            <a:pPr marL="0" indent="0">
+              <a:buNone/>
+            </a:pPr>
+            <a:r>
+              <a:rPr lang="en-US" sz="2400" dirty="0">
+                <a:solidFill>
+                  <a:schemeClr val="accent1"/>
+                </a:solidFill>
+              </a:rPr>
+              <a:t>“-”.join([str1, str2, str3])  </a:t>
+            </a:r>
+            <a:r>
+              <a:rPr lang="en-US" sz="2400" dirty="0">
+                <a:solidFill>
+                  <a:schemeClr val="accent3"/>
+                </a:solidFill>
+              </a:rPr>
+              <a:t>#</a:t>
+            </a:r>
+            <a:r>
+              <a:rPr lang="en-US" sz="2400" dirty="0" err="1">
+                <a:solidFill>
+                  <a:schemeClr val="accent3"/>
+                </a:solidFill>
+              </a:rPr>
+              <a:t>concat</a:t>
+            </a:r>
+            <a:r>
+              <a:rPr lang="en-US" sz="2400" dirty="0">
+                <a:solidFill>
+                  <a:schemeClr val="accent3"/>
+                </a:solidFill>
+              </a:rPr>
+              <a:t> multiple strings</a:t>
+            </a:r>
+          </a:p>
+          <a:p>
+            <a:pPr marL="0" indent="0">
+              <a:buNone/>
+            </a:pPr>
+            <a:r>
+              <a:rPr lang="en-US" sz="2400" dirty="0">
+                <a:solidFill>
+                  <a:schemeClr val="accent1"/>
+                </a:solidFill>
+              </a:rPr>
+              <a:t>str1.replace(“ un”,”, happy “)  </a:t>
+            </a:r>
+            <a:r>
+              <a:rPr lang="en-US" sz="2400" dirty="0">
+                <a:solidFill>
+                  <a:schemeClr val="accent3"/>
+                </a:solidFill>
+              </a:rPr>
+              <a:t>#replace a substring</a:t>
+            </a:r>
+          </a:p>
+          <a:p>
+            <a:pPr marL="0" indent="0">
+              <a:buNone/>
+            </a:pPr>
+            <a:r>
+              <a:rPr lang="en-US" sz="2400" dirty="0">
+                <a:solidFill>
+                  <a:schemeClr val="accent1"/>
+                </a:solidFill>
+              </a:rPr>
+              <a:t>str1.split(“ “) </a:t>
+            </a:r>
+            <a:r>
+              <a:rPr lang="en-US" sz="2400" dirty="0">
+                <a:solidFill>
+                  <a:schemeClr val="accent3"/>
+                </a:solidFill>
+              </a:rPr>
+              <a:t>#split a string into a list by separator.</a:t>
             </a:r>
           </a:p>
         </p:txBody>
@@ -6552,71 +6929,103 @@
           <a:p>
             <a:r>
               <a:rPr lang="en-CA" dirty="0"/>
-              <a:t>Number of rows and columns: </a:t>
-            </a:r>
-            <a:r>
-              <a:rPr lang="en-CA" dirty="0" err="1"/>
-              <a:t>nrow</a:t>
-            </a:r>
-            <a:r>
-              <a:rPr lang="en-CA" dirty="0"/>
-              <a:t>, </a:t>
-            </a:r>
-            <a:r>
-              <a:rPr lang="en-CA" dirty="0" err="1"/>
-              <a:t>ncol</a:t>
-            </a:r>
-            <a:endParaRPr lang="en-CA" dirty="0"/>
-          </a:p>
-          <a:p>
-            <a:endParaRPr lang="en-US" dirty="0"/>
-          </a:p>
-          <a:p>
-            <a:r>
-              <a:rPr lang="en-US" u="sng" dirty="0"/>
-              <a:t>N</a:t>
-            </a:r>
-            <a:r>
-              <a:rPr lang="en-CA" u="sng" dirty="0" err="1"/>
-              <a:t>ote</a:t>
-            </a:r>
-            <a:r>
-              <a:rPr lang="en-CA" u="sng" dirty="0"/>
-              <a:t> </a:t>
-            </a:r>
-            <a:r>
-              <a:rPr lang="en-CA" dirty="0"/>
-              <a:t>that for vectors: NROW, NCOL</a:t>
-            </a:r>
-          </a:p>
-          <a:p>
-            <a:endParaRPr lang="en-CA" dirty="0"/>
-          </a:p>
-          <a:p>
-            <a:r>
-              <a:rPr lang="en-CA" dirty="0" err="1"/>
-              <a:t>cbind</a:t>
-            </a:r>
-            <a:r>
-              <a:rPr lang="en-CA" dirty="0"/>
-              <a:t> and </a:t>
-            </a:r>
-            <a:r>
-              <a:rPr lang="en-CA" dirty="0" err="1"/>
-              <a:t>rbind</a:t>
-            </a:r>
-            <a:r>
-              <a:rPr lang="en-CA" dirty="0"/>
-              <a:t> can be used to combine matrices row and </a:t>
-            </a:r>
-            <a:r>
-              <a:rPr lang="en-CA" dirty="0" err="1"/>
-              <a:t>columnwise</a:t>
-            </a:r>
-            <a:endParaRPr lang="en-CA" dirty="0"/>
-          </a:p>
-          <a:p>
-            <a:endParaRPr lang="en-CA" dirty="0"/>
+              <a:t>Number of rows and columns:</a:t>
+            </a:r>
+          </a:p>
+          <a:p>
+            <a:pPr marL="0" indent="0">
+              <a:buNone/>
+            </a:pPr>
+            <a:r>
+              <a:rPr lang="en-CA" dirty="0" err="1">
+                <a:solidFill>
+                  <a:schemeClr val="accent1"/>
+                </a:solidFill>
+              </a:rPr>
+              <a:t>arr</a:t>
+            </a:r>
+            <a:r>
+              <a:rPr lang="en-CA" dirty="0">
+                <a:solidFill>
+                  <a:schemeClr val="accent1"/>
+                </a:solidFill>
+              </a:rPr>
+              <a:t> = </a:t>
+            </a:r>
+            <a:r>
+              <a:rPr lang="en-CA" dirty="0" err="1">
+                <a:solidFill>
+                  <a:schemeClr val="accent1"/>
+                </a:solidFill>
+              </a:rPr>
+              <a:t>np.array</a:t>
+            </a:r>
+            <a:r>
+              <a:rPr lang="en-CA" dirty="0">
+                <a:solidFill>
+                  <a:schemeClr val="accent1"/>
+                </a:solidFill>
+              </a:rPr>
+              <a:t>([[1,2,3],[4,5,6]])</a:t>
+            </a:r>
+          </a:p>
+          <a:p>
+            <a:pPr marL="0" indent="0">
+              <a:buNone/>
+            </a:pPr>
+            <a:r>
+              <a:rPr lang="en-CA" dirty="0" err="1">
+                <a:solidFill>
+                  <a:schemeClr val="accent1"/>
+                </a:solidFill>
+              </a:rPr>
+              <a:t>arr.shape</a:t>
+            </a:r>
+            <a:r>
+              <a:rPr lang="en-CA" dirty="0">
+                <a:solidFill>
+                  <a:schemeClr val="accent1"/>
+                </a:solidFill>
+              </a:rPr>
+              <a:t>[0] </a:t>
+            </a:r>
+            <a:r>
+              <a:rPr lang="en-CA" dirty="0">
+                <a:solidFill>
+                  <a:schemeClr val="accent3"/>
+                </a:solidFill>
+              </a:rPr>
+              <a:t>#number of rows</a:t>
+            </a:r>
+          </a:p>
+          <a:p>
+            <a:pPr marL="0" indent="0">
+              <a:buNone/>
+            </a:pPr>
+            <a:r>
+              <a:rPr lang="en-CA" dirty="0" err="1">
+                <a:solidFill>
+                  <a:schemeClr val="accent1"/>
+                </a:solidFill>
+              </a:rPr>
+              <a:t>arr.shape</a:t>
+            </a:r>
+            <a:r>
+              <a:rPr lang="en-CA" dirty="0">
+                <a:solidFill>
+                  <a:schemeClr val="accent1"/>
+                </a:solidFill>
+              </a:rPr>
+              <a:t>[1] </a:t>
+            </a:r>
+            <a:r>
+              <a:rPr lang="en-CA" dirty="0">
+                <a:solidFill>
+                  <a:schemeClr val="accent3"/>
+                </a:solidFill>
+              </a:rPr>
+              <a:t>#number of columns</a:t>
+            </a:r>
           </a:p>
         </p:txBody>
       </p:sp>
@@ -6698,7 +7107,7 @@
         <p:spPr/>
         <p:txBody>
           <a:bodyPr>
-            <a:normAutofit fontScale="85000" lnSpcReduction="10000"/>
+            <a:normAutofit/>
           </a:bodyPr>
           <a:lstStyle/>
           <a:p>
@@ -6706,47 +7115,95 @@
               <a:buNone/>
             </a:pPr>
             <a:r>
-              <a:rPr lang="en-CA" dirty="0">
-                <a:solidFill>
-                  <a:schemeClr val="tx2"/>
-                </a:solidFill>
-              </a:rPr>
-              <a:t>myArray1 &lt;- c(1,2,3,4,5)</a:t>
-            </a:r>
-          </a:p>
-          <a:p>
-            <a:pPr marL="0" indent="0">
-              <a:buNone/>
-            </a:pPr>
-            <a:r>
-              <a:rPr lang="en-CA" dirty="0">
-                <a:solidFill>
-                  <a:schemeClr val="tx2"/>
-                </a:solidFill>
-              </a:rPr>
-              <a:t>myArray2 &lt;- c(2,4,6,8,10)</a:t>
-            </a:r>
-          </a:p>
-          <a:p>
-            <a:pPr marL="0" indent="0">
-              <a:buNone/>
-            </a:pPr>
-            <a:r>
-              <a:rPr lang="en-CA" dirty="0">
-                <a:solidFill>
-                  <a:schemeClr val="tx2"/>
-                </a:solidFill>
-              </a:rPr>
-              <a:t>myArray3 &lt;- c(3,6,9,12,15)</a:t>
-            </a:r>
-          </a:p>
-          <a:p>
-            <a:pPr marL="0" indent="0">
-              <a:buNone/>
-            </a:pPr>
-            <a:endParaRPr lang="en-CA" dirty="0">
+              <a:rPr lang="en-CA" sz="2000" dirty="0">
+                <a:solidFill>
+                  <a:schemeClr val="accent1"/>
+                </a:solidFill>
+              </a:rPr>
+              <a:t>myArray1 = </a:t>
+            </a:r>
+            <a:r>
+              <a:rPr lang="en-CA" sz="2000" dirty="0" err="1">
+                <a:solidFill>
+                  <a:schemeClr val="accent1"/>
+                </a:solidFill>
+              </a:rPr>
+              <a:t>np.array</a:t>
+            </a:r>
+            <a:r>
+              <a:rPr lang="en-CA" sz="2000" dirty="0">
+                <a:solidFill>
+                  <a:schemeClr val="accent1"/>
+                </a:solidFill>
+              </a:rPr>
+              <a:t>([1,2,3,4,5])</a:t>
+            </a:r>
+          </a:p>
+          <a:p>
+            <a:pPr marL="0" indent="0">
+              <a:buNone/>
+            </a:pPr>
+            <a:r>
+              <a:rPr lang="en-CA" sz="2000" dirty="0">
+                <a:solidFill>
+                  <a:schemeClr val="accent1"/>
+                </a:solidFill>
+              </a:rPr>
+              <a:t>myArray2 = </a:t>
+            </a:r>
+            <a:r>
+              <a:rPr lang="en-CA" sz="2000" dirty="0" err="1">
+                <a:solidFill>
+                  <a:schemeClr val="accent1"/>
+                </a:solidFill>
+              </a:rPr>
+              <a:t>np.array</a:t>
+            </a:r>
+            <a:r>
+              <a:rPr lang="en-CA" sz="2000" dirty="0">
+                <a:solidFill>
+                  <a:schemeClr val="accent1"/>
+                </a:solidFill>
+              </a:rPr>
+              <a:t>([2,4,6,8,10])</a:t>
+            </a:r>
+          </a:p>
+          <a:p>
+            <a:pPr marL="0" indent="0">
+              <a:buNone/>
+            </a:pPr>
+            <a:r>
+              <a:rPr lang="en-CA" sz="2000" dirty="0">
+                <a:solidFill>
+                  <a:schemeClr val="accent1"/>
+                </a:solidFill>
+              </a:rPr>
+              <a:t>myArray3 = </a:t>
+            </a:r>
+            <a:r>
+              <a:rPr lang="en-CA" sz="2000" dirty="0" err="1">
+                <a:solidFill>
+                  <a:schemeClr val="accent1"/>
+                </a:solidFill>
+              </a:rPr>
+              <a:t>np.array</a:t>
+            </a:r>
+            <a:r>
+              <a:rPr lang="en-CA" sz="2000" dirty="0">
+                <a:solidFill>
+                  <a:schemeClr val="accent1"/>
+                </a:solidFill>
+              </a:rPr>
+              <a:t>([3,6,9,12,15])</a:t>
+            </a:r>
+          </a:p>
+          <a:p>
+            <a:pPr marL="0" indent="0">
+              <a:buNone/>
+            </a:pPr>
+            <a:endParaRPr lang="en-CA" sz="2000" dirty="0">
               <a:solidFill>
-                <a:schemeClr val="tx2"/>
+                <a:schemeClr val="accent1"/>
               </a:solidFill>
             </a:endParaRPr>
           </a:p>
@@ -6755,125 +7212,57 @@
               <a:buNone/>
             </a:pPr>
             <a:r>
-              <a:rPr lang="en-CA" dirty="0">
-                <a:solidFill>
-                  <a:schemeClr val="tx2"/>
-                </a:solidFill>
-              </a:rPr>
-              <a:t>myCMat12 &lt;- </a:t>
-            </a:r>
-            <a:r>
-              <a:rPr lang="en-CA" dirty="0" err="1">
-                <a:solidFill>
-                  <a:schemeClr val="tx2"/>
-                </a:solidFill>
-              </a:rPr>
-              <a:t>cbind</a:t>
-            </a:r>
-            <a:r>
-              <a:rPr lang="en-CA" dirty="0">
-                <a:solidFill>
-                  <a:schemeClr val="tx2"/>
-                </a:solidFill>
-              </a:rPr>
-              <a:t>(myArray1, myArray2)</a:t>
-            </a:r>
-          </a:p>
-          <a:p>
-            <a:pPr marL="0" indent="0">
-              <a:buNone/>
-            </a:pPr>
-            <a:r>
-              <a:rPr lang="en-CA" dirty="0">
-                <a:solidFill>
-                  <a:schemeClr val="tx2"/>
-                </a:solidFill>
-              </a:rPr>
-              <a:t>myCMat123 &lt;- </a:t>
-            </a:r>
-            <a:r>
-              <a:rPr lang="en-CA" dirty="0" err="1">
-                <a:solidFill>
-                  <a:schemeClr val="tx2"/>
-                </a:solidFill>
-              </a:rPr>
-              <a:t>cbind</a:t>
-            </a:r>
-            <a:r>
-              <a:rPr lang="en-CA" dirty="0">
-                <a:solidFill>
-                  <a:schemeClr val="tx2"/>
-                </a:solidFill>
-              </a:rPr>
-              <a:t>(myArray1, myArray2, myArray3)</a:t>
-            </a:r>
-          </a:p>
-          <a:p>
-            <a:pPr marL="0" indent="0">
-              <a:buNone/>
-            </a:pPr>
-            <a:endParaRPr lang="en-CA" dirty="0">
-              <a:solidFill>
-                <a:schemeClr val="tx2"/>
-              </a:solidFill>
-            </a:endParaRPr>
-          </a:p>
-          <a:p>
-            <a:pPr marL="0" indent="0">
-              <a:buNone/>
-            </a:pPr>
-            <a:r>
-              <a:rPr lang="en-CA" dirty="0">
-                <a:solidFill>
-                  <a:schemeClr val="tx2"/>
-                </a:solidFill>
-              </a:rPr>
-              <a:t>(myRMat12 &lt;- </a:t>
-            </a:r>
-            <a:r>
-              <a:rPr lang="en-CA" dirty="0" err="1">
-                <a:solidFill>
-                  <a:schemeClr val="tx2"/>
-                </a:solidFill>
-              </a:rPr>
-              <a:t>rbind</a:t>
-            </a:r>
-            <a:r>
-              <a:rPr lang="en-CA" dirty="0">
-                <a:solidFill>
-                  <a:schemeClr val="tx2"/>
-                </a:solidFill>
-              </a:rPr>
-              <a:t>(myArray1, myArray2))</a:t>
-            </a:r>
-          </a:p>
-          <a:p>
-            <a:pPr marL="0" indent="0">
-              <a:buNone/>
-            </a:pPr>
-            <a:r>
-              <a:rPr lang="en-CA" dirty="0">
-                <a:solidFill>
-                  <a:schemeClr val="tx2"/>
-                </a:solidFill>
-              </a:rPr>
-              <a:t>(myRMat123 &lt;- </a:t>
-            </a:r>
-            <a:r>
-              <a:rPr lang="en-CA" dirty="0" err="1">
-                <a:solidFill>
-                  <a:schemeClr val="tx2"/>
-                </a:solidFill>
-              </a:rPr>
-              <a:t>rbind</a:t>
-            </a:r>
-            <a:r>
-              <a:rPr lang="en-CA" dirty="0">
-                <a:solidFill>
-                  <a:schemeClr val="tx2"/>
-                </a:solidFill>
-              </a:rPr>
-              <a:t>(myArray1, myArray2, myArray3))</a:t>
+              <a:rPr lang="en-CA" sz="2000" dirty="0">
+                <a:solidFill>
+                  <a:schemeClr val="accent1"/>
+                </a:solidFill>
+              </a:rPr>
+              <a:t>myMat12 = </a:t>
+            </a:r>
+            <a:r>
+              <a:rPr lang="en-CA" sz="2000" dirty="0" err="1">
+                <a:solidFill>
+                  <a:schemeClr val="accent1"/>
+                </a:solidFill>
+              </a:rPr>
+              <a:t>np.concatenate</a:t>
+            </a:r>
+            <a:r>
+              <a:rPr lang="en-CA" sz="2000" dirty="0">
+                <a:solidFill>
+                  <a:schemeClr val="accent1"/>
+                </a:solidFill>
+              </a:rPr>
+              <a:t>(([myArray1], [myArray2]), axis=0)</a:t>
+            </a:r>
+          </a:p>
+          <a:p>
+            <a:pPr marL="0" indent="0">
+              <a:buNone/>
+            </a:pPr>
+            <a:r>
+              <a:rPr lang="en-CA" sz="2000" dirty="0">
+                <a:solidFill>
+                  <a:schemeClr val="accent1"/>
+                </a:solidFill>
+              </a:rPr>
+              <a:t>myMat123 = </a:t>
+            </a:r>
+            <a:r>
+              <a:rPr lang="en-CA" sz="2000" dirty="0" err="1">
+                <a:solidFill>
+                  <a:schemeClr val="accent1"/>
+                </a:solidFill>
+              </a:rPr>
+              <a:t>np.concatenate</a:t>
+            </a:r>
+            <a:r>
+              <a:rPr lang="en-CA" sz="2000" dirty="0">
+                <a:solidFill>
+                  <a:schemeClr val="accent1"/>
+                </a:solidFill>
+              </a:rPr>
+              <a:t>(([myArray1], [myArray2 ], [myArray3] ), axis=0)</a:t>
             </a:r>
           </a:p>
         </p:txBody>
@@ -7076,23 +7465,7 @@
                   <a:srgbClr val="002060"/>
                 </a:solidFill>
               </a:rPr>
-              <a:t># combine D and E </a:t>
-            </a:r>
-            <a:r>
-              <a:rPr lang="en-CA" sz="1800" dirty="0" err="1">
-                <a:solidFill>
-                  <a:srgbClr val="002060"/>
-                </a:solidFill>
-              </a:rPr>
-              <a:t>columnwise</a:t>
-            </a:r>
-            <a:r>
-              <a:rPr lang="en-CA" sz="1800" dirty="0">
-                <a:solidFill>
-                  <a:srgbClr val="002060"/>
-                </a:solidFill>
-              </a:rPr>
-              <a:t> and assign to F</a:t>
+              <a:t># combine D and E column-wise and assign to F</a:t>
             </a:r>
           </a:p>
           <a:p>
@@ -7242,7 +7615,7 @@
           <a:p>
             <a:r>
               <a:rPr lang="en-CA" dirty="0"/>
-              <a:t>Data types in R</a:t>
+              <a:t>Data types</a:t>
             </a:r>
           </a:p>
         </p:txBody>
@@ -7259,47 +7632,206 @@
         </p:nvSpPr>
         <p:spPr/>
         <p:txBody>
-          <a:bodyPr/>
+          <a:bodyPr>
+            <a:normAutofit fontScale="55000" lnSpcReduction="20000"/>
+          </a:bodyPr>
           <a:lstStyle/>
           <a:p>
             <a:r>
               <a:rPr lang="en-US" dirty="0"/>
-              <a:t>scalars, vectors (numerical, character, logical), matrices, data frames, lists, factors</a:t>
-            </a:r>
-          </a:p>
-          <a:p>
+              <a:t>numbers, strings, lists, dictionaries, tuples, sets. (built-in types)</a:t>
+            </a:r>
+          </a:p>
+          <a:p>
+            <a:r>
+              <a:rPr lang="en-US" u="sng" dirty="0"/>
+              <a:t>dictionary</a:t>
+            </a:r>
+            <a:r>
+              <a:rPr lang="en-US" dirty="0"/>
+              <a:t> Like a list but</a:t>
+            </a:r>
+          </a:p>
+          <a:p>
+            <a:pPr marL="0" indent="0">
+              <a:buNone/>
+            </a:pPr>
+            <a:r>
+              <a:rPr lang="en-US" dirty="0"/>
+              <a:t>	- it is not ordered (index is not used).</a:t>
+            </a:r>
+          </a:p>
+          <a:p>
+            <a:pPr marL="0" indent="0">
+              <a:buNone/>
+            </a:pPr>
+            <a:r>
+              <a:rPr lang="en-US" dirty="0"/>
+              <a:t>	- elements are accessed by a key string.</a:t>
+            </a:r>
+          </a:p>
+          <a:p>
+            <a:pPr marL="0" indent="0">
+              <a:buNone/>
+            </a:pPr>
+            <a:r>
+              <a:rPr lang="en-US" dirty="0"/>
+              <a:t>	- curly braces</a:t>
+            </a:r>
+          </a:p>
+          <a:p>
+            <a:pPr marL="0" indent="0">
+              <a:buNone/>
+            </a:pPr>
             <a:endParaRPr lang="en-US" dirty="0"/>
           </a:p>
           <a:p>
+            <a:pPr marL="0" indent="0">
+              <a:buNone/>
+            </a:pPr>
+            <a:r>
+              <a:rPr lang="en-US" dirty="0">
+                <a:solidFill>
+                  <a:schemeClr val="accent1"/>
+                </a:solidFill>
+              </a:rPr>
+              <a:t>height = {“Harry”:5.9, “Sally”:5.2}</a:t>
+            </a:r>
+          </a:p>
+          <a:p>
+            <a:pPr marL="0" indent="0">
+              <a:buNone/>
+            </a:pPr>
+            <a:r>
+              <a:rPr lang="en-US" dirty="0">
+                <a:solidFill>
+                  <a:schemeClr val="accent1"/>
+                </a:solidFill>
+              </a:rPr>
+              <a:t>height[“Sally”]  </a:t>
+            </a:r>
+            <a:r>
+              <a:rPr lang="en-US" dirty="0">
+                <a:solidFill>
+                  <a:schemeClr val="accent3"/>
+                </a:solidFill>
+              </a:rPr>
+              <a:t># to obtain height of Sally</a:t>
+            </a:r>
+          </a:p>
+          <a:p>
+            <a:pPr marL="0" indent="0">
+              <a:buNone/>
+            </a:pPr>
+            <a:r>
+              <a:rPr lang="en-US" dirty="0">
+                <a:solidFill>
+                  <a:schemeClr val="accent1"/>
+                </a:solidFill>
+              </a:rPr>
+              <a:t>height[“Sally”] = 5.3  </a:t>
+            </a:r>
+            <a:r>
+              <a:rPr lang="en-US" dirty="0">
+                <a:solidFill>
+                  <a:schemeClr val="accent3"/>
+                </a:solidFill>
+              </a:rPr>
+              <a:t>#Sally has grown so assign new height.</a:t>
+            </a:r>
+          </a:p>
+          <a:p>
+            <a:pPr marL="0" indent="0">
+              <a:buNone/>
+            </a:pPr>
+            <a:endParaRPr lang="en-US" dirty="0"/>
+          </a:p>
+          <a:p>
+            <a:r>
+              <a:rPr lang="en-US" u="sng" dirty="0"/>
+              <a:t>tuple</a:t>
+            </a:r>
             <a:r>
               <a:rPr lang="en-US" dirty="0"/>
-              <a:t>arrays, similar to matrices but have more than two dimensions</a:t>
-            </a:r>
-          </a:p>
-          <a:p>
-            <a:endParaRPr lang="en-US" dirty="0"/>
-          </a:p>
-          <a:p>
+              <a:t> Like a list but not changeable. Uses () parentheses.</a:t>
+            </a:r>
+          </a:p>
+          <a:p>
+            <a:pPr marL="0" indent="0">
+              <a:buNone/>
+            </a:pPr>
+            <a:r>
+              <a:rPr lang="en-US" dirty="0">
+                <a:solidFill>
+                  <a:schemeClr val="accent1"/>
+                </a:solidFill>
+              </a:rPr>
+              <a:t>pi = (“PI”, 3.14) </a:t>
+            </a:r>
+            <a:r>
+              <a:rPr lang="en-US" dirty="0">
+                <a:solidFill>
+                  <a:schemeClr val="accent3"/>
+                </a:solidFill>
+              </a:rPr>
+              <a:t># constant</a:t>
+            </a:r>
+          </a:p>
+          <a:p>
+            <a:r>
+              <a:rPr lang="en-US" u="sng" dirty="0"/>
+              <a:t>set</a:t>
+            </a:r>
             <a:r>
               <a:rPr lang="en-US" dirty="0"/>
-              <a:t>Helpful: </a:t>
+              <a:t> Like a list but is not ordered and ensures uniqueness of elements. </a:t>
+            </a:r>
+          </a:p>
+          <a:p>
+            <a:pPr lvl="1"/>
+            <a:r>
+              <a:rPr lang="en-US" sz="3200" dirty="0"/>
+              <a:t>useful for math set operations like union and intersection.</a:t>
+            </a:r>
+            <a:endParaRPr lang="en-US" dirty="0">
+              <a:solidFill>
+                <a:schemeClr val="accent1"/>
+              </a:solidFill>
+            </a:endParaRPr>
+          </a:p>
+          <a:p>
+            <a:pPr marL="0" indent="0">
+              <a:buNone/>
+            </a:pPr>
+            <a:r>
+              <a:rPr lang="en-US" dirty="0" err="1">
+                <a:solidFill>
+                  <a:schemeClr val="accent1"/>
+                </a:solidFill>
+              </a:rPr>
+              <a:t>myset</a:t>
             </a:r>
             <a:r>
               <a:rPr lang="en-US" dirty="0">
-                <a:hlinkClick r:id="rId2"/>
-              </a:rPr>
-              <a:t>http://adv-r.had.co.nz/Data-structures.html</a:t>
-            </a:r>
-            <a:endParaRPr lang="en-US" dirty="0"/>
-          </a:p>
-          <a:p>
-            <a:endParaRPr lang="en-US" dirty="0"/>
-          </a:p>
-          <a:p>
-            <a:endParaRPr lang="en-US" dirty="0"/>
-          </a:p>
-          <a:p>
-            <a:endParaRPr lang="en-CA" dirty="0"/>
+                <a:solidFill>
+                  <a:schemeClr val="accent1"/>
+                </a:solidFill>
+              </a:rPr>
+              <a:t> = set([2,3,6,7,8,2,6])</a:t>
+            </a:r>
+          </a:p>
+          <a:p>
+            <a:pPr marL="0" indent="0">
+              <a:buNone/>
+            </a:pPr>
+            <a:r>
+              <a:rPr lang="en-US" dirty="0">
+                <a:solidFill>
+                  <a:schemeClr val="accent1"/>
+                </a:solidFill>
+              </a:rPr>
+              <a:t>{8, 2, 3, 6, 7}</a:t>
+            </a:r>
           </a:p>
         </p:txBody>
       </p:sp>
@@ -7391,53 +7923,149 @@
           <a:p>
             <a:r>
               <a:rPr lang="en-US" dirty="0"/>
-              <a:t>Can make using</a:t>
-            </a:r>
-          </a:p>
-          <a:p>
-            <a:pPr marL="0" indent="0">
-              <a:buNone/>
-            </a:pPr>
-            <a:r>
-              <a:rPr lang="en-US" dirty="0">
-                <a:solidFill>
-                  <a:schemeClr val="tx2"/>
-                </a:solidFill>
-              </a:rPr>
-              <a:t>&gt;</a:t>
-            </a:r>
-            <a:r>
-              <a:rPr lang="en-US" dirty="0" err="1">
-                <a:solidFill>
-                  <a:schemeClr val="tx2"/>
+              <a:t>Create using pandas package</a:t>
+            </a:r>
+          </a:p>
+          <a:p>
+            <a:pPr marL="0" indent="0">
+              <a:buNone/>
+            </a:pPr>
+            <a:r>
+              <a:rPr lang="en-US" sz="2000" dirty="0">
+                <a:solidFill>
+                  <a:schemeClr val="accent1"/>
+                </a:solidFill>
+              </a:rPr>
+              <a:t>import pandas as </a:t>
+            </a:r>
+            <a:r>
+              <a:rPr lang="en-US" sz="2000" dirty="0" err="1">
+                <a:solidFill>
+                  <a:schemeClr val="accent1"/>
+                </a:solidFill>
+              </a:rPr>
+              <a:t>pd</a:t>
+            </a:r>
+            <a:endParaRPr lang="en-US" sz="2000" dirty="0">
+              <a:solidFill>
+                <a:schemeClr val="accent1"/>
+              </a:solidFill>
+            </a:endParaRPr>
+          </a:p>
+          <a:p>
+            <a:pPr marL="0" indent="0">
+              <a:buNone/>
+            </a:pPr>
+            <a:r>
+              <a:rPr lang="en-US" sz="2000" dirty="0">
+                <a:solidFill>
+                  <a:schemeClr val="accent3"/>
+                </a:solidFill>
+              </a:rPr>
+              <a:t>#could use lists instead of arrays</a:t>
+            </a:r>
+            <a:endParaRPr lang="en-US" sz="2000" dirty="0">
+              <a:solidFill>
+                <a:schemeClr val="accent1"/>
+              </a:solidFill>
+            </a:endParaRPr>
+          </a:p>
+          <a:p>
+            <a:pPr marL="0" indent="0">
+              <a:buNone/>
+            </a:pPr>
+            <a:r>
+              <a:rPr lang="en-US" sz="2000" dirty="0" err="1">
+                <a:solidFill>
+                  <a:schemeClr val="accent1"/>
+                </a:solidFill>
+              </a:rPr>
+              <a:t>datadict</a:t>
+            </a:r>
+            <a:r>
+              <a:rPr lang="en-US" sz="2000" dirty="0">
+                <a:solidFill>
+                  <a:schemeClr val="accent1"/>
+                </a:solidFill>
+              </a:rPr>
+              <a:t> = {"col1":myArray1, "col2":myArray2}</a:t>
+            </a:r>
+          </a:p>
+          <a:p>
+            <a:pPr marL="0" indent="0">
+              <a:buNone/>
+            </a:pPr>
+            <a:r>
+              <a:rPr lang="en-US" sz="2000" dirty="0">
+                <a:solidFill>
+                  <a:schemeClr val="accent3"/>
+                </a:solidFill>
+              </a:rPr>
+              <a:t>#put the arrays into columns</a:t>
+            </a:r>
+          </a:p>
+          <a:p>
+            <a:pPr marL="0" indent="0">
+              <a:buNone/>
+            </a:pPr>
+            <a:r>
+              <a:rPr lang="en-US" sz="2000" dirty="0" err="1">
+                <a:solidFill>
+                  <a:schemeClr val="accent1"/>
                 </a:solidFill>
               </a:rPr>
               <a:t>myDF</a:t>
             </a:r>
             <a:r>
-              <a:rPr lang="en-US" dirty="0">
-                <a:solidFill>
-                  <a:schemeClr val="tx2"/>
-                </a:solidFill>
-              </a:rPr>
-              <a:t> &lt;- </a:t>
-            </a:r>
-            <a:r>
-              <a:rPr lang="en-US" dirty="0" err="1">
-                <a:solidFill>
-                  <a:schemeClr val="tx2"/>
-                </a:solidFill>
-              </a:rPr>
-              <a:t>data.frame</a:t>
-            </a:r>
-            <a:r>
-              <a:rPr lang="en-US" dirty="0">
-                <a:solidFill>
-                  <a:schemeClr val="tx2"/>
-                </a:solidFill>
-              </a:rPr>
-              <a:t>(myArray1, myArray2, myArray3)</a:t>
-            </a:r>
+              <a:rPr lang="en-US" sz="2000" dirty="0">
+                <a:solidFill>
+                  <a:schemeClr val="accent1"/>
+                </a:solidFill>
+              </a:rPr>
+              <a:t> = </a:t>
+            </a:r>
+            <a:r>
+              <a:rPr lang="en-US" sz="2000" dirty="0" err="1">
+                <a:solidFill>
+                  <a:schemeClr val="accent1"/>
+                </a:solidFill>
+              </a:rPr>
+              <a:t>pd.DataFrame</a:t>
+            </a:r>
+            <a:r>
+              <a:rPr lang="en-US" sz="2000" dirty="0">
+                <a:solidFill>
+                  <a:schemeClr val="accent1"/>
+                </a:solidFill>
+              </a:rPr>
+              <a:t>(</a:t>
+            </a:r>
+            <a:r>
+              <a:rPr lang="en-US" sz="2000" dirty="0" err="1">
+                <a:solidFill>
+                  <a:schemeClr val="accent1"/>
+                </a:solidFill>
+              </a:rPr>
+              <a:t>datadict</a:t>
+            </a:r>
+            <a:r>
+              <a:rPr lang="en-US" sz="2000" dirty="0">
+                <a:solidFill>
+                  <a:schemeClr val="accent1"/>
+                </a:solidFill>
+              </a:rPr>
+              <a:t>)</a:t>
+            </a:r>
+            <a:endParaRPr lang="en-US" sz="2000" dirty="0">
+              <a:solidFill>
+                <a:schemeClr val="accent3"/>
+              </a:solidFill>
+            </a:endParaRPr>
+          </a:p>
+          <a:p>
+            <a:pPr marL="0" indent="0">
+              <a:buNone/>
+            </a:pPr>
             <a:endParaRPr lang="en-CA" dirty="0">
               <a:solidFill>
                 <a:schemeClr val="tx2"/>
@@ -7499,11 +8127,7 @@
           <a:p>
             <a:r>
               <a:rPr lang="en-US" dirty="0"/>
-              <a:t>Data frames: </a:t>
-            </a:r>
-            <a:r>
-              <a:rPr lang="en-US" dirty="0" err="1"/>
-              <a:t>data.frame</a:t>
+              <a:t>Data frames</a:t>
             </a:r>
             <a:endParaRPr lang="en-CA" dirty="0"/>
           </a:p>
@@ -7527,7 +8151,9 @@
         </p:nvSpPr>
         <p:spPr/>
         <p:txBody>
-          <a:bodyPr/>
+          <a:bodyPr>
+            <a:normAutofit lnSpcReduction="10000"/>
+          </a:bodyPr>
           <a:lstStyle/>
           <a:p>
             <a:pPr marL="0" indent="0">
@@ -7539,14 +8165,8 @@
                   <a:schemeClr val="accent3"/>
                 </a:solidFill>
               </a:rPr>
-              <a:t># create three variables and assemble into a data frame by typing:</a:t>
-            </a:r>
-          </a:p>
-          <a:p>
-            <a:pPr marL="0" indent="0">
-              <a:buNone/>
-            </a:pPr>
-            <a:endParaRPr lang="en-US" dirty="0"/>
+              <a:t># create three variables and assemble into a data frame. This time use lists in your dictionary.</a:t>
+            </a:r>
           </a:p>
           <a:p>
             <a:pPr marL="0" indent="0">
@@ -7558,7 +8178,7 @@
                   <a:schemeClr val="tx2"/>
                 </a:solidFill>
               </a:rPr>
-              <a:t>&gt; n = c(2, 3, 5) </a:t>
+              <a:t>n = [2, 3, 5] </a:t>
             </a:r>
             <a:br>
               <a:rPr lang="en-CA" dirty="0">
@@ -7573,7 +8193,7 @@
                   <a:schemeClr val="tx2"/>
                 </a:solidFill>
               </a:rPr>
-              <a:t>&gt; s = c("aa", "bb", "cc") </a:t>
+              <a:t>s = ["aa", "bb", "cc”] </a:t>
             </a:r>
             <a:br>
               <a:rPr lang="en-CA" dirty="0">
@@ -7588,7 +8208,7 @@
                   <a:schemeClr val="tx2"/>
                 </a:solidFill>
               </a:rPr>
-              <a:t>&gt; b = c(TRUE, FALSE, TRUE) </a:t>
+              <a:t>b = [True, False, True] </a:t>
             </a:r>
             <a:br>
               <a:rPr lang="en-CA" dirty="0">
@@ -7598,12 +8218,20 @@
               </a:rPr>
             </a:br>
             <a:r>
+              <a:rPr lang="en-CA" dirty="0" err="1">
+                <a:solidFill>
+                  <a:schemeClr val="tx2"/>
+                </a:solidFill>
+              </a:rPr>
+              <a:t>df</a:t>
+            </a:r>
+            <a:r>
               <a:rPr lang="en-CA" dirty="0">
                 <a:solidFill>
                   <a:schemeClr val="tx2"/>
                 </a:solidFill>
               </a:rPr>
-              <a:t>&gt; df = </a:t>
+              <a:t> = </a:t>
             </a:r>
             <a:r>
               <a:rPr lang="en-CA" dirty="0" err="1">
@@ -7611,7 +8239,7 @@
                   <a:schemeClr val="tx2"/>
                 </a:solidFill>
               </a:rPr>
-              <a:t>data.frame</a:t>
+              <a:t>pd.DataFrame</a:t>
             </a:r>
             <a:r>
               <a:rPr lang="en-CA" dirty="0">
@@ -7619,32 +8247,93 @@
                   <a:schemeClr val="tx2"/>
                 </a:solidFill>
               </a:rPr>
-              <a:t>(n, s, b) </a:t>
+              <a:t>({‘</a:t>
+            </a:r>
+            <a:r>
+              <a:rPr lang="en-CA" dirty="0" err="1">
+                <a:solidFill>
+                  <a:schemeClr val="tx2"/>
+                </a:solidFill>
+              </a:rPr>
+              <a:t>num</a:t>
+            </a:r>
+            <a:r>
+              <a:rPr lang="en-CA" dirty="0">
+                <a:solidFill>
+                  <a:schemeClr val="tx2"/>
+                </a:solidFill>
+              </a:rPr>
+              <a:t>’:n, ’</a:t>
+            </a:r>
+            <a:r>
+              <a:rPr lang="en-CA" dirty="0" err="1">
+                <a:solidFill>
+                  <a:schemeClr val="tx2"/>
+                </a:solidFill>
+              </a:rPr>
+              <a:t>str</a:t>
+            </a:r>
+            <a:r>
+              <a:rPr lang="en-CA" dirty="0">
+                <a:solidFill>
+                  <a:schemeClr val="tx2"/>
+                </a:solidFill>
+              </a:rPr>
+              <a:t>’:s, ’</a:t>
+            </a:r>
+            <a:r>
+              <a:rPr lang="en-CA" dirty="0" err="1">
+                <a:solidFill>
+                  <a:schemeClr val="tx2"/>
+                </a:solidFill>
+              </a:rPr>
+              <a:t>bool’:b</a:t>
+            </a:r>
+            <a:r>
+              <a:rPr lang="en-CA" dirty="0">
+                <a:solidFill>
+                  <a:schemeClr val="tx2"/>
+                </a:solidFill>
+              </a:rPr>
+              <a:t>}) </a:t>
             </a:r>
             <a:r>
               <a:rPr lang="en-CA" dirty="0"/>
-              <a:t>      </a:t>
-            </a:r>
+              <a:t>  </a:t>
+            </a:r>
+          </a:p>
+          <a:p>
+            <a:pPr marL="0" indent="0">
+              <a:buNone/>
+            </a:pPr>
             <a:r>
               <a:rPr lang="en-CA" dirty="0">
                 <a:solidFill>
                   <a:schemeClr val="accent3"/>
                 </a:solidFill>
               </a:rPr>
-              <a:t># df is a data frame</a:t>
-            </a:r>
-          </a:p>
-          <a:p>
-            <a:pPr marL="0" indent="0">
-              <a:buNone/>
-            </a:pPr>
-            <a:r>
-              <a:rPr lang="en-US" dirty="0">
+              <a:t># to access the column having elements of n as a Series object.</a:t>
+            </a:r>
+          </a:p>
+          <a:p>
+            <a:pPr marL="0" indent="0">
+              <a:buNone/>
+            </a:pPr>
+            <a:r>
+              <a:rPr lang="en-CA" dirty="0" err="1">
                 <a:solidFill>
                   <a:schemeClr val="tx2"/>
                 </a:solidFill>
               </a:rPr>
-              <a:t>&gt;</a:t>
+              <a:t>df</a:t>
+            </a:r>
+            <a:r>
+              <a:rPr lang="en-CA" dirty="0">
+                <a:solidFill>
+                  <a:schemeClr val="tx2"/>
+                </a:solidFill>
+              </a:rPr>
+              <a:t>[‘</a:t>
             </a:r>
             <a:r>
               <a:rPr lang="en-CA" dirty="0" err="1">
@@ -7652,7 +8341,7 @@
                   <a:schemeClr val="tx2"/>
                 </a:solidFill>
               </a:rPr>
-              <a:t>df$n</a:t>
+              <a:t>num</a:t>
             </a:r>
             <a:r>
               <a:rPr lang="en-CA" dirty="0">
@@ -7660,16 +8349,13 @@
                   <a:schemeClr val="tx2"/>
                 </a:solidFill>
               </a:rPr>
-              <a:t> </a:t>
-            </a:r>
-            <a:r>
-              <a:rPr lang="en-CA" dirty="0">
-                <a:solidFill>
-                  <a:schemeClr val="accent3"/>
-                </a:solidFill>
-              </a:rPr>
-              <a:t># use the dollar sign to access elements</a:t>
-            </a:r>
+              <a:t>’]</a:t>
+            </a:r>
+            <a:endParaRPr lang="en-CA" dirty="0">
+              <a:solidFill>
+                <a:schemeClr val="accent3"/>
+              </a:solidFill>
+            </a:endParaRPr>
           </a:p>
         </p:txBody>
       </p:sp>
@@ -7687,127 +8373,6 @@
 </file>
 
 <file path=ppt/slides/slide27.xml><?xml version="1.0" encoding="utf-8"?>
-<p:sld xmlns:a="http://schemas.openxmlformats.org/drawingml/2006/main" xmlns:r="http://schemas.openxmlformats.org/officeDocument/2006/relationships" xmlns:p="http://schemas.openxmlformats.org/presentationml/2006/main">
-  <p:cSld>
-    <p:spTree>
-      <p:nvGrpSpPr>
-        <p:cNvPr id="1" name=""/>
-        <p:cNvGrpSpPr/>
-        <p:nvPr/>
-      </p:nvGrpSpPr>
-      <p:grpSpPr>
-        <a:xfrm>
-          <a:off x="0" y="0"/>
-          <a:ext cx="0" cy="0"/>
-          <a:chOff x="0" y="0"/>
-          <a:chExt cx="0" cy="0"/>
-        </a:xfrm>
-      </p:grpSpPr>
-      <p:sp>
-        <p:nvSpPr>
-          <p:cNvPr id="2" name="Title 1">
-            <a:extLst>
-              <a:ext uri="{FF2B5EF4-FFF2-40B4-BE49-F238E27FC236}">
-                <a16:creationId xmlns:a16="http://schemas.microsoft.com/office/drawing/2014/main" id="{E14F171A-3710-46D7-A7BD-F56F33AFA043}"/>
-              </a:ext>
-            </a:extLst>
-          </p:cNvPr>
-          <p:cNvSpPr>
-            <a:spLocks noGrp="1"/>
-          </p:cNvSpPr>
-          <p:nvPr>
-            <p:ph type="title"/>
-          </p:nvPr>
-        </p:nvSpPr>
-        <p:spPr/>
-        <p:txBody>
-          <a:bodyPr/>
-          <a:lstStyle/>
-          <a:p>
-            <a:r>
-              <a:rPr lang="en-US" dirty="0"/>
-              <a:t>Frames, lists, tables and </a:t>
-            </a:r>
-            <a:r>
-              <a:rPr lang="en-US" dirty="0" err="1"/>
-              <a:t>tibbles</a:t>
-            </a:r>
-            <a:endParaRPr lang="en-CA" dirty="0"/>
-          </a:p>
-        </p:txBody>
-      </p:sp>
-      <p:sp>
-        <p:nvSpPr>
-          <p:cNvPr id="3" name="Content Placeholder 2">
-            <a:extLst>
-              <a:ext uri="{FF2B5EF4-FFF2-40B4-BE49-F238E27FC236}">
-                <a16:creationId xmlns:a16="http://schemas.microsoft.com/office/drawing/2014/main" id="{625D45A1-5927-48B3-9D0A-0D0936DE5795}"/>
-              </a:ext>
-            </a:extLst>
-          </p:cNvPr>
-          <p:cNvSpPr>
-            <a:spLocks noGrp="1"/>
-          </p:cNvSpPr>
-          <p:nvPr>
-            <p:ph idx="1"/>
-          </p:nvPr>
-        </p:nvSpPr>
-        <p:spPr/>
-        <p:txBody>
-          <a:bodyPr/>
-          <a:lstStyle/>
-          <a:p>
-            <a:r>
-              <a:rPr lang="en-US" dirty="0"/>
-              <a:t>Newer packages have been written to overcome some limitations of tables</a:t>
-            </a:r>
-          </a:p>
-          <a:p>
-            <a:r>
-              <a:rPr lang="en-US" dirty="0"/>
-              <a:t>Tables and </a:t>
-            </a:r>
-            <a:r>
-              <a:rPr lang="en-US" dirty="0" err="1"/>
-              <a:t>tibbles</a:t>
-            </a:r>
-            <a:endParaRPr lang="en-US" dirty="0"/>
-          </a:p>
-          <a:p>
-            <a:r>
-              <a:rPr lang="en-US" dirty="0"/>
-              <a:t>Lists are recursive – can contain other lists</a:t>
-            </a:r>
-          </a:p>
-          <a:p>
-            <a:r>
-              <a:rPr lang="en-US" dirty="0"/>
-              <a:t>Need to install new packages to work with</a:t>
-            </a:r>
-          </a:p>
-          <a:p>
-            <a:r>
-              <a:rPr lang="en-US" dirty="0"/>
-              <a:t>(Wanted to mention but consider this a more advanced topic – for the interested reader!)</a:t>
-            </a:r>
-            <a:endParaRPr lang="en-CA" dirty="0"/>
-          </a:p>
-        </p:txBody>
-      </p:sp>
-    </p:spTree>
-    <p:extLst>
-      <p:ext uri="{BB962C8B-B14F-4D97-AF65-F5344CB8AC3E}">
-        <p14:creationId xmlns:p14="http://schemas.microsoft.com/office/powerpoint/2010/main" val="3867056840"/>
-      </p:ext>
-    </p:extLst>
-  </p:cSld>
-  <p:clrMapOvr>
-    <a:masterClrMapping/>
-  </p:clrMapOvr>
-</p:sld>
-</file>
-
-<file path=ppt/slides/slide28.xml><?xml version="1.0" encoding="utf-8"?>
 <p:sld xmlns:a="http://schemas.openxmlformats.org/drawingml/2006/main" xmlns:r="http://schemas.openxmlformats.org/officeDocument/2006/relationships" xmlns:p="http://schemas.openxmlformats.org/presentationml/2006/main">
   <p:cSld>
     <p:spTree>
@@ -8583,7 +9148,7 @@
           <a:p>
             <a:r>
               <a:rPr lang="en-CA" dirty="0"/>
-              <a:t>For a simple script you could use pip. E.g. to install SciPy package</a:t>
+              <a:t>For a simple script you could use pip. E.g. to install SciPy package:</a:t>
             </a:r>
           </a:p>
           <a:p>
@@ -8894,10 +9459,13 @@
         <p:spPr/>
         <p:txBody>
           <a:bodyPr>
-            <a:normAutofit fontScale="92500"/>
+            <a:normAutofit fontScale="62500" lnSpcReduction="20000"/>
           </a:bodyPr>
           <a:lstStyle/>
           <a:p>
+            <a:pPr marL="0" indent="0">
+              <a:buNone/>
+            </a:pPr>
             <a:r>
               <a:rPr lang="en-CA" dirty="0">
                 <a:solidFill>
@@ -8929,11 +9497,131 @@
           <a:p>
             <a:r>
               <a:rPr lang="en-CA" dirty="0"/>
-              <a:t>Don’t need ‘;’ to suppress instead use () to show</a:t>
-            </a:r>
-          </a:p>
-          <a:p>
+              <a:t>Don’t need ‘;’ to terminate lines.</a:t>
+            </a:r>
+          </a:p>
+          <a:p>
+            <a:r>
+              <a:rPr lang="en-CA" dirty="0"/>
+              <a:t>Indentation of lines is important! Indicates a block of code. e.g.</a:t>
+            </a:r>
+          </a:p>
+          <a:p>
+            <a:pPr marL="0" indent="0">
+              <a:buNone/>
+            </a:pPr>
+            <a:r>
+              <a:rPr lang="en-CA" dirty="0">
+                <a:solidFill>
+                  <a:schemeClr val="tx2"/>
+                </a:solidFill>
+              </a:rPr>
+              <a:t>if x == 2.5:</a:t>
+            </a:r>
+          </a:p>
+          <a:p>
+            <a:pPr marL="0" indent="0">
+              <a:buNone/>
+            </a:pPr>
+            <a:r>
+              <a:rPr lang="en-CA" dirty="0">
+                <a:solidFill>
+                  <a:schemeClr val="tx2"/>
+                </a:solidFill>
+              </a:rPr>
+              <a:t>    print(“x is 2.5!”) </a:t>
+            </a:r>
+            <a:r>
+              <a:rPr lang="en-CA" dirty="0">
+                <a:solidFill>
+                  <a:schemeClr val="accent3"/>
+                </a:solidFill>
+              </a:rPr>
+              <a:t># print if condition is met</a:t>
+            </a:r>
+            <a:endParaRPr lang="en-CA" dirty="0">
+              <a:solidFill>
+                <a:schemeClr val="tx2"/>
+              </a:solidFill>
+            </a:endParaRPr>
+          </a:p>
+          <a:p>
+            <a:pPr marL="0" indent="0">
+              <a:buNone/>
+            </a:pPr>
+            <a:r>
+              <a:rPr lang="en-CA" dirty="0">
+                <a:solidFill>
+                  <a:schemeClr val="tx2"/>
+                </a:solidFill>
+              </a:rPr>
+              <a:t>    success = True    </a:t>
+            </a:r>
+            <a:r>
+              <a:rPr lang="en-CA" dirty="0">
+                <a:solidFill>
+                  <a:schemeClr val="accent3"/>
+                </a:solidFill>
+              </a:rPr>
+              <a:t># print if condition is met</a:t>
+            </a:r>
+            <a:endParaRPr lang="en-CA" dirty="0">
+              <a:solidFill>
+                <a:schemeClr val="tx2"/>
+              </a:solidFill>
+            </a:endParaRPr>
+          </a:p>
+          <a:p>
+            <a:pPr marL="0" indent="0">
+              <a:buNone/>
+            </a:pPr>
+            <a:r>
+              <a:rPr lang="en-CA" dirty="0">
+                <a:solidFill>
+                  <a:schemeClr val="tx2"/>
+                </a:solidFill>
+              </a:rPr>
+              <a:t>else:</a:t>
+            </a:r>
+          </a:p>
+          <a:p>
+            <a:pPr marL="0" indent="0">
+              <a:buNone/>
+            </a:pPr>
+            <a:r>
+              <a:rPr lang="en-CA" dirty="0">
+                <a:solidFill>
+                  <a:schemeClr val="tx2"/>
+                </a:solidFill>
+              </a:rPr>
+              <a:t>    print(“x is not 2.5”) </a:t>
+            </a:r>
+            <a:r>
+              <a:rPr lang="en-CA" dirty="0">
+                <a:solidFill>
+                  <a:schemeClr val="accent3"/>
+                </a:solidFill>
+              </a:rPr>
+              <a:t># print if condition is NOT met</a:t>
+            </a:r>
             <a:endParaRPr lang="en-CA" dirty="0"/>
+          </a:p>
+          <a:p>
+            <a:endParaRPr lang="en-CA" dirty="0"/>
+          </a:p>
+          <a:p>
+            <a:r>
+              <a:rPr lang="en-CA" dirty="0"/>
+              <a:t>By convention, indents are 4 spaces. Editor </a:t>
+            </a:r>
+            <a:r>
+              <a:rPr lang="en-CA" dirty="0" err="1"/>
+              <a:t>prefs</a:t>
+            </a:r>
+            <a:r>
+              <a:rPr lang="en-CA" dirty="0"/>
+              <a:t> should be set to convert tabs to spaces. MUST be consistent!</a:t>
+            </a:r>
           </a:p>
           <a:p>
             <a:r>

--- a/Python_intro_lecture.pptx
+++ b/Python_intro_lecture.pptx
@@ -274,7 +274,7 @@
           <a:p>
             <a:fld id="{6FF7EC36-5E22-4EB8-B692-4D76DA0CB9E2}" type="datetimeFigureOut">
               <a:rPr lang="en-CA" smtClean="0"/>
-              <a:t>2018-10-30</a:t>
+              <a:t>2018-10-31</a:t>
             </a:fld>
             <a:endParaRPr lang="en-CA"/>
           </a:p>
@@ -809,7 +809,7 @@
             <a:fld id="{1D8BD707-D9CF-40AE-B4C6-C98DA3205C09}" type="datetimeFigureOut">
               <a:rPr lang="en-US" smtClean="0"/>
               <a:pPr/>
-              <a:t>10/30/18</a:t>
+              <a:t>10/31/18</a:t>
             </a:fld>
             <a:endParaRPr lang="en-US"/>
           </a:p>
@@ -974,7 +974,7 @@
             <a:fld id="{1D8BD707-D9CF-40AE-B4C6-C98DA3205C09}" type="datetimeFigureOut">
               <a:rPr lang="en-US" smtClean="0"/>
               <a:pPr/>
-              <a:t>10/30/18</a:t>
+              <a:t>10/31/18</a:t>
             </a:fld>
             <a:endParaRPr lang="en-US"/>
           </a:p>
@@ -1149,7 +1149,7 @@
             <a:fld id="{1D8BD707-D9CF-40AE-B4C6-C98DA3205C09}" type="datetimeFigureOut">
               <a:rPr lang="en-US" smtClean="0"/>
               <a:pPr/>
-              <a:t>10/30/18</a:t>
+              <a:t>10/31/18</a:t>
             </a:fld>
             <a:endParaRPr lang="en-US"/>
           </a:p>
@@ -1314,7 +1314,7 @@
             <a:fld id="{1D8BD707-D9CF-40AE-B4C6-C98DA3205C09}" type="datetimeFigureOut">
               <a:rPr lang="en-US" smtClean="0"/>
               <a:pPr/>
-              <a:t>10/30/18</a:t>
+              <a:t>10/31/18</a:t>
             </a:fld>
             <a:endParaRPr lang="en-US"/>
           </a:p>
@@ -1556,7 +1556,7 @@
             <a:fld id="{1D8BD707-D9CF-40AE-B4C6-C98DA3205C09}" type="datetimeFigureOut">
               <a:rPr lang="en-US" smtClean="0"/>
               <a:pPr/>
-              <a:t>10/30/18</a:t>
+              <a:t>10/31/18</a:t>
             </a:fld>
             <a:endParaRPr lang="en-US"/>
           </a:p>
@@ -1838,7 +1838,7 @@
             <a:fld id="{1D8BD707-D9CF-40AE-B4C6-C98DA3205C09}" type="datetimeFigureOut">
               <a:rPr lang="en-US" smtClean="0"/>
               <a:pPr/>
-              <a:t>10/30/18</a:t>
+              <a:t>10/31/18</a:t>
             </a:fld>
             <a:endParaRPr lang="en-US"/>
           </a:p>
@@ -2254,7 +2254,7 @@
             <a:fld id="{1D8BD707-D9CF-40AE-B4C6-C98DA3205C09}" type="datetimeFigureOut">
               <a:rPr lang="en-US" smtClean="0"/>
               <a:pPr/>
-              <a:t>10/30/18</a:t>
+              <a:t>10/31/18</a:t>
             </a:fld>
             <a:endParaRPr lang="en-US"/>
           </a:p>
@@ -2368,7 +2368,7 @@
             <a:fld id="{1D8BD707-D9CF-40AE-B4C6-C98DA3205C09}" type="datetimeFigureOut">
               <a:rPr lang="en-US" smtClean="0"/>
               <a:pPr/>
-              <a:t>10/30/18</a:t>
+              <a:t>10/31/18</a:t>
             </a:fld>
             <a:endParaRPr lang="en-US"/>
           </a:p>
@@ -2460,7 +2460,7 @@
             <a:fld id="{1D8BD707-D9CF-40AE-B4C6-C98DA3205C09}" type="datetimeFigureOut">
               <a:rPr lang="en-US" smtClean="0"/>
               <a:pPr/>
-              <a:t>10/30/18</a:t>
+              <a:t>10/31/18</a:t>
             </a:fld>
             <a:endParaRPr lang="en-US"/>
           </a:p>
@@ -2732,7 +2732,7 @@
             <a:fld id="{1D8BD707-D9CF-40AE-B4C6-C98DA3205C09}" type="datetimeFigureOut">
               <a:rPr lang="en-US" smtClean="0"/>
               <a:pPr/>
-              <a:t>10/30/18</a:t>
+              <a:t>10/31/18</a:t>
             </a:fld>
             <a:endParaRPr lang="en-US"/>
           </a:p>
@@ -2981,7 +2981,7 @@
             <a:fld id="{1D8BD707-D9CF-40AE-B4C6-C98DA3205C09}" type="datetimeFigureOut">
               <a:rPr lang="en-US" smtClean="0"/>
               <a:pPr/>
-              <a:t>10/30/18</a:t>
+              <a:t>10/31/18</a:t>
             </a:fld>
             <a:endParaRPr lang="en-US"/>
           </a:p>
@@ -3189,7 +3189,7 @@
             <a:fld id="{1D8BD707-D9CF-40AE-B4C6-C98DA3205C09}" type="datetimeFigureOut">
               <a:rPr lang="en-US" smtClean="0"/>
               <a:pPr/>
-              <a:t>10/30/18</a:t>
+              <a:t>10/31/18</a:t>
             </a:fld>
             <a:endParaRPr lang="en-US"/>
           </a:p>
@@ -3585,7 +3585,7 @@
           <a:p>
             <a:r>
               <a:rPr lang="en-US" dirty="0"/>
-              <a:t>Lecture ?</a:t>
+              <a:t>Python Intro Lecture</a:t>
             </a:r>
             <a:br>
               <a:rPr lang="en-US" dirty="0"/>
@@ -3623,12 +3623,30 @@
         </p:nvSpPr>
         <p:spPr/>
         <p:txBody>
-          <a:bodyPr/>
+          <a:bodyPr>
+            <a:normAutofit fontScale="85000" lnSpcReduction="20000"/>
+          </a:bodyPr>
           <a:lstStyle/>
           <a:p>
             <a:r>
               <a:rPr lang="en-US" dirty="0"/>
               <a:t>MDSC 755</a:t>
+            </a:r>
+          </a:p>
+          <a:p>
+            <a:r>
+              <a:rPr lang="en-US" dirty="0"/>
+              <a:t>Perry Radau </a:t>
+            </a:r>
+          </a:p>
+          <a:p>
+            <a:r>
+              <a:rPr lang="en-US"/>
+              <a:t>CAIR Research </a:t>
+            </a:r>
+            <a:r>
+              <a:rPr lang="en-US" dirty="0"/>
+              <a:t>Associate</a:t>
             </a:r>
           </a:p>
           <a:p>

--- a/Python_intro_lecture.pptx
+++ b/Python_intro_lecture.pptx
@@ -2,20 +2,20 @@
 <file path=ppt/presentation.xml><?xml version="1.0" encoding="utf-8"?>
 <p:presentation xmlns:a="http://schemas.openxmlformats.org/drawingml/2006/main" xmlns:r="http://schemas.openxmlformats.org/officeDocument/2006/relationships" xmlns:p="http://schemas.openxmlformats.org/presentationml/2006/main" saveSubsetFonts="1">
   <p:sldMasterIdLst>
-    <p:sldMasterId id="2147483648" r:id="rId1"/>
+    <p:sldMasterId id="2147483660" r:id="rId1"/>
   </p:sldMasterIdLst>
   <p:notesMasterIdLst>
-    <p:notesMasterId r:id="rId29"/>
+    <p:notesMasterId r:id="rId30"/>
   </p:notesMasterIdLst>
   <p:sldIdLst>
     <p:sldId id="299" r:id="rId2"/>
     <p:sldId id="300" r:id="rId3"/>
-    <p:sldId id="256" r:id="rId4"/>
-    <p:sldId id="257" r:id="rId5"/>
-    <p:sldId id="305" r:id="rId6"/>
-    <p:sldId id="258" r:id="rId7"/>
-    <p:sldId id="268" r:id="rId8"/>
-    <p:sldId id="259" r:id="rId9"/>
+    <p:sldId id="257" r:id="rId4"/>
+    <p:sldId id="305" r:id="rId5"/>
+    <p:sldId id="258" r:id="rId6"/>
+    <p:sldId id="268" r:id="rId7"/>
+    <p:sldId id="259" r:id="rId8"/>
+    <p:sldId id="307" r:id="rId9"/>
     <p:sldId id="267" r:id="rId10"/>
     <p:sldId id="271" r:id="rId11"/>
     <p:sldId id="298" r:id="rId12"/>
@@ -35,6 +35,7 @@
     <p:sldId id="289" r:id="rId26"/>
     <p:sldId id="290" r:id="rId27"/>
     <p:sldId id="293" r:id="rId28"/>
+    <p:sldId id="306" r:id="rId29"/>
   </p:sldIdLst>
   <p:sldSz cx="9144000" cy="6858000" type="screen4x3"/>
   <p:notesSz cx="6858000" cy="9144000"/>
@@ -140,12 +141,12 @@
           <p14:sldIdLst>
             <p14:sldId id="299"/>
             <p14:sldId id="300"/>
-            <p14:sldId id="256"/>
             <p14:sldId id="257"/>
             <p14:sldId id="305"/>
             <p14:sldId id="258"/>
             <p14:sldId id="268"/>
             <p14:sldId id="259"/>
+            <p14:sldId id="307"/>
             <p14:sldId id="267"/>
             <p14:sldId id="271"/>
             <p14:sldId id="298"/>
@@ -165,6 +166,7 @@
             <p14:sldId id="289"/>
             <p14:sldId id="290"/>
             <p14:sldId id="293"/>
+            <p14:sldId id="306"/>
           </p14:sldIdLst>
         </p14:section>
       </p14:sectionLst>
@@ -274,7 +276,7 @@
           <a:p>
             <a:fld id="{6FF7EC36-5E22-4EB8-B692-4D76DA0CB9E2}" type="datetimeFigureOut">
               <a:rPr lang="en-CA" smtClean="0"/>
-              <a:t>2018-10-31</a:t>
+              <a:t>2018-11-19</a:t>
             </a:fld>
             <a:endParaRPr lang="en-CA"/>
           </a:p>
@@ -632,6 +634,14 @@
 <file path=ppt/slideLayouts/slideLayout1.xml><?xml version="1.0" encoding="utf-8"?>
 <p:sldLayout xmlns:a="http://schemas.openxmlformats.org/drawingml/2006/main" xmlns:r="http://schemas.openxmlformats.org/officeDocument/2006/relationships" xmlns:p="http://schemas.openxmlformats.org/presentationml/2006/main" type="title" preserve="1">
   <p:cSld name="Title Slide">
+    <p:bg>
+      <p:bgPr>
+        <a:solidFill>
+          <a:schemeClr val="accent2"/>
+        </a:solidFill>
+        <a:effectLst/>
+      </p:bgPr>
+    </p:bg>
     <p:spTree>
       <p:nvGrpSpPr>
         <p:cNvPr id="1" name=""/>
@@ -656,131 +666,106 @@
             <p:ph type="ctrTitle"/>
           </p:nvPr>
         </p:nvSpPr>
+        <p:spPr bwMode="blackWhite">
+          <a:xfrm>
+            <a:off x="1102240" y="2386744"/>
+            <a:ext cx="6939520" cy="1645920"/>
+          </a:xfrm>
+          <a:solidFill>
+            <a:srgbClr val="FFFFFF"/>
+          </a:solidFill>
+          <a:ln w="38100">
+            <a:solidFill>
+              <a:srgbClr val="404040"/>
+            </a:solidFill>
+          </a:ln>
+        </p:spPr>
+        <p:txBody>
+          <a:bodyPr lIns="274320" rIns="274320" anchor="ctr" anchorCtr="1">
+            <a:normAutofit/>
+          </a:bodyPr>
+          <a:lstStyle>
+            <a:lvl1pPr algn="ctr">
+              <a:defRPr sz="3500">
+                <a:solidFill>
+                  <a:srgbClr val="262626"/>
+                </a:solidFill>
+              </a:defRPr>
+            </a:lvl1pPr>
+          </a:lstStyle>
+          <a:p>
+            <a:r>
+              <a:rPr lang="en-US"/>
+              <a:t>Click to edit Master title style</a:t>
+            </a:r>
+            <a:endParaRPr lang="en-US" dirty="0"/>
+          </a:p>
+        </p:txBody>
+      </p:sp>
+      <p:sp>
+        <p:nvSpPr>
+          <p:cNvPr id="3" name="Subtitle 2"/>
+          <p:cNvSpPr>
+            <a:spLocks noGrp="1"/>
+          </p:cNvSpPr>
+          <p:nvPr>
+            <p:ph type="subTitle" idx="1"/>
+          </p:nvPr>
+        </p:nvSpPr>
         <p:spPr>
           <a:xfrm>
-            <a:off x="685800" y="2130425"/>
-            <a:ext cx="7772400" cy="1470025"/>
+            <a:off x="2021396" y="4352544"/>
+            <a:ext cx="5101209" cy="1239894"/>
           </a:xfrm>
+          <a:noFill/>
         </p:spPr>
         <p:txBody>
-          <a:bodyPr/>
-          <a:lstStyle/>
-          <a:p>
-            <a:r>
-              <a:rPr lang="en-US"/>
-              <a:t>Click to edit Master title style</a:t>
-            </a:r>
-          </a:p>
-        </p:txBody>
-      </p:sp>
-      <p:sp>
-        <p:nvSpPr>
-          <p:cNvPr id="3" name="Subtitle 2"/>
-          <p:cNvSpPr>
-            <a:spLocks noGrp="1"/>
-          </p:cNvSpPr>
-          <p:nvPr>
-            <p:ph type="subTitle" idx="1"/>
-          </p:nvPr>
-        </p:nvSpPr>
-        <p:spPr>
-          <a:xfrm>
-            <a:off x="1371600" y="3886200"/>
-            <a:ext cx="6400800" cy="1752600"/>
-          </a:xfrm>
-        </p:spPr>
-        <p:txBody>
-          <a:bodyPr/>
+          <a:bodyPr>
+            <a:normAutofit/>
+          </a:bodyPr>
           <a:lstStyle>
             <a:lvl1pPr marL="0" indent="0" algn="ctr">
               <a:buNone/>
-              <a:defRPr>
+              <a:defRPr sz="1900">
                 <a:solidFill>
                   <a:schemeClr val="tx1">
-                    <a:tint val="75000"/>
+                    <a:lumMod val="75000"/>
+                    <a:lumOff val="25000"/>
                   </a:schemeClr>
                 </a:solidFill>
               </a:defRPr>
             </a:lvl1pPr>
             <a:lvl2pPr marL="457200" indent="0" algn="ctr">
               <a:buNone/>
-              <a:defRPr>
-                <a:solidFill>
-                  <a:schemeClr val="tx1">
-                    <a:tint val="75000"/>
-                  </a:schemeClr>
-                </a:solidFill>
-              </a:defRPr>
+              <a:defRPr sz="1900"/>
             </a:lvl2pPr>
             <a:lvl3pPr marL="914400" indent="0" algn="ctr">
               <a:buNone/>
-              <a:defRPr>
-                <a:solidFill>
-                  <a:schemeClr val="tx1">
-                    <a:tint val="75000"/>
-                  </a:schemeClr>
-                </a:solidFill>
-              </a:defRPr>
+              <a:defRPr sz="1800"/>
             </a:lvl3pPr>
             <a:lvl4pPr marL="1371600" indent="0" algn="ctr">
               <a:buNone/>
-              <a:defRPr>
-                <a:solidFill>
-                  <a:schemeClr val="tx1">
-                    <a:tint val="75000"/>
-                  </a:schemeClr>
-                </a:solidFill>
-              </a:defRPr>
+              <a:defRPr sz="1600"/>
             </a:lvl4pPr>
             <a:lvl5pPr marL="1828800" indent="0" algn="ctr">
               <a:buNone/>
-              <a:defRPr>
-                <a:solidFill>
-                  <a:schemeClr val="tx1">
-                    <a:tint val="75000"/>
-                  </a:schemeClr>
-                </a:solidFill>
-              </a:defRPr>
+              <a:defRPr sz="1600"/>
             </a:lvl5pPr>
             <a:lvl6pPr marL="2286000" indent="0" algn="ctr">
               <a:buNone/>
-              <a:defRPr>
-                <a:solidFill>
-                  <a:schemeClr val="tx1">
-                    <a:tint val="75000"/>
-                  </a:schemeClr>
-                </a:solidFill>
-              </a:defRPr>
+              <a:defRPr sz="1600"/>
             </a:lvl6pPr>
             <a:lvl7pPr marL="2743200" indent="0" algn="ctr">
               <a:buNone/>
-              <a:defRPr>
-                <a:solidFill>
-                  <a:schemeClr val="tx1">
-                    <a:tint val="75000"/>
-                  </a:schemeClr>
-                </a:solidFill>
-              </a:defRPr>
+              <a:defRPr sz="1600"/>
             </a:lvl7pPr>
             <a:lvl8pPr marL="3200400" indent="0" algn="ctr">
               <a:buNone/>
-              <a:defRPr>
-                <a:solidFill>
-                  <a:schemeClr val="tx1">
-                    <a:tint val="75000"/>
-                  </a:schemeClr>
-                </a:solidFill>
-              </a:defRPr>
+              <a:defRPr sz="1600"/>
             </a:lvl8pPr>
             <a:lvl9pPr marL="3657600" indent="0" algn="ctr">
               <a:buNone/>
-              <a:defRPr>
-                <a:solidFill>
-                  <a:schemeClr val="tx1">
-                    <a:tint val="75000"/>
-                  </a:schemeClr>
-                </a:solidFill>
-              </a:defRPr>
+              <a:defRPr sz="1600"/>
             </a:lvl9pPr>
           </a:lstStyle>
           <a:p>
@@ -788,12 +773,13 @@
               <a:rPr lang="en-US"/>
               <a:t>Click to edit Master subtitle style</a:t>
             </a:r>
-          </a:p>
-        </p:txBody>
-      </p:sp>
-      <p:sp>
-        <p:nvSpPr>
-          <p:cNvPr id="4" name="Date Placeholder 3"/>
+            <a:endParaRPr lang="en-US" dirty="0"/>
+          </a:p>
+        </p:txBody>
+      </p:sp>
+      <p:sp>
+        <p:nvSpPr>
+          <p:cNvPr id="7" name="Date Placeholder 6"/>
           <p:cNvSpPr>
             <a:spLocks noGrp="1"/>
           </p:cNvSpPr>
@@ -809,7 +795,7 @@
             <a:fld id="{1D8BD707-D9CF-40AE-B4C6-C98DA3205C09}" type="datetimeFigureOut">
               <a:rPr lang="en-US" smtClean="0"/>
               <a:pPr/>
-              <a:t>10/31/18</a:t>
+              <a:t>11/19/18</a:t>
             </a:fld>
             <a:endParaRPr lang="en-US"/>
           </a:p>
@@ -817,7 +803,7 @@
       </p:sp>
       <p:sp>
         <p:nvSpPr>
-          <p:cNvPr id="5" name="Footer Placeholder 4"/>
+          <p:cNvPr id="8" name="Footer Placeholder 7"/>
           <p:cNvSpPr>
             <a:spLocks noGrp="1"/>
           </p:cNvSpPr>
@@ -836,7 +822,7 @@
       </p:sp>
       <p:sp>
         <p:nvSpPr>
-          <p:cNvPr id="6" name="Slide Number Placeholder 5"/>
+          <p:cNvPr id="9" name="Slide Number Placeholder 8"/>
           <p:cNvSpPr>
             <a:spLocks noGrp="1"/>
           </p:cNvSpPr>
@@ -859,9 +845,14 @@
         </p:txBody>
       </p:sp>
     </p:spTree>
+    <p:extLst>
+      <p:ext uri="{BB962C8B-B14F-4D97-AF65-F5344CB8AC3E}">
+        <p14:creationId xmlns:p14="http://schemas.microsoft.com/office/powerpoint/2010/main" val="2575435025"/>
+      </p:ext>
+    </p:extLst>
   </p:cSld>
   <p:clrMapOvr>
-    <a:masterClrMapping/>
+    <a:overrideClrMapping bg1="dk1" tx1="lt1" bg2="dk2" tx2="lt2" accent1="accent1" accent2="accent2" accent3="accent3" accent4="accent4" accent5="accent5" accent6="accent6" hlink="hlink" folHlink="folHlink"/>
   </p:clrMapOvr>
 </p:sldLayout>
 </file>
@@ -902,6 +893,7 @@
               <a:rPr lang="en-US"/>
               <a:t>Click to edit Master title style</a:t>
             </a:r>
+            <a:endParaRPr lang="en-US" dirty="0"/>
           </a:p>
         </p:txBody>
       </p:sp>
@@ -923,7 +915,7 @@
             <a:pPr lvl="0"/>
             <a:r>
               <a:rPr lang="en-US"/>
-              <a:t>Click to edit Master text styles</a:t>
+              <a:t>Edit Master text styles</a:t>
             </a:r>
           </a:p>
           <a:p>
@@ -953,6 +945,7 @@
               <a:rPr lang="en-US"/>
               <a:t>Fifth level</a:t>
             </a:r>
+            <a:endParaRPr lang="en-US" dirty="0"/>
           </a:p>
         </p:txBody>
       </p:sp>
@@ -974,7 +967,7 @@
             <a:fld id="{1D8BD707-D9CF-40AE-B4C6-C98DA3205C09}" type="datetimeFigureOut">
               <a:rPr lang="en-US" smtClean="0"/>
               <a:pPr/>
-              <a:t>10/31/18</a:t>
+              <a:t>11/19/18</a:t>
             </a:fld>
             <a:endParaRPr lang="en-US"/>
           </a:p>
@@ -1024,6 +1017,11 @@
         </p:txBody>
       </p:sp>
     </p:spTree>
+    <p:extLst>
+      <p:ext uri="{BB962C8B-B14F-4D97-AF65-F5344CB8AC3E}">
+        <p14:creationId xmlns:p14="http://schemas.microsoft.com/office/powerpoint/2010/main" val="640965618"/>
+      </p:ext>
+    </p:extLst>
   </p:cSld>
   <p:clrMapOvr>
     <a:masterClrMapping/>
@@ -1060,8 +1058,8 @@
         </p:nvSpPr>
         <p:spPr>
           <a:xfrm>
-            <a:off x="6629400" y="274638"/>
-            <a:ext cx="2057400" cy="5851525"/>
+            <a:off x="6489834" y="937260"/>
+            <a:ext cx="1053966" cy="4983480"/>
           </a:xfrm>
         </p:spPr>
         <p:txBody>
@@ -1072,6 +1070,7 @@
               <a:rPr lang="en-US"/>
               <a:t>Click to edit Master title style</a:t>
             </a:r>
+            <a:endParaRPr lang="en-US" dirty="0"/>
           </a:p>
         </p:txBody>
       </p:sp>
@@ -1087,8 +1086,8 @@
         </p:nvSpPr>
         <p:spPr>
           <a:xfrm>
-            <a:off x="457200" y="274638"/>
-            <a:ext cx="6019800" cy="5851525"/>
+            <a:off x="1606046" y="937260"/>
+            <a:ext cx="4716174" cy="4983480"/>
           </a:xfrm>
         </p:spPr>
         <p:txBody>
@@ -1098,7 +1097,7 @@
             <a:pPr lvl="0"/>
             <a:r>
               <a:rPr lang="en-US"/>
-              <a:t>Click to edit Master text styles</a:t>
+              <a:t>Edit Master text styles</a:t>
             </a:r>
           </a:p>
           <a:p>
@@ -1128,6 +1127,7 @@
               <a:rPr lang="en-US"/>
               <a:t>Fifth level</a:t>
             </a:r>
+            <a:endParaRPr lang="en-US" dirty="0"/>
           </a:p>
         </p:txBody>
       </p:sp>
@@ -1149,7 +1149,7 @@
             <a:fld id="{1D8BD707-D9CF-40AE-B4C6-C98DA3205C09}" type="datetimeFigureOut">
               <a:rPr lang="en-US" smtClean="0"/>
               <a:pPr/>
-              <a:t>10/31/18</a:t>
+              <a:t>11/19/18</a:t>
             </a:fld>
             <a:endParaRPr lang="en-US"/>
           </a:p>
@@ -1199,6 +1199,11 @@
         </p:txBody>
       </p:sp>
     </p:spTree>
+    <p:extLst>
+      <p:ext uri="{BB962C8B-B14F-4D97-AF65-F5344CB8AC3E}">
+        <p14:creationId xmlns:p14="http://schemas.microsoft.com/office/powerpoint/2010/main" val="3339256367"/>
+      </p:ext>
+    </p:extLst>
   </p:cSld>
   <p:clrMapOvr>
     <a:masterClrMapping/>
@@ -1242,6 +1247,7 @@
               <a:rPr lang="en-US"/>
               <a:t>Click to edit Master title style</a:t>
             </a:r>
+            <a:endParaRPr lang="en-US" dirty="0"/>
           </a:p>
         </p:txBody>
       </p:sp>
@@ -1263,7 +1269,7 @@
             <a:pPr lvl="0"/>
             <a:r>
               <a:rPr lang="en-US"/>
-              <a:t>Click to edit Master text styles</a:t>
+              <a:t>Edit Master text styles</a:t>
             </a:r>
           </a:p>
           <a:p>
@@ -1293,12 +1299,13 @@
               <a:rPr lang="en-US"/>
               <a:t>Fifth level</a:t>
             </a:r>
-          </a:p>
-        </p:txBody>
-      </p:sp>
-      <p:sp>
-        <p:nvSpPr>
-          <p:cNvPr id="4" name="Date Placeholder 3"/>
+            <a:endParaRPr lang="en-US" dirty="0"/>
+          </a:p>
+        </p:txBody>
+      </p:sp>
+      <p:sp>
+        <p:nvSpPr>
+          <p:cNvPr id="7" name="Date Placeholder 6"/>
           <p:cNvSpPr>
             <a:spLocks noGrp="1"/>
           </p:cNvSpPr>
@@ -1314,7 +1321,7 @@
             <a:fld id="{1D8BD707-D9CF-40AE-B4C6-C98DA3205C09}" type="datetimeFigureOut">
               <a:rPr lang="en-US" smtClean="0"/>
               <a:pPr/>
-              <a:t>10/31/18</a:t>
+              <a:t>11/19/18</a:t>
             </a:fld>
             <a:endParaRPr lang="en-US"/>
           </a:p>
@@ -1322,7 +1329,7 @@
       </p:sp>
       <p:sp>
         <p:nvSpPr>
-          <p:cNvPr id="5" name="Footer Placeholder 4"/>
+          <p:cNvPr id="8" name="Footer Placeholder 7"/>
           <p:cNvSpPr>
             <a:spLocks noGrp="1"/>
           </p:cNvSpPr>
@@ -1341,7 +1348,7 @@
       </p:sp>
       <p:sp>
         <p:nvSpPr>
-          <p:cNvPr id="6" name="Slide Number Placeholder 5"/>
+          <p:cNvPr id="9" name="Slide Number Placeholder 8"/>
           <p:cNvSpPr>
             <a:spLocks noGrp="1"/>
           </p:cNvSpPr>
@@ -1364,6 +1371,11 @@
         </p:txBody>
       </p:sp>
     </p:spTree>
+    <p:extLst>
+      <p:ext uri="{BB962C8B-B14F-4D97-AF65-F5344CB8AC3E}">
+        <p14:creationId xmlns:p14="http://schemas.microsoft.com/office/powerpoint/2010/main" val="1477258885"/>
+      </p:ext>
+    </p:extLst>
   </p:cSld>
   <p:clrMapOvr>
     <a:masterClrMapping/>
@@ -1374,6 +1386,14 @@
 <file path=ppt/slideLayouts/slideLayout3.xml><?xml version="1.0" encoding="utf-8"?>
 <p:sldLayout xmlns:a="http://schemas.openxmlformats.org/drawingml/2006/main" xmlns:r="http://schemas.openxmlformats.org/officeDocument/2006/relationships" xmlns:p="http://schemas.openxmlformats.org/presentationml/2006/main" type="secHead" preserve="1">
   <p:cSld name="Section Header">
+    <p:bg>
+      <p:bgPr>
+        <a:solidFill>
+          <a:schemeClr val="accent1"/>
+        </a:solidFill>
+        <a:effectLst/>
+      </p:bgPr>
+    </p:bg>
     <p:spTree>
       <p:nvGrpSpPr>
         <p:cNvPr id="1" name=""/>
@@ -1398,57 +1418,82 @@
             <p:ph type="title"/>
           </p:nvPr>
         </p:nvSpPr>
+        <p:spPr bwMode="blackWhite">
+          <a:xfrm>
+            <a:off x="1106424" y="2386744"/>
+            <a:ext cx="6940296" cy="1645920"/>
+          </a:xfrm>
+          <a:solidFill>
+            <a:srgbClr val="FFFFFF"/>
+          </a:solidFill>
+          <a:ln w="38100">
+            <a:solidFill>
+              <a:srgbClr val="404040"/>
+            </a:solidFill>
+          </a:ln>
+        </p:spPr>
+        <p:txBody>
+          <a:bodyPr lIns="274320" rIns="274320" anchor="ctr" anchorCtr="1">
+            <a:normAutofit/>
+          </a:bodyPr>
+          <a:lstStyle>
+            <a:lvl1pPr>
+              <a:defRPr sz="3500">
+                <a:solidFill>
+                  <a:srgbClr val="262626"/>
+                </a:solidFill>
+              </a:defRPr>
+            </a:lvl1pPr>
+          </a:lstStyle>
+          <a:p>
+            <a:r>
+              <a:rPr lang="en-US"/>
+              <a:t>Click to edit Master title style</a:t>
+            </a:r>
+            <a:endParaRPr lang="en-US" dirty="0"/>
+          </a:p>
+        </p:txBody>
+      </p:sp>
+      <p:sp>
+        <p:nvSpPr>
+          <p:cNvPr id="3" name="Text Placeholder 2"/>
+          <p:cNvSpPr>
+            <a:spLocks noGrp="1"/>
+          </p:cNvSpPr>
+          <p:nvPr>
+            <p:ph type="body" idx="1"/>
+          </p:nvPr>
+        </p:nvSpPr>
         <p:spPr>
           <a:xfrm>
-            <a:off x="722313" y="4406900"/>
-            <a:ext cx="7772400" cy="1362075"/>
+            <a:off x="2021396" y="4352465"/>
+            <a:ext cx="5101209" cy="1265082"/>
           </a:xfrm>
         </p:spPr>
         <p:txBody>
-          <a:bodyPr anchor="t"/>
-          <a:lstStyle>
-            <a:lvl1pPr algn="l">
-              <a:defRPr sz="4000" b="1" cap="all"/>
-            </a:lvl1pPr>
-          </a:lstStyle>
-          <a:p>
-            <a:r>
-              <a:rPr lang="en-US"/>
-              <a:t>Click to edit Master title style</a:t>
-            </a:r>
-          </a:p>
-        </p:txBody>
-      </p:sp>
-      <p:sp>
-        <p:nvSpPr>
-          <p:cNvPr id="3" name="Text Placeholder 2"/>
-          <p:cNvSpPr>
-            <a:spLocks noGrp="1"/>
-          </p:cNvSpPr>
-          <p:nvPr>
-            <p:ph type="body" idx="1"/>
-          </p:nvPr>
-        </p:nvSpPr>
-        <p:spPr>
-          <a:xfrm>
-            <a:off x="722313" y="2906713"/>
-            <a:ext cx="7772400" cy="1500187"/>
-          </a:xfrm>
-        </p:spPr>
-        <p:txBody>
-          <a:bodyPr anchor="b"/>
+          <a:bodyPr anchor="t" anchorCtr="1">
+            <a:normAutofit/>
+          </a:bodyPr>
           <a:lstStyle>
             <a:lvl1pPr marL="0" indent="0">
               <a:buNone/>
-              <a:defRPr sz="2000">
+              <a:defRPr sz="1900">
+                <a:solidFill>
+                  <a:schemeClr val="tx1"/>
+                </a:solidFill>
+              </a:defRPr>
+            </a:lvl1pPr>
+            <a:lvl2pPr marL="457200" indent="0">
+              <a:buNone/>
+              <a:defRPr sz="1900">
                 <a:solidFill>
                   <a:schemeClr val="tx1">
                     <a:tint val="75000"/>
                   </a:schemeClr>
                 </a:solidFill>
               </a:defRPr>
-            </a:lvl1pPr>
-            <a:lvl2pPr marL="457200" indent="0">
+            </a:lvl2pPr>
+            <a:lvl3pPr marL="914400" indent="0">
               <a:buNone/>
               <a:defRPr sz="1800">
                 <a:solidFill>
@@ -1457,8 +1502,8 @@
                   </a:schemeClr>
                 </a:solidFill>
               </a:defRPr>
-            </a:lvl2pPr>
-            <a:lvl3pPr marL="914400" indent="0">
+            </a:lvl3pPr>
+            <a:lvl4pPr marL="1371600" indent="0">
               <a:buNone/>
               <a:defRPr sz="1600">
                 <a:solidFill>
@@ -1467,80 +1512,70 @@
                   </a:schemeClr>
                 </a:solidFill>
               </a:defRPr>
-            </a:lvl3pPr>
-            <a:lvl4pPr marL="1371600" indent="0">
-              <a:buNone/>
-              <a:defRPr sz="1400">
+            </a:lvl4pPr>
+            <a:lvl5pPr marL="1828800" indent="0">
+              <a:buNone/>
+              <a:defRPr sz="1600">
                 <a:solidFill>
                   <a:schemeClr val="tx1">
                     <a:tint val="75000"/>
                   </a:schemeClr>
                 </a:solidFill>
               </a:defRPr>
-            </a:lvl4pPr>
-            <a:lvl5pPr marL="1828800" indent="0">
-              <a:buNone/>
-              <a:defRPr sz="1400">
+            </a:lvl5pPr>
+            <a:lvl6pPr marL="2286000" indent="0">
+              <a:buNone/>
+              <a:defRPr sz="1600">
                 <a:solidFill>
                   <a:schemeClr val="tx1">
                     <a:tint val="75000"/>
                   </a:schemeClr>
                 </a:solidFill>
               </a:defRPr>
-            </a:lvl5pPr>
-            <a:lvl6pPr marL="2286000" indent="0">
-              <a:buNone/>
-              <a:defRPr sz="1400">
+            </a:lvl6pPr>
+            <a:lvl7pPr marL="2743200" indent="0">
+              <a:buNone/>
+              <a:defRPr sz="1600">
                 <a:solidFill>
                   <a:schemeClr val="tx1">
                     <a:tint val="75000"/>
                   </a:schemeClr>
                 </a:solidFill>
               </a:defRPr>
-            </a:lvl6pPr>
-            <a:lvl7pPr marL="2743200" indent="0">
-              <a:buNone/>
-              <a:defRPr sz="1400">
+            </a:lvl7pPr>
+            <a:lvl8pPr marL="3200400" indent="0">
+              <a:buNone/>
+              <a:defRPr sz="1600">
                 <a:solidFill>
                   <a:schemeClr val="tx1">
                     <a:tint val="75000"/>
                   </a:schemeClr>
                 </a:solidFill>
               </a:defRPr>
-            </a:lvl7pPr>
-            <a:lvl8pPr marL="3200400" indent="0">
-              <a:buNone/>
-              <a:defRPr sz="1400">
+            </a:lvl8pPr>
+            <a:lvl9pPr marL="3657600" indent="0">
+              <a:buNone/>
+              <a:defRPr sz="1600">
                 <a:solidFill>
                   <a:schemeClr val="tx1">
                     <a:tint val="75000"/>
                   </a:schemeClr>
                 </a:solidFill>
               </a:defRPr>
-            </a:lvl8pPr>
-            <a:lvl9pPr marL="3657600" indent="0">
-              <a:buNone/>
-              <a:defRPr sz="1400">
-                <a:solidFill>
-                  <a:schemeClr val="tx1">
-                    <a:tint val="75000"/>
-                  </a:schemeClr>
-                </a:solidFill>
-              </a:defRPr>
             </a:lvl9pPr>
           </a:lstStyle>
           <a:p>
             <a:pPr lvl="0"/>
             <a:r>
               <a:rPr lang="en-US"/>
-              <a:t>Click to edit Master text styles</a:t>
-            </a:r>
-          </a:p>
-        </p:txBody>
-      </p:sp>
-      <p:sp>
-        <p:nvSpPr>
-          <p:cNvPr id="4" name="Date Placeholder 3"/>
+              <a:t>Edit Master text styles</a:t>
+            </a:r>
+          </a:p>
+        </p:txBody>
+      </p:sp>
+      <p:sp>
+        <p:nvSpPr>
+          <p:cNvPr id="7" name="Date Placeholder 6"/>
           <p:cNvSpPr>
             <a:spLocks noGrp="1"/>
           </p:cNvSpPr>
@@ -1556,7 +1591,7 @@
             <a:fld id="{1D8BD707-D9CF-40AE-B4C6-C98DA3205C09}" type="datetimeFigureOut">
               <a:rPr lang="en-US" smtClean="0"/>
               <a:pPr/>
-              <a:t>10/31/18</a:t>
+              <a:t>11/19/18</a:t>
             </a:fld>
             <a:endParaRPr lang="en-US"/>
           </a:p>
@@ -1564,7 +1599,7 @@
       </p:sp>
       <p:sp>
         <p:nvSpPr>
-          <p:cNvPr id="5" name="Footer Placeholder 4"/>
+          <p:cNvPr id="8" name="Footer Placeholder 7"/>
           <p:cNvSpPr>
             <a:spLocks noGrp="1"/>
           </p:cNvSpPr>
@@ -1583,7 +1618,7 @@
       </p:sp>
       <p:sp>
         <p:nvSpPr>
-          <p:cNvPr id="6" name="Slide Number Placeholder 5"/>
+          <p:cNvPr id="9" name="Slide Number Placeholder 8"/>
           <p:cNvSpPr>
             <a:spLocks noGrp="1"/>
           </p:cNvSpPr>
@@ -1606,9 +1641,14 @@
         </p:txBody>
       </p:sp>
     </p:spTree>
+    <p:extLst>
+      <p:ext uri="{BB962C8B-B14F-4D97-AF65-F5344CB8AC3E}">
+        <p14:creationId xmlns:p14="http://schemas.microsoft.com/office/powerpoint/2010/main" val="353362141"/>
+      </p:ext>
+    </p:extLst>
   </p:cSld>
   <p:clrMapOvr>
-    <a:masterClrMapping/>
+    <a:overrideClrMapping bg1="dk1" tx1="lt1" bg2="dk2" tx2="lt2" accent1="accent1" accent2="accent2" accent3="accent3" accent4="accent4" accent5="accent5" accent6="accent6" hlink="hlink" folHlink="folHlink"/>
   </p:clrMapOvr>
 </p:sldLayout>
 </file>
@@ -1649,6 +1689,7 @@
               <a:rPr lang="en-US"/>
               <a:t>Click to edit Master title style</a:t>
             </a:r>
+            <a:endParaRPr lang="en-US" dirty="0"/>
           </a:p>
         </p:txBody>
       </p:sp>
@@ -1664,46 +1705,18 @@
         </p:nvSpPr>
         <p:spPr>
           <a:xfrm>
-            <a:off x="457200" y="1600200"/>
-            <a:ext cx="4038600" cy="4525963"/>
+            <a:off x="1102239" y="2638044"/>
+            <a:ext cx="3288023" cy="3101982"/>
           </a:xfrm>
         </p:spPr>
         <p:txBody>
           <a:bodyPr/>
-          <a:lstStyle>
-            <a:lvl1pPr>
-              <a:defRPr sz="2800"/>
-            </a:lvl1pPr>
-            <a:lvl2pPr>
-              <a:defRPr sz="2400"/>
-            </a:lvl2pPr>
-            <a:lvl3pPr>
-              <a:defRPr sz="2000"/>
-            </a:lvl3pPr>
-            <a:lvl4pPr>
-              <a:defRPr sz="1800"/>
-            </a:lvl4pPr>
-            <a:lvl5pPr>
-              <a:defRPr sz="1800"/>
-            </a:lvl5pPr>
-            <a:lvl6pPr>
-              <a:defRPr sz="1800"/>
-            </a:lvl6pPr>
-            <a:lvl7pPr>
-              <a:defRPr sz="1800"/>
-            </a:lvl7pPr>
-            <a:lvl8pPr>
-              <a:defRPr sz="1800"/>
-            </a:lvl8pPr>
-            <a:lvl9pPr>
-              <a:defRPr sz="1800"/>
-            </a:lvl9pPr>
-          </a:lstStyle>
+          <a:lstStyle/>
           <a:p>
             <a:pPr lvl="0"/>
             <a:r>
               <a:rPr lang="en-US"/>
-              <a:t>Click to edit Master text styles</a:t>
+              <a:t>Edit Master text styles</a:t>
             </a:r>
           </a:p>
           <a:p>
@@ -1733,6 +1746,7 @@
               <a:rPr lang="en-US"/>
               <a:t>Fifth level</a:t>
             </a:r>
+            <a:endParaRPr lang="en-US" dirty="0"/>
           </a:p>
         </p:txBody>
       </p:sp>
@@ -1748,46 +1762,18 @@
         </p:nvSpPr>
         <p:spPr>
           <a:xfrm>
-            <a:off x="4648200" y="1600200"/>
-            <a:ext cx="4038600" cy="4525963"/>
+            <a:off x="4753737" y="2638044"/>
+            <a:ext cx="3290516" cy="3101982"/>
           </a:xfrm>
         </p:spPr>
         <p:txBody>
           <a:bodyPr/>
-          <a:lstStyle>
-            <a:lvl1pPr>
-              <a:defRPr sz="2800"/>
-            </a:lvl1pPr>
-            <a:lvl2pPr>
-              <a:defRPr sz="2400"/>
-            </a:lvl2pPr>
-            <a:lvl3pPr>
-              <a:defRPr sz="2000"/>
-            </a:lvl3pPr>
-            <a:lvl4pPr>
-              <a:defRPr sz="1800"/>
-            </a:lvl4pPr>
-            <a:lvl5pPr>
-              <a:defRPr sz="1800"/>
-            </a:lvl5pPr>
-            <a:lvl6pPr>
-              <a:defRPr sz="1800"/>
-            </a:lvl6pPr>
-            <a:lvl7pPr>
-              <a:defRPr sz="1800"/>
-            </a:lvl7pPr>
-            <a:lvl8pPr>
-              <a:defRPr sz="1800"/>
-            </a:lvl8pPr>
-            <a:lvl9pPr>
-              <a:defRPr sz="1800"/>
-            </a:lvl9pPr>
-          </a:lstStyle>
+          <a:lstStyle/>
           <a:p>
             <a:pPr lvl="0"/>
             <a:r>
               <a:rPr lang="en-US"/>
-              <a:t>Click to edit Master text styles</a:t>
+              <a:t>Edit Master text styles</a:t>
             </a:r>
           </a:p>
           <a:p>
@@ -1817,12 +1803,13 @@
               <a:rPr lang="en-US"/>
               <a:t>Fifth level</a:t>
             </a:r>
-          </a:p>
-        </p:txBody>
-      </p:sp>
-      <p:sp>
-        <p:nvSpPr>
-          <p:cNvPr id="5" name="Date Placeholder 4"/>
+            <a:endParaRPr lang="en-US" dirty="0"/>
+          </a:p>
+        </p:txBody>
+      </p:sp>
+      <p:sp>
+        <p:nvSpPr>
+          <p:cNvPr id="8" name="Date Placeholder 7"/>
           <p:cNvSpPr>
             <a:spLocks noGrp="1"/>
           </p:cNvSpPr>
@@ -1838,7 +1825,7 @@
             <a:fld id="{1D8BD707-D9CF-40AE-B4C6-C98DA3205C09}" type="datetimeFigureOut">
               <a:rPr lang="en-US" smtClean="0"/>
               <a:pPr/>
-              <a:t>10/31/18</a:t>
+              <a:t>11/19/18</a:t>
             </a:fld>
             <a:endParaRPr lang="en-US"/>
           </a:p>
@@ -1846,7 +1833,7 @@
       </p:sp>
       <p:sp>
         <p:nvSpPr>
-          <p:cNvPr id="6" name="Footer Placeholder 5"/>
+          <p:cNvPr id="9" name="Footer Placeholder 8"/>
           <p:cNvSpPr>
             <a:spLocks noGrp="1"/>
           </p:cNvSpPr>
@@ -1865,7 +1852,7 @@
       </p:sp>
       <p:sp>
         <p:nvSpPr>
-          <p:cNvPr id="7" name="Slide Number Placeholder 6"/>
+          <p:cNvPr id="10" name="Slide Number Placeholder 9"/>
           <p:cNvSpPr>
             <a:spLocks noGrp="1"/>
           </p:cNvSpPr>
@@ -1888,6 +1875,11 @@
         </p:txBody>
       </p:sp>
     </p:spTree>
+    <p:extLst>
+      <p:ext uri="{BB962C8B-B14F-4D97-AF65-F5344CB8AC3E}">
+        <p14:creationId xmlns:p14="http://schemas.microsoft.com/office/powerpoint/2010/main" val="3199065655"/>
+      </p:ext>
+    </p:extLst>
   </p:cSld>
   <p:clrMapOvr>
     <a:masterClrMapping/>
@@ -1914,32 +1906,6 @@
       </p:grpSpPr>
       <p:sp>
         <p:nvSpPr>
-          <p:cNvPr id="2" name="Title 1"/>
-          <p:cNvSpPr>
-            <a:spLocks noGrp="1"/>
-          </p:cNvSpPr>
-          <p:nvPr>
-            <p:ph type="title"/>
-          </p:nvPr>
-        </p:nvSpPr>
-        <p:spPr/>
-        <p:txBody>
-          <a:bodyPr/>
-          <a:lstStyle>
-            <a:lvl1pPr>
-              <a:defRPr/>
-            </a:lvl1pPr>
-          </a:lstStyle>
-          <a:p>
-            <a:r>
-              <a:rPr lang="en-US"/>
-              <a:t>Click to edit Master title style</a:t>
-            </a:r>
-          </a:p>
-        </p:txBody>
-      </p:sp>
-      <p:sp>
-        <p:nvSpPr>
           <p:cNvPr id="3" name="Text Placeholder 2"/>
           <p:cNvSpPr>
             <a:spLocks noGrp="1"/>
@@ -1950,20 +1916,28 @@
         </p:nvSpPr>
         <p:spPr>
           <a:xfrm>
-            <a:off x="457200" y="1535113"/>
-            <a:ext cx="4040188" cy="639762"/>
+            <a:off x="1102239" y="2313434"/>
+            <a:ext cx="3288024" cy="704087"/>
           </a:xfrm>
         </p:spPr>
         <p:txBody>
-          <a:bodyPr anchor="b"/>
+          <a:bodyPr anchor="b" anchorCtr="1">
+            <a:normAutofit/>
+          </a:bodyPr>
           <a:lstStyle>
-            <a:lvl1pPr marL="0" indent="0">
-              <a:buNone/>
-              <a:defRPr sz="2400" b="1"/>
+            <a:lvl1pPr marL="0" indent="0" algn="ctr">
+              <a:buNone/>
+              <a:defRPr sz="1900" b="0" cap="all" spc="100" baseline="0">
+                <a:solidFill>
+                  <a:schemeClr val="accent2">
+                    <a:lumMod val="75000"/>
+                  </a:schemeClr>
+                </a:solidFill>
+              </a:defRPr>
             </a:lvl1pPr>
             <a:lvl2pPr marL="457200" indent="0">
               <a:buNone/>
-              <a:defRPr sz="2000" b="1"/>
+              <a:defRPr sz="1900" b="1"/>
             </a:lvl2pPr>
             <a:lvl3pPr marL="914400" indent="0">
               <a:buNone/>
@@ -1998,7 +1972,7 @@
             <a:pPr lvl="0"/>
             <a:r>
               <a:rPr lang="en-US"/>
-              <a:t>Click to edit Master text styles</a:t>
+              <a:t>Edit Master text styles</a:t>
             </a:r>
           </a:p>
         </p:txBody>
@@ -2015,46 +1989,18 @@
         </p:nvSpPr>
         <p:spPr>
           <a:xfrm>
-            <a:off x="457200" y="2174875"/>
-            <a:ext cx="4040188" cy="3951288"/>
+            <a:off x="1102239" y="3143250"/>
+            <a:ext cx="3288024" cy="2596776"/>
           </a:xfrm>
         </p:spPr>
         <p:txBody>
           <a:bodyPr/>
-          <a:lstStyle>
-            <a:lvl1pPr>
-              <a:defRPr sz="2400"/>
-            </a:lvl1pPr>
-            <a:lvl2pPr>
-              <a:defRPr sz="2000"/>
-            </a:lvl2pPr>
-            <a:lvl3pPr>
-              <a:defRPr sz="1800"/>
-            </a:lvl3pPr>
-            <a:lvl4pPr>
-              <a:defRPr sz="1600"/>
-            </a:lvl4pPr>
-            <a:lvl5pPr>
-              <a:defRPr sz="1600"/>
-            </a:lvl5pPr>
-            <a:lvl6pPr>
-              <a:defRPr sz="1600"/>
-            </a:lvl6pPr>
-            <a:lvl7pPr>
-              <a:defRPr sz="1600"/>
-            </a:lvl7pPr>
-            <a:lvl8pPr>
-              <a:defRPr sz="1600"/>
-            </a:lvl8pPr>
-            <a:lvl9pPr>
-              <a:defRPr sz="1600"/>
-            </a:lvl9pPr>
-          </a:lstStyle>
+          <a:lstStyle/>
           <a:p>
             <a:pPr lvl="0"/>
             <a:r>
               <a:rPr lang="en-US"/>
-              <a:t>Click to edit Master text styles</a:t>
+              <a:t>Edit Master text styles</a:t>
             </a:r>
           </a:p>
           <a:p>
@@ -2084,35 +2030,105 @@
               <a:rPr lang="en-US"/>
               <a:t>Fifth level</a:t>
             </a:r>
-          </a:p>
-        </p:txBody>
-      </p:sp>
-      <p:sp>
-        <p:nvSpPr>
-          <p:cNvPr id="5" name="Text Placeholder 4"/>
-          <p:cNvSpPr>
-            <a:spLocks noGrp="1"/>
-          </p:cNvSpPr>
-          <p:nvPr>
-            <p:ph type="body" sz="quarter" idx="3"/>
+            <a:endParaRPr lang="en-US" dirty="0"/>
+          </a:p>
+        </p:txBody>
+      </p:sp>
+      <p:sp>
+        <p:nvSpPr>
+          <p:cNvPr id="6" name="Content Placeholder 5"/>
+          <p:cNvSpPr>
+            <a:spLocks noGrp="1"/>
+          </p:cNvSpPr>
+          <p:nvPr>
+            <p:ph sz="quarter" idx="4"/>
           </p:nvPr>
         </p:nvSpPr>
         <p:spPr>
           <a:xfrm>
-            <a:off x="4645025" y="1535113"/>
-            <a:ext cx="4041775" cy="639762"/>
+            <a:off x="4753737" y="3143250"/>
+            <a:ext cx="3290516" cy="2596776"/>
           </a:xfrm>
         </p:spPr>
         <p:txBody>
-          <a:bodyPr anchor="b"/>
+          <a:bodyPr/>
           <a:lstStyle>
-            <a:lvl1pPr marL="0" indent="0">
-              <a:buNone/>
-              <a:defRPr sz="2400" b="1"/>
+            <a:lvl5pPr>
+              <a:defRPr/>
+            </a:lvl5pPr>
+          </a:lstStyle>
+          <a:p>
+            <a:pPr lvl="0"/>
+            <a:r>
+              <a:rPr lang="en-US"/>
+              <a:t>Edit Master text styles</a:t>
+            </a:r>
+          </a:p>
+          <a:p>
+            <a:pPr lvl="1"/>
+            <a:r>
+              <a:rPr lang="en-US"/>
+              <a:t>Second level</a:t>
+            </a:r>
+          </a:p>
+          <a:p>
+            <a:pPr lvl="2"/>
+            <a:r>
+              <a:rPr lang="en-US"/>
+              <a:t>Third level</a:t>
+            </a:r>
+          </a:p>
+          <a:p>
+            <a:pPr lvl="3"/>
+            <a:r>
+              <a:rPr lang="en-US"/>
+              <a:t>Fourth level</a:t>
+            </a:r>
+          </a:p>
+          <a:p>
+            <a:pPr lvl="4"/>
+            <a:r>
+              <a:rPr lang="en-US"/>
+              <a:t>Fifth level</a:t>
+            </a:r>
+            <a:endParaRPr lang="en-US" dirty="0"/>
+          </a:p>
+        </p:txBody>
+      </p:sp>
+      <p:sp>
+        <p:nvSpPr>
+          <p:cNvPr id="11" name="Text Placeholder 4"/>
+          <p:cNvSpPr>
+            <a:spLocks noGrp="1"/>
+          </p:cNvSpPr>
+          <p:nvPr>
+            <p:ph type="body" sz="quarter" idx="13"/>
+          </p:nvPr>
+        </p:nvSpPr>
+        <p:spPr>
+          <a:xfrm>
+            <a:off x="4753737" y="2313434"/>
+            <a:ext cx="3290516" cy="704087"/>
+          </a:xfrm>
+        </p:spPr>
+        <p:txBody>
+          <a:bodyPr anchor="b" anchorCtr="1">
+            <a:normAutofit/>
+          </a:bodyPr>
+          <a:lstStyle>
+            <a:lvl1pPr marL="0" indent="0" algn="ctr">
+              <a:buNone/>
+              <a:defRPr sz="1900" b="0" cap="all" spc="100" baseline="0">
+                <a:solidFill>
+                  <a:schemeClr val="accent2">
+                    <a:lumMod val="75000"/>
+                  </a:schemeClr>
+                </a:solidFill>
+              </a:defRPr>
             </a:lvl1pPr>
             <a:lvl2pPr marL="457200" indent="0">
               <a:buNone/>
-              <a:defRPr sz="2000" b="1"/>
+              <a:defRPr sz="1900" b="1"/>
             </a:lvl2pPr>
             <a:lvl3pPr marL="914400" indent="0">
               <a:buNone/>
@@ -2147,91 +2163,7 @@
             <a:pPr lvl="0"/>
             <a:r>
               <a:rPr lang="en-US"/>
-              <a:t>Click to edit Master text styles</a:t>
-            </a:r>
-          </a:p>
-        </p:txBody>
-      </p:sp>
-      <p:sp>
-        <p:nvSpPr>
-          <p:cNvPr id="6" name="Content Placeholder 5"/>
-          <p:cNvSpPr>
-            <a:spLocks noGrp="1"/>
-          </p:cNvSpPr>
-          <p:nvPr>
-            <p:ph sz="quarter" idx="4"/>
-          </p:nvPr>
-        </p:nvSpPr>
-        <p:spPr>
-          <a:xfrm>
-            <a:off x="4645025" y="2174875"/>
-            <a:ext cx="4041775" cy="3951288"/>
-          </a:xfrm>
-        </p:spPr>
-        <p:txBody>
-          <a:bodyPr/>
-          <a:lstStyle>
-            <a:lvl1pPr>
-              <a:defRPr sz="2400"/>
-            </a:lvl1pPr>
-            <a:lvl2pPr>
-              <a:defRPr sz="2000"/>
-            </a:lvl2pPr>
-            <a:lvl3pPr>
-              <a:defRPr sz="1800"/>
-            </a:lvl3pPr>
-            <a:lvl4pPr>
-              <a:defRPr sz="1600"/>
-            </a:lvl4pPr>
-            <a:lvl5pPr>
-              <a:defRPr sz="1600"/>
-            </a:lvl5pPr>
-            <a:lvl6pPr>
-              <a:defRPr sz="1600"/>
-            </a:lvl6pPr>
-            <a:lvl7pPr>
-              <a:defRPr sz="1600"/>
-            </a:lvl7pPr>
-            <a:lvl8pPr>
-              <a:defRPr sz="1600"/>
-            </a:lvl8pPr>
-            <a:lvl9pPr>
-              <a:defRPr sz="1600"/>
-            </a:lvl9pPr>
-          </a:lstStyle>
-          <a:p>
-            <a:pPr lvl="0"/>
-            <a:r>
-              <a:rPr lang="en-US"/>
-              <a:t>Click to edit Master text styles</a:t>
-            </a:r>
-          </a:p>
-          <a:p>
-            <a:pPr lvl="1"/>
-            <a:r>
-              <a:rPr lang="en-US"/>
-              <a:t>Second level</a:t>
-            </a:r>
-          </a:p>
-          <a:p>
-            <a:pPr lvl="2"/>
-            <a:r>
-              <a:rPr lang="en-US"/>
-              <a:t>Third level</a:t>
-            </a:r>
-          </a:p>
-          <a:p>
-            <a:pPr lvl="3"/>
-            <a:r>
-              <a:rPr lang="en-US"/>
-              <a:t>Fourth level</a:t>
-            </a:r>
-          </a:p>
-          <a:p>
-            <a:pPr lvl="4"/>
-            <a:r>
-              <a:rPr lang="en-US"/>
-              <a:t>Fifth level</a:t>
+              <a:t>Edit Master text styles</a:t>
             </a:r>
           </a:p>
         </p:txBody>
@@ -2254,7 +2186,7 @@
             <a:fld id="{1D8BD707-D9CF-40AE-B4C6-C98DA3205C09}" type="datetimeFigureOut">
               <a:rPr lang="en-US" smtClean="0"/>
               <a:pPr/>
-              <a:t>10/31/18</a:t>
+              <a:t>11/19/18</a:t>
             </a:fld>
             <a:endParaRPr lang="en-US"/>
           </a:p>
@@ -2303,7 +2235,35 @@
           </a:p>
         </p:txBody>
       </p:sp>
+      <p:sp>
+        <p:nvSpPr>
+          <p:cNvPr id="10" name="Title 9"/>
+          <p:cNvSpPr>
+            <a:spLocks noGrp="1"/>
+          </p:cNvSpPr>
+          <p:nvPr>
+            <p:ph type="title"/>
+          </p:nvPr>
+        </p:nvSpPr>
+        <p:spPr/>
+        <p:txBody>
+          <a:bodyPr/>
+          <a:lstStyle/>
+          <a:p>
+            <a:r>
+              <a:rPr lang="en-US"/>
+              <a:t>Click to edit Master title style</a:t>
+            </a:r>
+            <a:endParaRPr lang="en-US" dirty="0"/>
+          </a:p>
+        </p:txBody>
+      </p:sp>
     </p:spTree>
+    <p:extLst>
+      <p:ext uri="{BB962C8B-B14F-4D97-AF65-F5344CB8AC3E}">
+        <p14:creationId xmlns:p14="http://schemas.microsoft.com/office/powerpoint/2010/main" val="4041088476"/>
+      </p:ext>
+    </p:extLst>
   </p:cSld>
   <p:clrMapOvr>
     <a:masterClrMapping/>
@@ -2347,6 +2307,7 @@
               <a:rPr lang="en-US"/>
               <a:t>Click to edit Master title style</a:t>
             </a:r>
+            <a:endParaRPr lang="en-US" dirty="0"/>
           </a:p>
         </p:txBody>
       </p:sp>
@@ -2368,7 +2329,7 @@
             <a:fld id="{1D8BD707-D9CF-40AE-B4C6-C98DA3205C09}" type="datetimeFigureOut">
               <a:rPr lang="en-US" smtClean="0"/>
               <a:pPr/>
-              <a:t>10/31/18</a:t>
+              <a:t>11/19/18</a:t>
             </a:fld>
             <a:endParaRPr lang="en-US"/>
           </a:p>
@@ -2418,6 +2379,11 @@
         </p:txBody>
       </p:sp>
     </p:spTree>
+    <p:extLst>
+      <p:ext uri="{BB962C8B-B14F-4D97-AF65-F5344CB8AC3E}">
+        <p14:creationId xmlns:p14="http://schemas.microsoft.com/office/powerpoint/2010/main" val="327218886"/>
+      </p:ext>
+    </p:extLst>
   </p:cSld>
   <p:clrMapOvr>
     <a:masterClrMapping/>
@@ -2460,7 +2426,7 @@
             <a:fld id="{1D8BD707-D9CF-40AE-B4C6-C98DA3205C09}" type="datetimeFigureOut">
               <a:rPr lang="en-US" smtClean="0"/>
               <a:pPr/>
-              <a:t>10/31/18</a:t>
+              <a:t>11/19/18</a:t>
             </a:fld>
             <a:endParaRPr lang="en-US"/>
           </a:p>
@@ -2510,6 +2476,11 @@
         </p:txBody>
       </p:sp>
     </p:spTree>
+    <p:extLst>
+      <p:ext uri="{BB962C8B-B14F-4D97-AF65-F5344CB8AC3E}">
+        <p14:creationId xmlns:p14="http://schemas.microsoft.com/office/powerpoint/2010/main" val="2859770016"/>
+      </p:ext>
+    </p:extLst>
   </p:cSld>
   <p:clrMapOvr>
     <a:masterClrMapping/>
@@ -2536,187 +2507,269 @@
       </p:grpSpPr>
       <p:sp>
         <p:nvSpPr>
-          <p:cNvPr id="2" name="Title 1"/>
-          <p:cNvSpPr>
-            <a:spLocks noGrp="1"/>
-          </p:cNvSpPr>
-          <p:nvPr>
-            <p:ph type="title"/>
-          </p:nvPr>
+          <p:cNvPr id="26" name="Rectangle 25"/>
+          <p:cNvSpPr/>
+          <p:nvPr/>
         </p:nvSpPr>
         <p:spPr>
           <a:xfrm>
-            <a:off x="457200" y="273050"/>
-            <a:ext cx="3008313" cy="1162050"/>
+            <a:off x="0" y="0"/>
+            <a:ext cx="4572000" cy="6858000"/>
+          </a:xfrm>
+          <a:prstGeom prst="rect">
+            <a:avLst/>
+          </a:prstGeom>
+          <a:solidFill>
+            <a:schemeClr val="accent2"/>
+          </a:solidFill>
+          <a:ln>
+            <a:noFill/>
+          </a:ln>
+        </p:spPr>
+        <p:style>
+          <a:lnRef idx="2">
+            <a:schemeClr val="accent1">
+              <a:shade val="50000"/>
+            </a:schemeClr>
+          </a:lnRef>
+          <a:fillRef idx="1">
+            <a:schemeClr val="accent1"/>
+          </a:fillRef>
+          <a:effectRef idx="0">
+            <a:schemeClr val="accent1"/>
+          </a:effectRef>
+          <a:fontRef idx="minor">
+            <a:schemeClr val="lt1"/>
+          </a:fontRef>
+        </p:style>
+      </p:sp>
+      <p:sp>
+        <p:nvSpPr>
+          <p:cNvPr id="2" name="Title 1"/>
+          <p:cNvSpPr>
+            <a:spLocks noGrp="1"/>
+          </p:cNvSpPr>
+          <p:nvPr>
+            <p:ph type="title"/>
+          </p:nvPr>
+        </p:nvSpPr>
+        <p:spPr bwMode="blackWhite">
+          <a:xfrm>
+            <a:off x="640703" y="2243829"/>
+            <a:ext cx="3290594" cy="1141497"/>
+          </a:xfrm>
+          <a:solidFill>
+            <a:srgbClr val="FFFFFF"/>
+          </a:solidFill>
+          <a:ln>
+            <a:solidFill>
+              <a:srgbClr val="404040"/>
+            </a:solidFill>
+          </a:ln>
+        </p:spPr>
+        <p:txBody>
+          <a:bodyPr anchor="ctr" anchorCtr="1">
+            <a:normAutofit/>
+          </a:bodyPr>
+          <a:lstStyle>
+            <a:lvl1pPr>
+              <a:defRPr sz="2100">
+                <a:solidFill>
+                  <a:srgbClr val="262626"/>
+                </a:solidFill>
+              </a:defRPr>
+            </a:lvl1pPr>
+          </a:lstStyle>
+          <a:p>
+            <a:r>
+              <a:rPr lang="en-US"/>
+              <a:t>Click to edit Master title style</a:t>
+            </a:r>
+            <a:endParaRPr lang="en-US" dirty="0"/>
+          </a:p>
+        </p:txBody>
+      </p:sp>
+      <p:sp>
+        <p:nvSpPr>
+          <p:cNvPr id="3" name="Content Placeholder 2"/>
+          <p:cNvSpPr>
+            <a:spLocks noGrp="1"/>
+          </p:cNvSpPr>
+          <p:nvPr>
+            <p:ph idx="1"/>
+          </p:nvPr>
+        </p:nvSpPr>
+        <p:spPr>
+          <a:xfrm>
+            <a:off x="5052060" y="804672"/>
+            <a:ext cx="3611880" cy="5248656"/>
           </a:xfrm>
         </p:spPr>
         <p:txBody>
-          <a:bodyPr anchor="b"/>
+          <a:bodyPr>
+            <a:normAutofit/>
+          </a:bodyPr>
           <a:lstStyle>
-            <a:lvl1pPr algn="l">
-              <a:defRPr sz="2000" b="1"/>
+            <a:lvl1pPr>
+              <a:defRPr sz="1900">
+                <a:solidFill>
+                  <a:schemeClr val="tx1"/>
+                </a:solidFill>
+              </a:defRPr>
             </a:lvl1pPr>
+            <a:lvl2pPr>
+              <a:defRPr sz="1600">
+                <a:solidFill>
+                  <a:schemeClr val="tx1"/>
+                </a:solidFill>
+              </a:defRPr>
+            </a:lvl2pPr>
+            <a:lvl3pPr>
+              <a:defRPr sz="1600">
+                <a:solidFill>
+                  <a:schemeClr val="tx1"/>
+                </a:solidFill>
+              </a:defRPr>
+            </a:lvl3pPr>
+            <a:lvl4pPr>
+              <a:defRPr sz="1600">
+                <a:solidFill>
+                  <a:schemeClr val="tx1"/>
+                </a:solidFill>
+              </a:defRPr>
+            </a:lvl4pPr>
+            <a:lvl5pPr>
+              <a:defRPr sz="1600">
+                <a:solidFill>
+                  <a:schemeClr val="tx1"/>
+                </a:solidFill>
+              </a:defRPr>
+            </a:lvl5pPr>
+            <a:lvl6pPr>
+              <a:defRPr sz="1600"/>
+            </a:lvl6pPr>
+            <a:lvl7pPr>
+              <a:defRPr sz="1600"/>
+            </a:lvl7pPr>
+            <a:lvl8pPr>
+              <a:defRPr sz="1600"/>
+            </a:lvl8pPr>
+            <a:lvl9pPr>
+              <a:defRPr sz="1600"/>
+            </a:lvl9pPr>
           </a:lstStyle>
           <a:p>
+            <a:pPr lvl="0"/>
             <a:r>
               <a:rPr lang="en-US"/>
-              <a:t>Click to edit Master title style</a:t>
-            </a:r>
-          </a:p>
-        </p:txBody>
-      </p:sp>
-      <p:sp>
-        <p:nvSpPr>
-          <p:cNvPr id="3" name="Content Placeholder 2"/>
-          <p:cNvSpPr>
-            <a:spLocks noGrp="1"/>
-          </p:cNvSpPr>
-          <p:nvPr>
-            <p:ph idx="1"/>
+              <a:t>Edit Master text styles</a:t>
+            </a:r>
+          </a:p>
+          <a:p>
+            <a:pPr lvl="1"/>
+            <a:r>
+              <a:rPr lang="en-US"/>
+              <a:t>Second level</a:t>
+            </a:r>
+          </a:p>
+          <a:p>
+            <a:pPr lvl="2"/>
+            <a:r>
+              <a:rPr lang="en-US"/>
+              <a:t>Third level</a:t>
+            </a:r>
+          </a:p>
+          <a:p>
+            <a:pPr lvl="3"/>
+            <a:r>
+              <a:rPr lang="en-US"/>
+              <a:t>Fourth level</a:t>
+            </a:r>
+          </a:p>
+          <a:p>
+            <a:pPr lvl="4"/>
+            <a:r>
+              <a:rPr lang="en-US"/>
+              <a:t>Fifth level</a:t>
+            </a:r>
+            <a:endParaRPr lang="en-US" dirty="0"/>
+          </a:p>
+        </p:txBody>
+      </p:sp>
+      <p:sp>
+        <p:nvSpPr>
+          <p:cNvPr id="4" name="Text Placeholder 3"/>
+          <p:cNvSpPr>
+            <a:spLocks noGrp="1"/>
+          </p:cNvSpPr>
+          <p:nvPr>
+            <p:ph type="body" sz="half" idx="2"/>
           </p:nvPr>
         </p:nvSpPr>
         <p:spPr>
           <a:xfrm>
-            <a:off x="3575050" y="273050"/>
-            <a:ext cx="5111750" cy="5853113"/>
+            <a:off x="862965" y="3549918"/>
+            <a:ext cx="2846070" cy="2194036"/>
           </a:xfrm>
         </p:spPr>
         <p:txBody>
-          <a:bodyPr/>
+          <a:bodyPr anchor="t" anchorCtr="1">
+            <a:normAutofit/>
+          </a:bodyPr>
           <a:lstStyle>
-            <a:lvl1pPr>
-              <a:defRPr sz="3200"/>
+            <a:lvl1pPr marL="0" indent="0" algn="ctr">
+              <a:buNone/>
+              <a:defRPr sz="1500">
+                <a:solidFill>
+                  <a:srgbClr val="FFFFFF"/>
+                </a:solidFill>
+              </a:defRPr>
             </a:lvl1pPr>
-            <a:lvl2pPr>
-              <a:defRPr sz="2800"/>
+            <a:lvl2pPr marL="457200" indent="0">
+              <a:buNone/>
+              <a:defRPr sz="1400"/>
             </a:lvl2pPr>
-            <a:lvl3pPr>
-              <a:defRPr sz="2400"/>
+            <a:lvl3pPr marL="914400" indent="0">
+              <a:buNone/>
+              <a:defRPr sz="1200"/>
             </a:lvl3pPr>
-            <a:lvl4pPr>
-              <a:defRPr sz="2000"/>
+            <a:lvl4pPr marL="1371600" indent="0">
+              <a:buNone/>
+              <a:defRPr sz="1000"/>
             </a:lvl4pPr>
-            <a:lvl5pPr>
-              <a:defRPr sz="2000"/>
+            <a:lvl5pPr marL="1828800" indent="0">
+              <a:buNone/>
+              <a:defRPr sz="1000"/>
             </a:lvl5pPr>
-            <a:lvl6pPr>
-              <a:defRPr sz="2000"/>
+            <a:lvl6pPr marL="2286000" indent="0">
+              <a:buNone/>
+              <a:defRPr sz="1000"/>
             </a:lvl6pPr>
-            <a:lvl7pPr>
-              <a:defRPr sz="2000"/>
+            <a:lvl7pPr marL="2743200" indent="0">
+              <a:buNone/>
+              <a:defRPr sz="1000"/>
             </a:lvl7pPr>
-            <a:lvl8pPr>
-              <a:defRPr sz="2000"/>
+            <a:lvl8pPr marL="3200400" indent="0">
+              <a:buNone/>
+              <a:defRPr sz="1000"/>
             </a:lvl8pPr>
-            <a:lvl9pPr>
-              <a:defRPr sz="2000"/>
+            <a:lvl9pPr marL="3657600" indent="0">
+              <a:buNone/>
+              <a:defRPr sz="1000"/>
             </a:lvl9pPr>
           </a:lstStyle>
           <a:p>
             <a:pPr lvl="0"/>
             <a:r>
               <a:rPr lang="en-US"/>
-              <a:t>Click to edit Master text styles</a:t>
-            </a:r>
-          </a:p>
-          <a:p>
-            <a:pPr lvl="1"/>
-            <a:r>
-              <a:rPr lang="en-US"/>
-              <a:t>Second level</a:t>
-            </a:r>
-          </a:p>
-          <a:p>
-            <a:pPr lvl="2"/>
-            <a:r>
-              <a:rPr lang="en-US"/>
-              <a:t>Third level</a:t>
-            </a:r>
-          </a:p>
-          <a:p>
-            <a:pPr lvl="3"/>
-            <a:r>
-              <a:rPr lang="en-US"/>
-              <a:t>Fourth level</a:t>
-            </a:r>
-          </a:p>
-          <a:p>
-            <a:pPr lvl="4"/>
-            <a:r>
-              <a:rPr lang="en-US"/>
-              <a:t>Fifth level</a:t>
-            </a:r>
-          </a:p>
-        </p:txBody>
-      </p:sp>
-      <p:sp>
-        <p:nvSpPr>
-          <p:cNvPr id="4" name="Text Placeholder 3"/>
-          <p:cNvSpPr>
-            <a:spLocks noGrp="1"/>
-          </p:cNvSpPr>
-          <p:nvPr>
-            <p:ph type="body" sz="half" idx="2"/>
-          </p:nvPr>
-        </p:nvSpPr>
-        <p:spPr>
-          <a:xfrm>
-            <a:off x="457200" y="1435100"/>
-            <a:ext cx="3008313" cy="4691063"/>
-          </a:xfrm>
-        </p:spPr>
-        <p:txBody>
-          <a:bodyPr/>
-          <a:lstStyle>
-            <a:lvl1pPr marL="0" indent="0">
-              <a:buNone/>
-              <a:defRPr sz="1400"/>
-            </a:lvl1pPr>
-            <a:lvl2pPr marL="457200" indent="0">
-              <a:buNone/>
-              <a:defRPr sz="1200"/>
-            </a:lvl2pPr>
-            <a:lvl3pPr marL="914400" indent="0">
-              <a:buNone/>
-              <a:defRPr sz="1000"/>
-            </a:lvl3pPr>
-            <a:lvl4pPr marL="1371600" indent="0">
-              <a:buNone/>
-              <a:defRPr sz="900"/>
-            </a:lvl4pPr>
-            <a:lvl5pPr marL="1828800" indent="0">
-              <a:buNone/>
-              <a:defRPr sz="900"/>
-            </a:lvl5pPr>
-            <a:lvl6pPr marL="2286000" indent="0">
-              <a:buNone/>
-              <a:defRPr sz="900"/>
-            </a:lvl6pPr>
-            <a:lvl7pPr marL="2743200" indent="0">
-              <a:buNone/>
-              <a:defRPr sz="900"/>
-            </a:lvl7pPr>
-            <a:lvl8pPr marL="3200400" indent="0">
-              <a:buNone/>
-              <a:defRPr sz="900"/>
-            </a:lvl8pPr>
-            <a:lvl9pPr marL="3657600" indent="0">
-              <a:buNone/>
-              <a:defRPr sz="900"/>
-            </a:lvl9pPr>
-          </a:lstStyle>
-          <a:p>
-            <a:pPr lvl="0"/>
-            <a:r>
-              <a:rPr lang="en-US"/>
-              <a:t>Click to edit Master text styles</a:t>
-            </a:r>
-          </a:p>
-        </p:txBody>
-      </p:sp>
-      <p:sp>
-        <p:nvSpPr>
-          <p:cNvPr id="5" name="Date Placeholder 4"/>
+              <a:t>Edit Master text styles</a:t>
+            </a:r>
+          </a:p>
+        </p:txBody>
+      </p:sp>
+      <p:sp>
+        <p:nvSpPr>
+          <p:cNvPr id="9" name="Date Placeholder 8"/>
           <p:cNvSpPr>
             <a:spLocks noGrp="1"/>
           </p:cNvSpPr>
@@ -2732,7 +2785,7 @@
             <a:fld id="{1D8BD707-D9CF-40AE-B4C6-C98DA3205C09}" type="datetimeFigureOut">
               <a:rPr lang="en-US" smtClean="0"/>
               <a:pPr/>
-              <a:t>10/31/18</a:t>
+              <a:t>11/19/18</a:t>
             </a:fld>
             <a:endParaRPr lang="en-US"/>
           </a:p>
@@ -2740,7 +2793,7 @@
       </p:sp>
       <p:sp>
         <p:nvSpPr>
-          <p:cNvPr id="6" name="Footer Placeholder 5"/>
+          <p:cNvPr id="10" name="Footer Placeholder 9"/>
           <p:cNvSpPr>
             <a:spLocks noGrp="1"/>
           </p:cNvSpPr>
@@ -2748,10 +2801,27 @@
             <p:ph type="ftr" sz="quarter" idx="11"/>
           </p:nvPr>
         </p:nvSpPr>
-        <p:spPr/>
-        <p:txBody>
-          <a:bodyPr/>
-          <a:lstStyle/>
+        <p:spPr>
+          <a:xfrm>
+            <a:off x="640703" y="6236208"/>
+            <a:ext cx="3806398" cy="320040"/>
+          </a:xfrm>
+        </p:spPr>
+        <p:txBody>
+          <a:bodyPr>
+            <a:normAutofit/>
+          </a:bodyPr>
+          <a:lstStyle>
+            <a:lvl1pPr>
+              <a:defRPr>
+                <a:solidFill>
+                  <a:srgbClr val="FFFFFF">
+                    <a:alpha val="70000"/>
+                  </a:srgbClr>
+                </a:solidFill>
+              </a:defRPr>
+            </a:lvl1pPr>
+          </a:lstStyle>
           <a:p>
             <a:endParaRPr lang="en-US"/>
           </a:p>
@@ -2759,7 +2829,7 @@
       </p:sp>
       <p:sp>
         <p:nvSpPr>
-          <p:cNvPr id="7" name="Slide Number Placeholder 6"/>
+          <p:cNvPr id="11" name="Slide Number Placeholder 10"/>
           <p:cNvSpPr>
             <a:spLocks noGrp="1"/>
           </p:cNvSpPr>
@@ -2782,6 +2852,11 @@
         </p:txBody>
       </p:sp>
     </p:spTree>
+    <p:extLst>
+      <p:ext uri="{BB962C8B-B14F-4D97-AF65-F5344CB8AC3E}">
+        <p14:creationId xmlns:p14="http://schemas.microsoft.com/office/powerpoint/2010/main" val="1635520606"/>
+      </p:ext>
+    </p:extLst>
   </p:cSld>
   <p:clrMapOvr>
     <a:masterClrMapping/>
@@ -2808,25 +2883,77 @@
       </p:grpSpPr>
       <p:sp>
         <p:nvSpPr>
-          <p:cNvPr id="2" name="Title 1"/>
-          <p:cNvSpPr>
-            <a:spLocks noGrp="1"/>
-          </p:cNvSpPr>
-          <p:nvPr>
-            <p:ph type="title"/>
-          </p:nvPr>
+          <p:cNvPr id="18" name="Rectangle 17"/>
+          <p:cNvSpPr/>
+          <p:nvPr/>
         </p:nvSpPr>
         <p:spPr>
           <a:xfrm>
-            <a:off x="1792288" y="4800600"/>
-            <a:ext cx="5486400" cy="566738"/>
+            <a:off x="1" y="0"/>
+            <a:ext cx="4571999" cy="6858000"/>
           </a:xfrm>
+          <a:prstGeom prst="rect">
+            <a:avLst/>
+          </a:prstGeom>
+          <a:solidFill>
+            <a:schemeClr val="accent2"/>
+          </a:solidFill>
+          <a:ln>
+            <a:noFill/>
+          </a:ln>
         </p:spPr>
-        <p:txBody>
-          <a:bodyPr anchor="b"/>
+        <p:style>
+          <a:lnRef idx="2">
+            <a:schemeClr val="accent1">
+              <a:shade val="50000"/>
+            </a:schemeClr>
+          </a:lnRef>
+          <a:fillRef idx="1">
+            <a:schemeClr val="accent1"/>
+          </a:fillRef>
+          <a:effectRef idx="0">
+            <a:schemeClr val="accent1"/>
+          </a:effectRef>
+          <a:fontRef idx="minor">
+            <a:schemeClr val="lt1"/>
+          </a:fontRef>
+        </p:style>
+      </p:sp>
+      <p:sp>
+        <p:nvSpPr>
+          <p:cNvPr id="2" name="Title 1"/>
+          <p:cNvSpPr>
+            <a:spLocks noGrp="1"/>
+          </p:cNvSpPr>
+          <p:nvPr>
+            <p:ph type="title"/>
+          </p:nvPr>
+        </p:nvSpPr>
+        <p:spPr bwMode="blackWhite">
+          <a:xfrm>
+            <a:off x="640080" y="2243828"/>
+            <a:ext cx="3291840" cy="1143000"/>
+          </a:xfrm>
+          <a:solidFill>
+            <a:srgbClr val="FFFFFF"/>
+          </a:solidFill>
+          <a:ln>
+            <a:solidFill>
+              <a:srgbClr val="262626"/>
+            </a:solidFill>
+          </a:ln>
+        </p:spPr>
+        <p:txBody>
+          <a:bodyPr anchor="ctr" anchorCtr="1">
+            <a:noAutofit/>
+          </a:bodyPr>
           <a:lstStyle>
-            <a:lvl1pPr algn="l">
-              <a:defRPr sz="2000" b="1"/>
+            <a:lvl1pPr>
+              <a:defRPr sz="2100">
+                <a:solidFill>
+                  <a:srgbClr val="262626"/>
+                </a:solidFill>
+              </a:defRPr>
             </a:lvl1pPr>
           </a:lstStyle>
           <a:p>
@@ -2834,6 +2961,7 @@
               <a:rPr lang="en-US"/>
               <a:t>Click to edit Master title style</a:t>
             </a:r>
+            <a:endParaRPr lang="en-US" dirty="0"/>
           </a:p>
         </p:txBody>
       </p:sp>
@@ -2841,7 +2969,7 @@
         <p:nvSpPr>
           <p:cNvPr id="3" name="Picture Placeholder 2"/>
           <p:cNvSpPr>
-            <a:spLocks noGrp="1"/>
+            <a:spLocks noGrp="1" noChangeAspect="1"/>
           </p:cNvSpPr>
           <p:nvPr>
             <p:ph type="pic" idx="1"/>
@@ -2849,16 +2977,28 @@
         </p:nvSpPr>
         <p:spPr>
           <a:xfrm>
-            <a:off x="1792288" y="612775"/>
-            <a:ext cx="5486400" cy="4114800"/>
+            <a:off x="4572000" y="-42172"/>
+            <a:ext cx="4576573" cy="6858000"/>
           </a:xfrm>
+          <a:solidFill>
+            <a:schemeClr val="bg1">
+              <a:lumMod val="75000"/>
+            </a:schemeClr>
+          </a:solidFill>
         </p:spPr>
         <p:txBody>
-          <a:bodyPr/>
+          <a:bodyPr anchor="t"/>
           <a:lstStyle>
             <a:lvl1pPr marL="0" indent="0">
               <a:buNone/>
-              <a:defRPr sz="3200"/>
+              <a:defRPr sz="3200">
+                <a:solidFill>
+                  <a:schemeClr val="bg1">
+                    <a:lumMod val="85000"/>
+                    <a:lumOff val="15000"/>
+                  </a:schemeClr>
+                </a:solidFill>
+              </a:defRPr>
             </a:lvl1pPr>
             <a:lvl2pPr marL="457200" indent="0">
               <a:buNone/>
@@ -2894,7 +3034,11 @@
             </a:lvl9pPr>
           </a:lstStyle>
           <a:p>
-            <a:endParaRPr lang="en-US"/>
+            <a:r>
+              <a:rPr lang="en-US"/>
+              <a:t>Click icon to add picture</a:t>
+            </a:r>
+            <a:endParaRPr lang="en-US" dirty="0"/>
           </a:p>
         </p:txBody>
       </p:sp>
@@ -2910,78 +3054,99 @@
         </p:nvSpPr>
         <p:spPr>
           <a:xfrm>
-            <a:off x="1792288" y="5367338"/>
-            <a:ext cx="5486400" cy="804862"/>
+            <a:off x="862965" y="3549919"/>
+            <a:ext cx="2846070" cy="2194037"/>
           </a:xfrm>
         </p:spPr>
         <p:txBody>
+          <a:bodyPr anchor="t" anchorCtr="1">
+            <a:normAutofit/>
+          </a:bodyPr>
+          <a:lstStyle>
+            <a:lvl1pPr marL="0" indent="0" algn="ctr">
+              <a:buNone/>
+              <a:defRPr sz="1500">
+                <a:solidFill>
+                  <a:srgbClr val="FFFFFF"/>
+                </a:solidFill>
+              </a:defRPr>
+            </a:lvl1pPr>
+            <a:lvl2pPr marL="457200" indent="0">
+              <a:buNone/>
+              <a:defRPr sz="1400"/>
+            </a:lvl2pPr>
+            <a:lvl3pPr marL="914400" indent="0">
+              <a:buNone/>
+              <a:defRPr sz="1200"/>
+            </a:lvl3pPr>
+            <a:lvl4pPr marL="1371600" indent="0">
+              <a:buNone/>
+              <a:defRPr sz="1000"/>
+            </a:lvl4pPr>
+            <a:lvl5pPr marL="1828800" indent="0">
+              <a:buNone/>
+              <a:defRPr sz="1000"/>
+            </a:lvl5pPr>
+            <a:lvl6pPr marL="2286000" indent="0">
+              <a:buNone/>
+              <a:defRPr sz="1000"/>
+            </a:lvl6pPr>
+            <a:lvl7pPr marL="2743200" indent="0">
+              <a:buNone/>
+              <a:defRPr sz="1000"/>
+            </a:lvl7pPr>
+            <a:lvl8pPr marL="3200400" indent="0">
+              <a:buNone/>
+              <a:defRPr sz="1000"/>
+            </a:lvl8pPr>
+            <a:lvl9pPr marL="3657600" indent="0">
+              <a:buNone/>
+              <a:defRPr sz="1000"/>
+            </a:lvl9pPr>
+          </a:lstStyle>
+          <a:p>
+            <a:pPr lvl="0"/>
+            <a:r>
+              <a:rPr lang="en-US"/>
+              <a:t>Edit Master text styles</a:t>
+            </a:r>
+          </a:p>
+        </p:txBody>
+      </p:sp>
+      <p:sp>
+        <p:nvSpPr>
+          <p:cNvPr id="8" name="Date Placeholder 7"/>
+          <p:cNvSpPr>
+            <a:spLocks noGrp="1"/>
+          </p:cNvSpPr>
+          <p:nvPr>
+            <p:ph type="dt" sz="half" idx="10"/>
+          </p:nvPr>
+        </p:nvSpPr>
+        <p:spPr/>
+        <p:txBody>
           <a:bodyPr/>
           <a:lstStyle>
-            <a:lvl1pPr marL="0" indent="0">
-              <a:buNone/>
-              <a:defRPr sz="1400"/>
+            <a:lvl1pPr>
+              <a:defRPr>
+                <a:solidFill>
+                  <a:srgbClr val="FFFFFF"/>
+                </a:solidFill>
+                <a:effectLst>
+                  <a:outerShdw blurRad="50800" dist="38100" dir="2700000" algn="tl" rotWithShape="0">
+                    <a:prstClr val="black">
+                      <a:alpha val="43000"/>
+                    </a:prstClr>
+                  </a:outerShdw>
+                </a:effectLst>
+              </a:defRPr>
             </a:lvl1pPr>
-            <a:lvl2pPr marL="457200" indent="0">
-              <a:buNone/>
-              <a:defRPr sz="1200"/>
-            </a:lvl2pPr>
-            <a:lvl3pPr marL="914400" indent="0">
-              <a:buNone/>
-              <a:defRPr sz="1000"/>
-            </a:lvl3pPr>
-            <a:lvl4pPr marL="1371600" indent="0">
-              <a:buNone/>
-              <a:defRPr sz="900"/>
-            </a:lvl4pPr>
-            <a:lvl5pPr marL="1828800" indent="0">
-              <a:buNone/>
-              <a:defRPr sz="900"/>
-            </a:lvl5pPr>
-            <a:lvl6pPr marL="2286000" indent="0">
-              <a:buNone/>
-              <a:defRPr sz="900"/>
-            </a:lvl6pPr>
-            <a:lvl7pPr marL="2743200" indent="0">
-              <a:buNone/>
-              <a:defRPr sz="900"/>
-            </a:lvl7pPr>
-            <a:lvl8pPr marL="3200400" indent="0">
-              <a:buNone/>
-              <a:defRPr sz="900"/>
-            </a:lvl8pPr>
-            <a:lvl9pPr marL="3657600" indent="0">
-              <a:buNone/>
-              <a:defRPr sz="900"/>
-            </a:lvl9pPr>
           </a:lstStyle>
-          <a:p>
-            <a:pPr lvl="0"/>
-            <a:r>
-              <a:rPr lang="en-US"/>
-              <a:t>Click to edit Master text styles</a:t>
-            </a:r>
-          </a:p>
-        </p:txBody>
-      </p:sp>
-      <p:sp>
-        <p:nvSpPr>
-          <p:cNvPr id="5" name="Date Placeholder 4"/>
-          <p:cNvSpPr>
-            <a:spLocks noGrp="1"/>
-          </p:cNvSpPr>
-          <p:nvPr>
-            <p:ph type="dt" sz="half" idx="10"/>
-          </p:nvPr>
-        </p:nvSpPr>
-        <p:spPr/>
-        <p:txBody>
-          <a:bodyPr/>
-          <a:lstStyle/>
           <a:p>
             <a:fld id="{1D8BD707-D9CF-40AE-B4C6-C98DA3205C09}" type="datetimeFigureOut">
               <a:rPr lang="en-US" smtClean="0"/>
               <a:pPr/>
-              <a:t>10/31/18</a:t>
+              <a:t>11/19/18</a:t>
             </a:fld>
             <a:endParaRPr lang="en-US"/>
           </a:p>
@@ -2989,7 +3154,7 @@
       </p:sp>
       <p:sp>
         <p:nvSpPr>
-          <p:cNvPr id="6" name="Footer Placeholder 5"/>
+          <p:cNvPr id="9" name="Footer Placeholder 8"/>
           <p:cNvSpPr>
             <a:spLocks noGrp="1"/>
           </p:cNvSpPr>
@@ -2997,10 +3162,27 @@
             <p:ph type="ftr" sz="quarter" idx="11"/>
           </p:nvPr>
         </p:nvSpPr>
-        <p:spPr/>
-        <p:txBody>
-          <a:bodyPr/>
-          <a:lstStyle/>
+        <p:spPr>
+          <a:xfrm>
+            <a:off x="640080" y="6236208"/>
+            <a:ext cx="3803904" cy="320040"/>
+          </a:xfrm>
+        </p:spPr>
+        <p:txBody>
+          <a:bodyPr>
+            <a:normAutofit/>
+          </a:bodyPr>
+          <a:lstStyle>
+            <a:lvl1pPr>
+              <a:defRPr>
+                <a:solidFill>
+                  <a:srgbClr val="FFFFFF">
+                    <a:alpha val="70000"/>
+                  </a:srgbClr>
+                </a:solidFill>
+              </a:defRPr>
+            </a:lvl1pPr>
+          </a:lstStyle>
           <a:p>
             <a:endParaRPr lang="en-US"/>
           </a:p>
@@ -3008,7 +3190,7 @@
       </p:sp>
       <p:sp>
         <p:nvSpPr>
-          <p:cNvPr id="7" name="Slide Number Placeholder 6"/>
+          <p:cNvPr id="10" name="Slide Number Placeholder 9"/>
           <p:cNvSpPr>
             <a:spLocks noGrp="1"/>
           </p:cNvSpPr>
@@ -3031,6 +3213,11 @@
         </p:txBody>
       </p:sp>
     </p:spTree>
+    <p:extLst>
+      <p:ext uri="{BB962C8B-B14F-4D97-AF65-F5344CB8AC3E}">
+        <p14:creationId xmlns:p14="http://schemas.microsoft.com/office/powerpoint/2010/main" val="2922255588"/>
+      </p:ext>
+    </p:extLst>
   </p:cSld>
   <p:clrMapOvr>
     <a:masterClrMapping/>
@@ -3042,9 +3229,14 @@
 <p:sldMaster xmlns:a="http://schemas.openxmlformats.org/drawingml/2006/main" xmlns:r="http://schemas.openxmlformats.org/officeDocument/2006/relationships" xmlns:p="http://schemas.openxmlformats.org/presentationml/2006/main">
   <p:cSld>
     <p:bg>
-      <p:bgRef idx="1001">
-        <a:schemeClr val="bg1"/>
-      </p:bgRef>
+      <p:bgPr>
+        <a:solidFill>
+          <a:schemeClr val="bg1">
+            <a:lumMod val="95000"/>
+          </a:schemeClr>
+        </a:solidFill>
+        <a:effectLst/>
+      </p:bgPr>
     </p:bg>
     <p:spTree>
       <p:nvGrpSpPr>
@@ -3070,103 +3262,155 @@
             <p:ph type="title"/>
           </p:nvPr>
         </p:nvSpPr>
+        <p:spPr bwMode="black">
+          <a:xfrm>
+            <a:off x="1606045" y="964692"/>
+            <a:ext cx="5937755" cy="1188720"/>
+          </a:xfrm>
+          <a:prstGeom prst="rect">
+            <a:avLst/>
+          </a:prstGeom>
+          <a:solidFill>
+            <a:srgbClr val="FFFFFF"/>
+          </a:solidFill>
+          <a:ln w="31750" cap="sq">
+            <a:solidFill>
+              <a:srgbClr val="404040"/>
+            </a:solidFill>
+            <a:miter lim="800000"/>
+          </a:ln>
+        </p:spPr>
+        <p:txBody>
+          <a:bodyPr vert="horz" lIns="182880" tIns="182880" rIns="182880" bIns="182880" rtlCol="0" anchor="ctr">
+            <a:normAutofit/>
+          </a:bodyPr>
+          <a:lstStyle/>
+          <a:p>
+            <a:r>
+              <a:rPr lang="en-US"/>
+              <a:t>Click to edit Master title style</a:t>
+            </a:r>
+            <a:endParaRPr lang="en-US" dirty="0"/>
+          </a:p>
+        </p:txBody>
+      </p:sp>
+      <p:sp>
+        <p:nvSpPr>
+          <p:cNvPr id="3" name="Text Placeholder 2"/>
+          <p:cNvSpPr>
+            <a:spLocks noGrp="1"/>
+          </p:cNvSpPr>
+          <p:nvPr>
+            <p:ph type="body" idx="1"/>
+          </p:nvPr>
+        </p:nvSpPr>
         <p:spPr>
           <a:xfrm>
-            <a:off x="457200" y="274638"/>
-            <a:ext cx="8229600" cy="1143000"/>
+            <a:off x="1606045" y="2638045"/>
+            <a:ext cx="5937755" cy="3101983"/>
           </a:xfrm>
           <a:prstGeom prst="rect">
             <a:avLst/>
           </a:prstGeom>
         </p:spPr>
         <p:txBody>
-          <a:bodyPr vert="horz" lIns="91440" tIns="45720" rIns="91440" bIns="45720" rtlCol="0" anchor="ctr">
+          <a:bodyPr vert="horz" lIns="91440" tIns="45720" rIns="91440" bIns="45720" rtlCol="0">
             <a:normAutofit/>
           </a:bodyPr>
           <a:lstStyle/>
           <a:p>
-            <a:r>
-              <a:rPr lang="en-US"/>
-              <a:t>Click to edit Master title style</a:t>
-            </a:r>
-          </a:p>
-        </p:txBody>
-      </p:sp>
-      <p:sp>
-        <p:nvSpPr>
-          <p:cNvPr id="3" name="Text Placeholder 2"/>
-          <p:cNvSpPr>
-            <a:spLocks noGrp="1"/>
-          </p:cNvSpPr>
-          <p:nvPr>
-            <p:ph type="body" idx="1"/>
+            <a:pPr lvl="0"/>
+            <a:r>
+              <a:rPr lang="en-US" dirty="0"/>
+              <a:t>Edit Master text styles</a:t>
+            </a:r>
+          </a:p>
+          <a:p>
+            <a:pPr lvl="1"/>
+            <a:r>
+              <a:rPr lang="en-US" dirty="0"/>
+              <a:t>Second level</a:t>
+            </a:r>
+          </a:p>
+          <a:p>
+            <a:pPr lvl="2"/>
+            <a:r>
+              <a:rPr lang="en-US" dirty="0"/>
+              <a:t>Third level</a:t>
+            </a:r>
+          </a:p>
+          <a:p>
+            <a:pPr lvl="3"/>
+            <a:r>
+              <a:rPr lang="en-US" dirty="0"/>
+              <a:t>Fourth level</a:t>
+            </a:r>
+          </a:p>
+          <a:p>
+            <a:pPr lvl="4"/>
+            <a:r>
+              <a:rPr lang="en-US" dirty="0"/>
+              <a:t>Fifth level</a:t>
+            </a:r>
+          </a:p>
+        </p:txBody>
+      </p:sp>
+      <p:sp>
+        <p:nvSpPr>
+          <p:cNvPr id="4" name="Date Placeholder 3"/>
+          <p:cNvSpPr>
+            <a:spLocks noGrp="1"/>
+          </p:cNvSpPr>
+          <p:nvPr>
+            <p:ph type="dt" sz="half" idx="2"/>
           </p:nvPr>
         </p:nvSpPr>
         <p:spPr>
           <a:xfrm>
-            <a:off x="457200" y="1600200"/>
-            <a:ext cx="8229600" cy="4525963"/>
+            <a:off x="5978943" y="6238816"/>
+            <a:ext cx="2065310" cy="323968"/>
           </a:xfrm>
           <a:prstGeom prst="rect">
             <a:avLst/>
           </a:prstGeom>
         </p:spPr>
         <p:txBody>
-          <a:bodyPr vert="horz" lIns="91440" tIns="45720" rIns="91440" bIns="45720" rtlCol="0">
-            <a:normAutofit/>
-          </a:bodyPr>
-          <a:lstStyle/>
-          <a:p>
-            <a:pPr lvl="0"/>
-            <a:r>
-              <a:rPr lang="en-US"/>
-              <a:t>Click to edit Master text styles</a:t>
-            </a:r>
-          </a:p>
-          <a:p>
-            <a:pPr lvl="1"/>
-            <a:r>
-              <a:rPr lang="en-US"/>
-              <a:t>Second level</a:t>
-            </a:r>
-          </a:p>
-          <a:p>
-            <a:pPr lvl="2"/>
-            <a:r>
-              <a:rPr lang="en-US"/>
-              <a:t>Third level</a:t>
-            </a:r>
-          </a:p>
-          <a:p>
-            <a:pPr lvl="3"/>
-            <a:r>
-              <a:rPr lang="en-US"/>
-              <a:t>Fourth level</a:t>
-            </a:r>
-          </a:p>
-          <a:p>
-            <a:pPr lvl="4"/>
-            <a:r>
-              <a:rPr lang="en-US"/>
-              <a:t>Fifth level</a:t>
-            </a:r>
-          </a:p>
-        </p:txBody>
-      </p:sp>
-      <p:sp>
-        <p:nvSpPr>
-          <p:cNvPr id="4" name="Date Placeholder 3"/>
-          <p:cNvSpPr>
-            <a:spLocks noGrp="1"/>
-          </p:cNvSpPr>
-          <p:nvPr>
-            <p:ph type="dt" sz="half" idx="2"/>
+          <a:bodyPr vert="horz" lIns="91440" tIns="45720" rIns="91440" bIns="45720" rtlCol="0" anchor="ctr"/>
+          <a:lstStyle>
+            <a:lvl1pPr algn="r">
+              <a:defRPr sz="1000">
+                <a:solidFill>
+                  <a:schemeClr val="tx1">
+                    <a:alpha val="70000"/>
+                  </a:schemeClr>
+                </a:solidFill>
+              </a:defRPr>
+            </a:lvl1pPr>
+          </a:lstStyle>
+          <a:p>
+            <a:fld id="{1D8BD707-D9CF-40AE-B4C6-C98DA3205C09}" type="datetimeFigureOut">
+              <a:rPr lang="en-US" smtClean="0"/>
+              <a:pPr/>
+              <a:t>11/19/18</a:t>
+            </a:fld>
+            <a:endParaRPr lang="en-US"/>
+          </a:p>
+        </p:txBody>
+      </p:sp>
+      <p:sp>
+        <p:nvSpPr>
+          <p:cNvPr id="5" name="Footer Placeholder 4"/>
+          <p:cNvSpPr>
+            <a:spLocks noGrp="1"/>
+          </p:cNvSpPr>
+          <p:nvPr>
+            <p:ph type="ftr" sz="quarter" idx="3"/>
           </p:nvPr>
         </p:nvSpPr>
         <p:spPr>
           <a:xfrm>
-            <a:off x="457200" y="6356350"/>
-            <a:ext cx="2133600" cy="365125"/>
+            <a:off x="1102239" y="6236208"/>
+            <a:ext cx="4556664" cy="320040"/>
           </a:xfrm>
           <a:prstGeom prst="rect">
             <a:avLst/>
@@ -3176,90 +3420,53 @@
           <a:bodyPr vert="horz" lIns="91440" tIns="45720" rIns="91440" bIns="45720" rtlCol="0" anchor="ctr"/>
           <a:lstStyle>
             <a:lvl1pPr algn="l">
-              <a:defRPr sz="1200">
+              <a:defRPr sz="1000">
                 <a:solidFill>
                   <a:schemeClr val="tx1">
-                    <a:tint val="75000"/>
+                    <a:alpha val="70000"/>
                   </a:schemeClr>
                 </a:solidFill>
               </a:defRPr>
             </a:lvl1pPr>
           </a:lstStyle>
           <a:p>
-            <a:fld id="{1D8BD707-D9CF-40AE-B4C6-C98DA3205C09}" type="datetimeFigureOut">
-              <a:rPr lang="en-US" smtClean="0"/>
-              <a:pPr/>
-              <a:t>10/31/18</a:t>
-            </a:fld>
             <a:endParaRPr lang="en-US"/>
           </a:p>
         </p:txBody>
       </p:sp>
       <p:sp>
         <p:nvSpPr>
-          <p:cNvPr id="5" name="Footer Placeholder 4"/>
-          <p:cNvSpPr>
-            <a:spLocks noGrp="1"/>
-          </p:cNvSpPr>
-          <p:nvPr>
-            <p:ph type="ftr" sz="quarter" idx="3"/>
+          <p:cNvPr id="6" name="Slide Number Placeholder 5"/>
+          <p:cNvSpPr>
+            <a:spLocks noGrp="1"/>
+          </p:cNvSpPr>
+          <p:nvPr>
+            <p:ph type="sldNum" sz="quarter" idx="4"/>
           </p:nvPr>
         </p:nvSpPr>
         <p:spPr>
           <a:xfrm>
-            <a:off x="3124200" y="6356350"/>
-            <a:ext cx="2895600" cy="365125"/>
+            <a:off x="8240112" y="6217920"/>
+            <a:ext cx="365760" cy="365760"/>
           </a:xfrm>
-          <a:prstGeom prst="rect">
+          <a:prstGeom prst="ellipse">
             <a:avLst/>
           </a:prstGeom>
+          <a:solidFill>
+            <a:srgbClr val="1D1D1D">
+              <a:alpha val="69804"/>
+            </a:srgbClr>
+          </a:solidFill>
         </p:spPr>
         <p:txBody>
-          <a:bodyPr vert="horz" lIns="91440" tIns="45720" rIns="91440" bIns="45720" rtlCol="0" anchor="ctr"/>
+          <a:bodyPr vert="horz" lIns="18288" tIns="45720" rIns="18288" bIns="45720" rtlCol="0" anchor="ctr">
+            <a:noAutofit/>
+          </a:bodyPr>
           <a:lstStyle>
             <a:lvl1pPr algn="ctr">
-              <a:defRPr sz="1200">
-                <a:solidFill>
-                  <a:schemeClr val="tx1">
-                    <a:tint val="75000"/>
-                  </a:schemeClr>
-                </a:solidFill>
-              </a:defRPr>
-            </a:lvl1pPr>
-          </a:lstStyle>
-          <a:p>
-            <a:endParaRPr lang="en-US"/>
-          </a:p>
-        </p:txBody>
-      </p:sp>
-      <p:sp>
-        <p:nvSpPr>
-          <p:cNvPr id="6" name="Slide Number Placeholder 5"/>
-          <p:cNvSpPr>
-            <a:spLocks noGrp="1"/>
-          </p:cNvSpPr>
-          <p:nvPr>
-            <p:ph type="sldNum" sz="quarter" idx="4"/>
-          </p:nvPr>
-        </p:nvSpPr>
-        <p:spPr>
-          <a:xfrm>
-            <a:off x="6553200" y="6356350"/>
-            <a:ext cx="2133600" cy="365125"/>
-          </a:xfrm>
-          <a:prstGeom prst="rect">
-            <a:avLst/>
-          </a:prstGeom>
-        </p:spPr>
-        <p:txBody>
-          <a:bodyPr vert="horz" lIns="91440" tIns="45720" rIns="91440" bIns="45720" rtlCol="0" anchor="ctr"/>
-          <a:lstStyle>
-            <a:lvl1pPr algn="r">
-              <a:defRPr sz="1200">
-                <a:solidFill>
-                  <a:schemeClr val="tx1">
-                    <a:tint val="75000"/>
-                  </a:schemeClr>
+              <a:defRPr sz="1100" spc="0" baseline="0">
+                <a:solidFill>
+                  <a:srgbClr val="FFFFFF"/>
                 </a:solidFill>
               </a:defRPr>
             </a:lvl1pPr>
@@ -3275,31 +3482,39 @@
         </p:txBody>
       </p:sp>
     </p:spTree>
+    <p:extLst>
+      <p:ext uri="{BB962C8B-B14F-4D97-AF65-F5344CB8AC3E}">
+        <p14:creationId xmlns:p14="http://schemas.microsoft.com/office/powerpoint/2010/main" val="1545897997"/>
+      </p:ext>
+    </p:extLst>
   </p:cSld>
   <p:clrMap bg1="lt1" tx1="dk1" bg2="lt2" tx2="dk2" accent1="accent1" accent2="accent2" accent3="accent3" accent4="accent4" accent5="accent5" accent6="accent6" hlink="hlink" folHlink="folHlink"/>
   <p:sldLayoutIdLst>
-    <p:sldLayoutId id="2147483649" r:id="rId1"/>
-    <p:sldLayoutId id="2147483650" r:id="rId2"/>
-    <p:sldLayoutId id="2147483651" r:id="rId3"/>
-    <p:sldLayoutId id="2147483652" r:id="rId4"/>
-    <p:sldLayoutId id="2147483653" r:id="rId5"/>
-    <p:sldLayoutId id="2147483654" r:id="rId6"/>
-    <p:sldLayoutId id="2147483655" r:id="rId7"/>
-    <p:sldLayoutId id="2147483656" r:id="rId8"/>
-    <p:sldLayoutId id="2147483657" r:id="rId9"/>
-    <p:sldLayoutId id="2147483658" r:id="rId10"/>
-    <p:sldLayoutId id="2147483659" r:id="rId11"/>
+    <p:sldLayoutId id="2147483661" r:id="rId1"/>
+    <p:sldLayoutId id="2147483662" r:id="rId2"/>
+    <p:sldLayoutId id="2147483663" r:id="rId3"/>
+    <p:sldLayoutId id="2147483664" r:id="rId4"/>
+    <p:sldLayoutId id="2147483665" r:id="rId5"/>
+    <p:sldLayoutId id="2147483666" r:id="rId6"/>
+    <p:sldLayoutId id="2147483667" r:id="rId7"/>
+    <p:sldLayoutId id="2147483668" r:id="rId8"/>
+    <p:sldLayoutId id="2147483669" r:id="rId9"/>
+    <p:sldLayoutId id="2147483670" r:id="rId10"/>
+    <p:sldLayoutId id="2147483671" r:id="rId11"/>
   </p:sldLayoutIdLst>
   <p:txStyles>
     <p:titleStyle>
       <a:lvl1pPr algn="ctr" defTabSz="914400" rtl="0" eaLnBrk="1" latinLnBrk="0" hangingPunct="1">
+        <a:lnSpc>
+          <a:spcPct val="90000"/>
+        </a:lnSpc>
         <a:spcBef>
           <a:spcPct val="0"/>
         </a:spcBef>
         <a:buNone/>
-        <a:defRPr sz="4400" kern="1200">
+        <a:defRPr sz="2600" kern="1200" cap="all" spc="200" baseline="0">
           <a:solidFill>
-            <a:schemeClr val="tx1"/>
+            <a:srgbClr val="262626"/>
           </a:solidFill>
           <a:latin typeface="+mj-lt"/>
           <a:ea typeface="+mj-ea"/>
@@ -3308,88 +3523,139 @@
       </a:lvl1pPr>
     </p:titleStyle>
     <p:bodyStyle>
-      <a:lvl1pPr marL="342900" indent="-342900" algn="l" defTabSz="914400" rtl="0" eaLnBrk="1" latinLnBrk="0" hangingPunct="1">
+      <a:lvl1pPr marL="228600" indent="-228600" algn="l" defTabSz="914400" rtl="0" eaLnBrk="1" latinLnBrk="0" hangingPunct="1">
+        <a:lnSpc>
+          <a:spcPct val="100000"/>
+        </a:lnSpc>
         <a:spcBef>
-          <a:spcPct val="20000"/>
+          <a:spcPts val="1000"/>
         </a:spcBef>
-        <a:buFont typeface="Arial" pitchFamily="34" charset="0"/>
+        <a:buClr>
+          <a:schemeClr val="accent2"/>
+        </a:buClr>
+        <a:buFont typeface="Arial" panose="020B0604020202020204" pitchFamily="34" charset="0"/>
         <a:buChar char="•"/>
-        <a:defRPr sz="3200" kern="1200">
+        <a:defRPr sz="1800" kern="1200">
           <a:solidFill>
-            <a:schemeClr val="tx1"/>
+            <a:schemeClr val="tx1">
+              <a:lumMod val="85000"/>
+              <a:lumOff val="15000"/>
+            </a:schemeClr>
           </a:solidFill>
           <a:latin typeface="+mn-lt"/>
           <a:ea typeface="+mn-ea"/>
           <a:cs typeface="+mn-cs"/>
         </a:defRPr>
       </a:lvl1pPr>
-      <a:lvl2pPr marL="742950" indent="-285750" algn="l" defTabSz="914400" rtl="0" eaLnBrk="1" latinLnBrk="0" hangingPunct="1">
+      <a:lvl2pPr marL="457200" indent="-228600" algn="l" defTabSz="914400" rtl="0" eaLnBrk="1" latinLnBrk="0" hangingPunct="1">
+        <a:lnSpc>
+          <a:spcPct val="100000"/>
+        </a:lnSpc>
         <a:spcBef>
-          <a:spcPct val="20000"/>
+          <a:spcPts val="1000"/>
         </a:spcBef>
-        <a:buFont typeface="Arial" pitchFamily="34" charset="0"/>
-        <a:buChar char="–"/>
-        <a:defRPr sz="2800" kern="1200">
+        <a:buClr>
+          <a:schemeClr val="accent2"/>
+        </a:buClr>
+        <a:buFont typeface="Arial" panose="020B0604020202020204" pitchFamily="34" charset="0"/>
+        <a:buChar char="•"/>
+        <a:defRPr sz="1600" kern="1200">
           <a:solidFill>
-            <a:schemeClr val="tx1"/>
+            <a:schemeClr val="tx1">
+              <a:lumMod val="85000"/>
+              <a:lumOff val="15000"/>
+            </a:schemeClr>
           </a:solidFill>
           <a:latin typeface="+mn-lt"/>
           <a:ea typeface="+mn-ea"/>
           <a:cs typeface="+mn-cs"/>
         </a:defRPr>
       </a:lvl2pPr>
-      <a:lvl3pPr marL="1143000" indent="-228600" algn="l" defTabSz="914400" rtl="0" eaLnBrk="1" latinLnBrk="0" hangingPunct="1">
+      <a:lvl3pPr marL="685800" indent="-228600" algn="l" defTabSz="914400" rtl="0" eaLnBrk="1" latinLnBrk="0" hangingPunct="1">
+        <a:lnSpc>
+          <a:spcPct val="100000"/>
+        </a:lnSpc>
         <a:spcBef>
-          <a:spcPct val="20000"/>
+          <a:spcPts val="1000"/>
         </a:spcBef>
-        <a:buFont typeface="Arial" pitchFamily="34" charset="0"/>
+        <a:buClr>
+          <a:schemeClr val="accent2"/>
+        </a:buClr>
+        <a:buFont typeface="Arial" panose="020B0604020202020204" pitchFamily="34" charset="0"/>
         <a:buChar char="•"/>
-        <a:defRPr sz="2400" kern="1200">
+        <a:defRPr sz="1600" kern="1200">
           <a:solidFill>
-            <a:schemeClr val="tx1"/>
+            <a:schemeClr val="tx1">
+              <a:lumMod val="85000"/>
+              <a:lumOff val="15000"/>
+            </a:schemeClr>
           </a:solidFill>
           <a:latin typeface="+mn-lt"/>
           <a:ea typeface="+mn-ea"/>
           <a:cs typeface="+mn-cs"/>
         </a:defRPr>
       </a:lvl3pPr>
-      <a:lvl4pPr marL="1600200" indent="-228600" algn="l" defTabSz="914400" rtl="0" eaLnBrk="1" latinLnBrk="0" hangingPunct="1">
+      <a:lvl4pPr marL="914400" indent="-228600" algn="l" defTabSz="914400" rtl="0" eaLnBrk="1" latinLnBrk="0" hangingPunct="1">
+        <a:lnSpc>
+          <a:spcPct val="100000"/>
+        </a:lnSpc>
         <a:spcBef>
-          <a:spcPct val="20000"/>
+          <a:spcPts val="1000"/>
         </a:spcBef>
-        <a:buFont typeface="Arial" pitchFamily="34" charset="0"/>
-        <a:buChar char="–"/>
-        <a:defRPr sz="2000" kern="1200">
+        <a:buClr>
+          <a:schemeClr val="accent2"/>
+        </a:buClr>
+        <a:buFont typeface="Arial" panose="020B0604020202020204" pitchFamily="34" charset="0"/>
+        <a:buChar char="•"/>
+        <a:defRPr sz="1600" kern="1200">
           <a:solidFill>
-            <a:schemeClr val="tx1"/>
+            <a:schemeClr val="tx1">
+              <a:lumMod val="85000"/>
+              <a:lumOff val="15000"/>
+            </a:schemeClr>
           </a:solidFill>
           <a:latin typeface="+mn-lt"/>
           <a:ea typeface="+mn-ea"/>
           <a:cs typeface="+mn-cs"/>
         </a:defRPr>
       </a:lvl4pPr>
-      <a:lvl5pPr marL="2057400" indent="-228600" algn="l" defTabSz="914400" rtl="0" eaLnBrk="1" latinLnBrk="0" hangingPunct="1">
+      <a:lvl5pPr marL="1143000" indent="-228600" algn="l" defTabSz="914400" rtl="0" eaLnBrk="1" latinLnBrk="0" hangingPunct="1">
+        <a:lnSpc>
+          <a:spcPct val="100000"/>
+        </a:lnSpc>
         <a:spcBef>
-          <a:spcPct val="20000"/>
+          <a:spcPts val="1000"/>
         </a:spcBef>
-        <a:buFont typeface="Arial" pitchFamily="34" charset="0"/>
-        <a:buChar char="»"/>
-        <a:defRPr sz="2000" kern="1200">
+        <a:buClr>
+          <a:schemeClr val="accent2"/>
+        </a:buClr>
+        <a:buFont typeface="Arial" panose="020B0604020202020204" pitchFamily="34" charset="0"/>
+        <a:buChar char="•"/>
+        <a:defRPr sz="1600" kern="1200">
           <a:solidFill>
-            <a:schemeClr val="tx1"/>
+            <a:schemeClr val="tx1">
+              <a:lumMod val="85000"/>
+              <a:lumOff val="15000"/>
+            </a:schemeClr>
           </a:solidFill>
           <a:latin typeface="+mn-lt"/>
           <a:ea typeface="+mn-ea"/>
           <a:cs typeface="+mn-cs"/>
         </a:defRPr>
       </a:lvl5pPr>
-      <a:lvl6pPr marL="2514600" indent="-228600" algn="l" defTabSz="914400" rtl="0" eaLnBrk="1" latinLnBrk="0" hangingPunct="1">
+      <a:lvl6pPr marL="1314450" indent="-228600" algn="l" defTabSz="914400" rtl="0" eaLnBrk="1" latinLnBrk="0" hangingPunct="1">
+        <a:lnSpc>
+          <a:spcPct val="100000"/>
+        </a:lnSpc>
         <a:spcBef>
-          <a:spcPct val="20000"/>
+          <a:spcPts val="1000"/>
         </a:spcBef>
-        <a:buFont typeface="Arial" pitchFamily="34" charset="0"/>
+        <a:buClr>
+          <a:schemeClr val="accent2"/>
+        </a:buClr>
+        <a:buFont typeface="Arial" panose="020B0604020202020204" pitchFamily="34" charset="0"/>
         <a:buChar char="•"/>
-        <a:defRPr sz="2000" kern="1200">
+        <a:defRPr sz="1600" kern="1200">
           <a:solidFill>
             <a:schemeClr val="tx1"/>
           </a:solidFill>
@@ -3398,13 +3664,19 @@
           <a:cs typeface="+mn-cs"/>
         </a:defRPr>
       </a:lvl6pPr>
-      <a:lvl7pPr marL="2971800" indent="-228600" algn="l" defTabSz="914400" rtl="0" eaLnBrk="1" latinLnBrk="0" hangingPunct="1">
+      <a:lvl7pPr marL="1485900" indent="-228600" algn="l" defTabSz="914400" rtl="0" eaLnBrk="1" latinLnBrk="0" hangingPunct="1">
+        <a:lnSpc>
+          <a:spcPct val="100000"/>
+        </a:lnSpc>
         <a:spcBef>
-          <a:spcPct val="20000"/>
+          <a:spcPts val="1000"/>
         </a:spcBef>
-        <a:buFont typeface="Arial" pitchFamily="34" charset="0"/>
+        <a:buClr>
+          <a:schemeClr val="accent2"/>
+        </a:buClr>
+        <a:buFont typeface="Arial" panose="020B0604020202020204" pitchFamily="34" charset="0"/>
         <a:buChar char="•"/>
-        <a:defRPr sz="2000" kern="1200">
+        <a:defRPr sz="1600" kern="1200">
           <a:solidFill>
             <a:schemeClr val="tx1"/>
           </a:solidFill>
@@ -3413,13 +3685,19 @@
           <a:cs typeface="+mn-cs"/>
         </a:defRPr>
       </a:lvl7pPr>
-      <a:lvl8pPr marL="3429000" indent="-228600" algn="l" defTabSz="914400" rtl="0" eaLnBrk="1" latinLnBrk="0" hangingPunct="1">
+      <a:lvl8pPr marL="1657350" indent="-228600" algn="l" defTabSz="914400" rtl="0" eaLnBrk="1" latinLnBrk="0" hangingPunct="1">
+        <a:lnSpc>
+          <a:spcPct val="100000"/>
+        </a:lnSpc>
         <a:spcBef>
-          <a:spcPct val="20000"/>
+          <a:spcPts val="1000"/>
         </a:spcBef>
-        <a:buFont typeface="Arial" pitchFamily="34" charset="0"/>
+        <a:buClr>
+          <a:schemeClr val="accent2"/>
+        </a:buClr>
+        <a:buFont typeface="Arial" panose="020B0604020202020204" pitchFamily="34" charset="0"/>
         <a:buChar char="•"/>
-        <a:defRPr sz="2000" kern="1200">
+        <a:defRPr sz="1600" kern="1200" baseline="0">
           <a:solidFill>
             <a:schemeClr val="tx1"/>
           </a:solidFill>
@@ -3428,13 +3706,19 @@
           <a:cs typeface="+mn-cs"/>
         </a:defRPr>
       </a:lvl8pPr>
-      <a:lvl9pPr marL="3886200" indent="-228600" algn="l" defTabSz="914400" rtl="0" eaLnBrk="1" latinLnBrk="0" hangingPunct="1">
+      <a:lvl9pPr marL="1828800" indent="-228600" algn="l" defTabSz="914400" rtl="0" eaLnBrk="1" latinLnBrk="0" hangingPunct="1">
+        <a:lnSpc>
+          <a:spcPct val="100000"/>
+        </a:lnSpc>
         <a:spcBef>
-          <a:spcPct val="20000"/>
+          <a:spcPts val="1000"/>
         </a:spcBef>
-        <a:buFont typeface="Arial" pitchFamily="34" charset="0"/>
+        <a:buClr>
+          <a:schemeClr val="accent2"/>
+        </a:buClr>
+        <a:buFont typeface="Arial" panose="020B0604020202020204" pitchFamily="34" charset="0"/>
         <a:buChar char="•"/>
-        <a:defRPr sz="2000" kern="1200">
+        <a:defRPr sz="1600" kern="1200" baseline="0">
           <a:solidFill>
             <a:schemeClr val="tx1"/>
           </a:solidFill>
@@ -3624,7 +3908,7 @@
         <p:spPr/>
         <p:txBody>
           <a:bodyPr>
-            <a:normAutofit fontScale="85000" lnSpcReduction="20000"/>
+            <a:normAutofit fontScale="77500" lnSpcReduction="20000"/>
           </a:bodyPr>
           <a:lstStyle/>
           <a:p>
@@ -3720,10 +4004,15 @@
             <p:ph idx="1"/>
           </p:nvPr>
         </p:nvSpPr>
-        <p:spPr/>
+        <p:spPr>
+          <a:xfrm>
+            <a:off x="381000" y="2286000"/>
+            <a:ext cx="8305799" cy="4190999"/>
+          </a:xfrm>
+        </p:spPr>
         <p:txBody>
           <a:bodyPr>
-            <a:normAutofit fontScale="70000" lnSpcReduction="20000"/>
+            <a:normAutofit lnSpcReduction="10000"/>
           </a:bodyPr>
           <a:lstStyle/>
           <a:p>
@@ -3886,7 +4175,12 @@
             <p:ph idx="1"/>
           </p:nvPr>
         </p:nvSpPr>
-        <p:spPr/>
+        <p:spPr>
+          <a:xfrm>
+            <a:off x="381001" y="2362200"/>
+            <a:ext cx="8458200" cy="4190999"/>
+          </a:xfrm>
+        </p:spPr>
         <p:txBody>
           <a:bodyPr>
             <a:normAutofit fontScale="70000" lnSpcReduction="20000"/>
@@ -3952,7 +4246,7 @@
             <a:r>
               <a:rPr lang="en-CA" sz="2600" dirty="0">
                 <a:solidFill>
-                  <a:schemeClr val="accent1"/>
+                  <a:srgbClr val="0070C0"/>
                 </a:solidFill>
               </a:rPr>
               <a:t>import </a:t>
@@ -3960,14 +4254,14 @@
             <a:r>
               <a:rPr lang="en-CA" sz="2600" dirty="0" err="1">
                 <a:solidFill>
-                  <a:schemeClr val="accent1"/>
+                  <a:srgbClr val="0070C0"/>
                 </a:solidFill>
               </a:rPr>
               <a:t>os</a:t>
             </a:r>
             <a:endParaRPr lang="en-CA" sz="2600" dirty="0">
               <a:solidFill>
-                <a:schemeClr val="accent1"/>
+                <a:srgbClr val="0070C0"/>
               </a:solidFill>
             </a:endParaRPr>
           </a:p>
@@ -3978,7 +4272,7 @@
             <a:r>
               <a:rPr lang="en-CA" sz="2600" dirty="0">
                 <a:solidFill>
-                  <a:schemeClr val="accent1"/>
+                  <a:srgbClr val="0070C0"/>
                 </a:solidFill>
               </a:rPr>
               <a:t>home = </a:t>
@@ -3986,7 +4280,7 @@
             <a:r>
               <a:rPr lang="en-CA" sz="2600" dirty="0" err="1">
                 <a:solidFill>
-                  <a:schemeClr val="accent1"/>
+                  <a:srgbClr val="0070C0"/>
                 </a:solidFill>
               </a:rPr>
               <a:t>os.getenv</a:t>
@@ -3994,41 +4288,83 @@
             <a:r>
               <a:rPr lang="en-CA" sz="2600" dirty="0">
                 <a:solidFill>
-                  <a:schemeClr val="accent1"/>
-                </a:solidFill>
-              </a:rPr>
-              <a:t>('HOME’)  </a:t>
-            </a:r>
+                  <a:srgbClr val="0070C0"/>
+                </a:solidFill>
+              </a:rPr>
+              <a:t>('HOME’)  #user home directory</a:t>
+            </a:r>
+          </a:p>
+          <a:p>
+            <a:pPr marL="0" indent="0">
+              <a:buNone/>
+            </a:pPr>
             <a:r>
               <a:rPr lang="en-CA" sz="2600" dirty="0">
                 <a:solidFill>
-                  <a:schemeClr val="accent3"/>
-                </a:solidFill>
-              </a:rPr>
-              <a:t>#user home directory</a:t>
-            </a:r>
-          </a:p>
-          <a:p>
-            <a:pPr marL="0" indent="0">
-              <a:buNone/>
-            </a:pPr>
+                  <a:srgbClr val="0070C0"/>
+                </a:solidFill>
+              </a:rPr>
+              <a:t>print('home', home)</a:t>
+            </a:r>
+          </a:p>
+          <a:p>
+            <a:pPr marL="0" indent="0">
+              <a:buNone/>
+            </a:pPr>
+            <a:r>
+              <a:rPr lang="en-CA" sz="2600" dirty="0" err="1">
+                <a:solidFill>
+                  <a:srgbClr val="0070C0"/>
+                </a:solidFill>
+              </a:rPr>
+              <a:t>os.chdir</a:t>
+            </a:r>
             <a:r>
               <a:rPr lang="en-CA" sz="2600" dirty="0">
                 <a:solidFill>
-                  <a:schemeClr val="accent1"/>
-                </a:solidFill>
-              </a:rPr>
-              <a:t>print('home', home)</a:t>
-            </a:r>
-          </a:p>
-          <a:p>
-            <a:pPr marL="0" indent="0">
-              <a:buNone/>
-            </a:pPr>
+                  <a:srgbClr val="0070C0"/>
+                </a:solidFill>
+              </a:rPr>
+              <a:t>(home) #change working directory to user home directory</a:t>
+            </a:r>
+          </a:p>
+          <a:p>
+            <a:pPr marL="0" indent="0">
+              <a:buNone/>
+            </a:pPr>
+            <a:r>
+              <a:rPr lang="en-CA" sz="2600" dirty="0">
+                <a:solidFill>
+                  <a:srgbClr val="0070C0"/>
+                </a:solidFill>
+              </a:rPr>
+              <a:t>print(</a:t>
+            </a:r>
             <a:r>
               <a:rPr lang="en-CA" sz="2600" dirty="0" err="1">
                 <a:solidFill>
-                  <a:schemeClr val="accent1"/>
+                  <a:srgbClr val="0070C0"/>
+                </a:solidFill>
+              </a:rPr>
+              <a:t>os.getcwd</a:t>
+            </a:r>
+            <a:r>
+              <a:rPr lang="en-CA" sz="2600" dirty="0">
+                <a:solidFill>
+                  <a:srgbClr val="0070C0"/>
+                </a:solidFill>
+              </a:rPr>
+              <a:t>()) </a:t>
+            </a:r>
+          </a:p>
+          <a:p>
+            <a:pPr marL="0" indent="0">
+              <a:buNone/>
+            </a:pPr>
+            <a:r>
+              <a:rPr lang="en-CA" sz="2600" dirty="0" err="1">
+                <a:solidFill>
+                  <a:srgbClr val="0070C0"/>
                 </a:solidFill>
               </a:rPr>
               <a:t>os.chdir</a:t>
@@ -4036,24 +4372,27 @@
             <a:r>
               <a:rPr lang="en-CA" sz="2600" dirty="0">
                 <a:solidFill>
-                  <a:schemeClr val="accent1"/>
-                </a:solidFill>
-              </a:rPr>
-              <a:t>(home) </a:t>
+                  <a:srgbClr val="0070C0"/>
+                </a:solidFill>
+              </a:rPr>
+              <a:t>(home + </a:t>
+            </a:r>
+            <a:r>
+              <a:rPr lang="en-CA" sz="2600" dirty="0" err="1">
+                <a:solidFill>
+                  <a:srgbClr val="0070C0"/>
+                </a:solidFill>
+              </a:rPr>
+              <a:t>os.sep</a:t>
             </a:r>
             <a:r>
               <a:rPr lang="en-CA" sz="2600" dirty="0">
                 <a:solidFill>
-                  <a:schemeClr val="accent3"/>
-                </a:solidFill>
-              </a:rPr>
-              <a:t>#change working directory to user home directory</a:t>
-            </a:r>
-            <a:endParaRPr lang="en-CA" sz="2600" dirty="0">
-              <a:solidFill>
-                <a:schemeClr val="accent1"/>
-              </a:solidFill>
-            </a:endParaRPr>
+                  <a:srgbClr val="0070C0"/>
+                </a:solidFill>
+              </a:rPr>
+              <a:t> + 'Desktop’) # change working directory to user Desktop</a:t>
+            </a:r>
           </a:p>
           <a:p>
             <a:pPr marL="0" indent="0">
@@ -4062,7 +4401,7 @@
             <a:r>
               <a:rPr lang="en-CA" sz="2600" dirty="0">
                 <a:solidFill>
-                  <a:schemeClr val="accent1"/>
+                  <a:srgbClr val="0070C0"/>
                 </a:solidFill>
               </a:rPr>
               <a:t>print(</a:t>
@@ -4070,7 +4409,7 @@
             <a:r>
               <a:rPr lang="en-CA" sz="2600" dirty="0" err="1">
                 <a:solidFill>
-                  <a:schemeClr val="accent1"/>
+                  <a:srgbClr val="0070C0"/>
                 </a:solidFill>
               </a:rPr>
               <a:t>os.getcwd</a:t>
@@ -4078,127 +4417,40 @@
             <a:r>
               <a:rPr lang="en-CA" sz="2600" dirty="0">
                 <a:solidFill>
-                  <a:schemeClr val="accent1"/>
-                </a:solidFill>
-              </a:rPr>
-              <a:t>()) </a:t>
-            </a:r>
-          </a:p>
-          <a:p>
-            <a:pPr marL="0" indent="0">
-              <a:buNone/>
-            </a:pPr>
+                  <a:srgbClr val="0070C0"/>
+                </a:solidFill>
+              </a:rPr>
+              <a:t>())</a:t>
+            </a:r>
+          </a:p>
+          <a:p>
+            <a:pPr marL="0" indent="0">
+              <a:buNone/>
+            </a:pPr>
+            <a:r>
+              <a:rPr lang="en-CA" sz="2600" dirty="0">
+                <a:solidFill>
+                  <a:srgbClr val="0070C0"/>
+                </a:solidFill>
+              </a:rPr>
+              <a:t>print(</a:t>
+            </a:r>
             <a:r>
               <a:rPr lang="en-CA" sz="2600" dirty="0" err="1">
                 <a:solidFill>
-                  <a:schemeClr val="accent1"/>
-                </a:solidFill>
-              </a:rPr>
-              <a:t>os.chdir</a:t>
+                  <a:srgbClr val="0070C0"/>
+                </a:solidFill>
+              </a:rPr>
+              <a:t>os.listdir</a:t>
             </a:r>
             <a:r>
               <a:rPr lang="en-CA" sz="2600" dirty="0">
                 <a:solidFill>
-                  <a:schemeClr val="accent1"/>
-                </a:solidFill>
-              </a:rPr>
-              <a:t>(home + </a:t>
-            </a:r>
-            <a:r>
-              <a:rPr lang="en-CA" sz="2600" dirty="0" err="1">
-                <a:solidFill>
-                  <a:schemeClr val="accent1"/>
-                </a:solidFill>
-              </a:rPr>
-              <a:t>os.sep</a:t>
-            </a:r>
-            <a:r>
-              <a:rPr lang="en-CA" sz="2600" dirty="0">
-                <a:solidFill>
-                  <a:schemeClr val="accent1"/>
-                </a:solidFill>
-              </a:rPr>
-              <a:t> + 'Desktop’) </a:t>
-            </a:r>
-            <a:r>
-              <a:rPr lang="en-CA" sz="2600" dirty="0">
-                <a:solidFill>
-                  <a:schemeClr val="accent3"/>
-                </a:solidFill>
-              </a:rPr>
-              <a:t># change working directory to user Desktop</a:t>
-            </a:r>
-          </a:p>
-          <a:p>
-            <a:pPr marL="0" indent="0">
-              <a:buNone/>
-            </a:pPr>
-            <a:r>
-              <a:rPr lang="en-CA" sz="2600" dirty="0">
-                <a:solidFill>
-                  <a:schemeClr val="accent1"/>
-                </a:solidFill>
-              </a:rPr>
-              <a:t>print(</a:t>
-            </a:r>
-            <a:r>
-              <a:rPr lang="en-CA" sz="2600" dirty="0" err="1">
-                <a:solidFill>
-                  <a:schemeClr val="accent1"/>
-                </a:solidFill>
-              </a:rPr>
-              <a:t>os.getcwd</a:t>
-            </a:r>
-            <a:r>
-              <a:rPr lang="en-CA" sz="2600" dirty="0">
-                <a:solidFill>
-                  <a:schemeClr val="accent1"/>
-                </a:solidFill>
-              </a:rPr>
-              <a:t>())</a:t>
-            </a:r>
-          </a:p>
-          <a:p>
-            <a:pPr marL="0" indent="0">
-              <a:buNone/>
-            </a:pPr>
-            <a:r>
-              <a:rPr lang="en-CA" sz="2600" dirty="0">
-                <a:solidFill>
-                  <a:schemeClr val="accent1"/>
-                </a:solidFill>
-              </a:rPr>
-              <a:t>print(</a:t>
-            </a:r>
-            <a:r>
-              <a:rPr lang="en-CA" sz="2600" dirty="0" err="1">
-                <a:solidFill>
-                  <a:schemeClr val="accent1"/>
-                </a:solidFill>
-              </a:rPr>
-              <a:t>os.listdir</a:t>
-            </a:r>
-            <a:r>
-              <a:rPr lang="en-CA" sz="2600" dirty="0">
-                <a:solidFill>
-                  <a:schemeClr val="accent1"/>
-                </a:solidFill>
-              </a:rPr>
-              <a:t>()) </a:t>
-            </a:r>
-            <a:r>
-              <a:rPr lang="en-CA" sz="2600" dirty="0">
-                <a:solidFill>
-                  <a:schemeClr val="accent3"/>
-                </a:solidFill>
-              </a:rPr>
-              <a:t># print a list which has each file in current directory as an item.</a:t>
-            </a:r>
-            <a:endParaRPr lang="en-CA" sz="2600" dirty="0">
-              <a:solidFill>
-                <a:schemeClr val="accent1"/>
-              </a:solidFill>
-            </a:endParaRPr>
+                  <a:srgbClr val="0070C0"/>
+                </a:solidFill>
+              </a:rPr>
+              <a:t>()) # print a list which has each file in current directory as an item.</a:t>
+            </a:r>
           </a:p>
           <a:p>
             <a:endParaRPr lang="en-CA" dirty="0">
@@ -4271,10 +4523,15 @@
             <p:ph idx="1"/>
           </p:nvPr>
         </p:nvSpPr>
-        <p:spPr/>
+        <p:spPr>
+          <a:xfrm>
+            <a:off x="1447799" y="2209801"/>
+            <a:ext cx="7086601" cy="4343400"/>
+          </a:xfrm>
+        </p:spPr>
         <p:txBody>
           <a:bodyPr>
-            <a:normAutofit fontScale="92500" lnSpcReduction="20000"/>
+            <a:normAutofit/>
           </a:bodyPr>
           <a:lstStyle/>
           <a:p>
@@ -4414,7 +4671,12 @@
             <p:ph idx="1"/>
           </p:nvPr>
         </p:nvSpPr>
-        <p:spPr/>
+        <p:spPr>
+          <a:xfrm>
+            <a:off x="1524001" y="2153412"/>
+            <a:ext cx="7010400" cy="4323587"/>
+          </a:xfrm>
+        </p:spPr>
         <p:txBody>
           <a:bodyPr>
             <a:normAutofit/>
@@ -4566,7 +4828,7 @@
         </p:nvSpPr>
         <p:spPr bwMode="auto">
           <a:xfrm>
-            <a:off x="685800" y="1891844"/>
+            <a:off x="2628900" y="2438400"/>
             <a:ext cx="3886200" cy="3447098"/>
           </a:xfrm>
           <a:prstGeom prst="rect">
@@ -4968,13 +5230,13 @@
         </p:nvSpPr>
         <p:spPr>
           <a:xfrm>
-            <a:off x="457200" y="1600200"/>
-            <a:ext cx="8229600" cy="4525963"/>
+            <a:off x="609600" y="2590800"/>
+            <a:ext cx="7924800" cy="3991355"/>
           </a:xfrm>
         </p:spPr>
         <p:txBody>
           <a:bodyPr>
-            <a:normAutofit fontScale="92500" lnSpcReduction="20000"/>
+            <a:normAutofit fontScale="85000" lnSpcReduction="10000"/>
           </a:bodyPr>
           <a:lstStyle/>
           <a:p>
@@ -5379,7 +5641,7 @@
             </a:r>
             <a:r>
               <a:rPr lang="en-CA" dirty="0"/>
-              <a:t>’ (defaults to ‘package’</a:t>
+              <a:t>’ (defaults to ‘package’)</a:t>
             </a:r>
           </a:p>
           <a:p>
@@ -5389,7 +5651,7 @@
             <a:r>
               <a:rPr lang="en-CA" dirty="0">
                 <a:solidFill>
-                  <a:schemeClr val="accent1"/>
+                  <a:srgbClr val="0070C0"/>
                 </a:solidFill>
               </a:rPr>
               <a:t>import </a:t>
@@ -5397,7 +5659,7 @@
             <a:r>
               <a:rPr lang="en-CA" dirty="0" err="1">
                 <a:solidFill>
-                  <a:schemeClr val="accent1"/>
+                  <a:srgbClr val="0070C0"/>
                 </a:solidFill>
               </a:rPr>
               <a:t>numpy</a:t>
@@ -5405,7 +5667,7 @@
             <a:r>
               <a:rPr lang="en-CA" dirty="0">
                 <a:solidFill>
-                  <a:schemeClr val="accent1"/>
+                  <a:srgbClr val="0070C0"/>
                 </a:solidFill>
               </a:rPr>
               <a:t> as np</a:t>
@@ -5444,7 +5706,7 @@
             <a:r>
               <a:rPr lang="en-CA" dirty="0" err="1">
                 <a:solidFill>
-                  <a:schemeClr val="accent1"/>
+                  <a:srgbClr val="0070C0"/>
                 </a:solidFill>
               </a:rPr>
               <a:t>np.average</a:t>
@@ -5452,7 +5714,7 @@
             <a:r>
               <a:rPr lang="en-CA" dirty="0">
                 <a:solidFill>
-                  <a:schemeClr val="accent1"/>
+                  <a:srgbClr val="0070C0"/>
                 </a:solidFill>
               </a:rPr>
               <a:t>(&lt;</a:t>
@@ -5460,7 +5722,7 @@
             <a:r>
               <a:rPr lang="en-CA" dirty="0" err="1">
                 <a:solidFill>
-                  <a:schemeClr val="accent1"/>
+                  <a:srgbClr val="0070C0"/>
                 </a:solidFill>
               </a:rPr>
               <a:t>myarray</a:t>
@@ -5468,7 +5730,7 @@
             <a:r>
               <a:rPr lang="en-CA" dirty="0">
                 <a:solidFill>
-                  <a:schemeClr val="accent1"/>
+                  <a:srgbClr val="0070C0"/>
                 </a:solidFill>
               </a:rPr>
               <a:t>&gt;)</a:t>
@@ -5558,10 +5820,15 @@
             <p:ph idx="1"/>
           </p:nvPr>
         </p:nvSpPr>
-        <p:spPr/>
+        <p:spPr>
+          <a:xfrm>
+            <a:off x="914400" y="2362201"/>
+            <a:ext cx="7772399" cy="4114800"/>
+          </a:xfrm>
+        </p:spPr>
         <p:txBody>
           <a:bodyPr>
-            <a:normAutofit fontScale="62500" lnSpcReduction="20000"/>
+            <a:normAutofit fontScale="70000" lnSpcReduction="20000"/>
           </a:bodyPr>
           <a:lstStyle/>
           <a:p>
@@ -5578,7 +5845,7 @@
             <a:r>
               <a:rPr lang="en-CA" dirty="0">
                 <a:solidFill>
-                  <a:schemeClr val="accent1"/>
+                  <a:srgbClr val="0070C0"/>
                 </a:solidFill>
               </a:rPr>
               <a:t>0,1,2,3</a:t>
@@ -5631,7 +5898,7 @@
             <a:r>
               <a:rPr lang="en-CA" dirty="0" err="1">
                 <a:solidFill>
-                  <a:schemeClr val="accent1"/>
+                  <a:srgbClr val="0070C0"/>
                 </a:solidFill>
               </a:rPr>
               <a:t>mylist</a:t>
@@ -5639,7 +5906,7 @@
             <a:r>
               <a:rPr lang="en-CA" dirty="0">
                 <a:solidFill>
-                  <a:schemeClr val="accent1"/>
+                  <a:srgbClr val="0070C0"/>
                 </a:solidFill>
               </a:rPr>
               <a:t> = [5,10,15,25,40]</a:t>
@@ -5652,7 +5919,7 @@
             <a:r>
               <a:rPr lang="en-CA" dirty="0" err="1">
                 <a:solidFill>
-                  <a:schemeClr val="accent1"/>
+                  <a:srgbClr val="0070C0"/>
                 </a:solidFill>
               </a:rPr>
               <a:t>myarray</a:t>
@@ -5660,7 +5927,7 @@
             <a:r>
               <a:rPr lang="en-CA" dirty="0">
                 <a:solidFill>
-                  <a:schemeClr val="accent1"/>
+                  <a:srgbClr val="0070C0"/>
                 </a:solidFill>
               </a:rPr>
               <a:t> = </a:t>
@@ -5668,7 +5935,7 @@
             <a:r>
               <a:rPr lang="en-CA" dirty="0" err="1">
                 <a:solidFill>
-                  <a:schemeClr val="accent1"/>
+                  <a:srgbClr val="0070C0"/>
                 </a:solidFill>
               </a:rPr>
               <a:t>np.array</a:t>
@@ -5676,7 +5943,7 @@
             <a:r>
               <a:rPr lang="en-CA" dirty="0">
                 <a:solidFill>
-                  <a:schemeClr val="accent1"/>
+                  <a:srgbClr val="0070C0"/>
                 </a:solidFill>
               </a:rPr>
               <a:t>(</a:t>
@@ -5684,7 +5951,7 @@
             <a:r>
               <a:rPr lang="en-CA" dirty="0" err="1">
                 <a:solidFill>
-                  <a:schemeClr val="accent1"/>
+                  <a:srgbClr val="0070C0"/>
                 </a:solidFill>
               </a:rPr>
               <a:t>mylist</a:t>
@@ -5692,7 +5959,7 @@
             <a:r>
               <a:rPr lang="en-CA" dirty="0">
                 <a:solidFill>
-                  <a:schemeClr val="accent1"/>
+                  <a:srgbClr val="0070C0"/>
                 </a:solidFill>
               </a:rPr>
               <a:t>)</a:t>
@@ -5705,7 +5972,7 @@
             <a:r>
               <a:rPr lang="en-CA" dirty="0" err="1">
                 <a:solidFill>
-                  <a:schemeClr val="accent1"/>
+                  <a:srgbClr val="0070C0"/>
                 </a:solidFill>
               </a:rPr>
               <a:t>myarray</a:t>
@@ -5713,7 +5980,7 @@
             <a:r>
               <a:rPr lang="en-CA" dirty="0">
                 <a:solidFill>
-                  <a:schemeClr val="accent1"/>
+                  <a:srgbClr val="0070C0"/>
                 </a:solidFill>
               </a:rPr>
               <a:t> = </a:t>
@@ -5721,7 +5988,7 @@
             <a:r>
               <a:rPr lang="en-CA" dirty="0" err="1">
                 <a:solidFill>
-                  <a:schemeClr val="accent1"/>
+                  <a:srgbClr val="0070C0"/>
                 </a:solidFill>
               </a:rPr>
               <a:t>np.array</a:t>
@@ -5729,18 +5996,10 @@
             <a:r>
               <a:rPr lang="en-CA" dirty="0">
                 <a:solidFill>
-                  <a:schemeClr val="accent1"/>
-                </a:solidFill>
-              </a:rPr>
-              <a:t>([5,10,15,25,40])  </a:t>
-            </a:r>
-            <a:r>
-              <a:rPr lang="en-CA" dirty="0">
-                <a:solidFill>
-                  <a:schemeClr val="accent3"/>
-                </a:solidFill>
-              </a:rPr>
-              <a:t>#alternative one-liner.</a:t>
+                  <a:srgbClr val="0070C0"/>
+                </a:solidFill>
+              </a:rPr>
+              <a:t>([5,10,15,25,40])  #alternative one-liner.</a:t>
             </a:r>
           </a:p>
           <a:p>
@@ -5770,7 +6029,7 @@
             <a:r>
               <a:rPr lang="en-CA" sz="2600" dirty="0" err="1">
                 <a:solidFill>
-                  <a:schemeClr val="accent1"/>
+                  <a:srgbClr val="0070C0"/>
                 </a:solidFill>
               </a:rPr>
               <a:t>myarray</a:t>
@@ -5778,7 +6037,7 @@
             <a:r>
               <a:rPr lang="en-CA" sz="2600" dirty="0">
                 <a:solidFill>
-                  <a:schemeClr val="accent1"/>
+                  <a:srgbClr val="0070C0"/>
                 </a:solidFill>
               </a:rPr>
               <a:t>[4]   #40</a:t>
@@ -5791,7 +6050,7 @@
             <a:r>
               <a:rPr lang="en-CA" sz="2600" dirty="0" err="1">
                 <a:solidFill>
-                  <a:schemeClr val="accent1"/>
+                  <a:srgbClr val="0070C0"/>
                 </a:solidFill>
               </a:rPr>
               <a:t>myarray</a:t>
@@ -5799,7 +6058,7 @@
             <a:r>
               <a:rPr lang="en-CA" sz="2600" dirty="0">
                 <a:solidFill>
-                  <a:schemeClr val="accent1"/>
+                  <a:srgbClr val="0070C0"/>
                 </a:solidFill>
               </a:rPr>
               <a:t>[5]   # </a:t>
@@ -5807,7 +6066,7 @@
             <a:r>
               <a:rPr lang="en-CA" sz="2600" dirty="0" err="1">
                 <a:solidFill>
-                  <a:schemeClr val="accent1"/>
+                  <a:srgbClr val="0070C0"/>
                 </a:solidFill>
               </a:rPr>
               <a:t>IndexError</a:t>
@@ -5815,7 +6074,7 @@
             <a:r>
               <a:rPr lang="en-CA" sz="2600" dirty="0">
                 <a:solidFill>
-                  <a:schemeClr val="accent1"/>
+                  <a:srgbClr val="0070C0"/>
                 </a:solidFill>
               </a:rPr>
               <a:t>: index 5 is out of bounds for axis 0 with size 5</a:t>
@@ -5888,7 +6147,7 @@
         <p:spPr/>
         <p:txBody>
           <a:bodyPr>
-            <a:normAutofit fontScale="92500" lnSpcReduction="10000"/>
+            <a:normAutofit fontScale="92500" lnSpcReduction="20000"/>
           </a:bodyPr>
           <a:lstStyle/>
           <a:p>
@@ -5917,7 +6176,7 @@
                   <a:schemeClr val="accent3"/>
                 </a:solidFill>
               </a:rPr>
-              <a:t># will access the first three elements</a:t>
+              <a:t># a list of the first three elements</a:t>
             </a:r>
           </a:p>
           <a:p>
@@ -6171,7 +6430,12 @@
             <p:ph type="title"/>
           </p:nvPr>
         </p:nvSpPr>
-        <p:spPr/>
+        <p:spPr>
+          <a:xfrm>
+            <a:off x="1603122" y="457200"/>
+            <a:ext cx="5937755" cy="1188720"/>
+          </a:xfrm>
+        </p:spPr>
         <p:txBody>
           <a:bodyPr/>
           <a:lstStyle/>
@@ -6193,10 +6457,15 @@
             <p:ph idx="1"/>
           </p:nvPr>
         </p:nvSpPr>
-        <p:spPr/>
+        <p:spPr>
+          <a:xfrm>
+            <a:off x="609600" y="1828800"/>
+            <a:ext cx="8382000" cy="4800600"/>
+          </a:xfrm>
+        </p:spPr>
         <p:txBody>
           <a:bodyPr>
-            <a:normAutofit fontScale="47500" lnSpcReduction="20000"/>
+            <a:normAutofit fontScale="85000" lnSpcReduction="20000"/>
           </a:bodyPr>
           <a:lstStyle/>
           <a:p>
@@ -6219,7 +6488,7 @@
             <a:r>
               <a:rPr lang="en-CA" dirty="0">
                 <a:solidFill>
-                  <a:schemeClr val="accent1"/>
+                  <a:srgbClr val="0070C0"/>
                 </a:solidFill>
               </a:rPr>
               <a:t>v1 = [5, 9, 3, 4]</a:t>
@@ -6232,7 +6501,7 @@
             <a:r>
               <a:rPr lang="en-CA" dirty="0">
                 <a:solidFill>
-                  <a:schemeClr val="accent1"/>
+                  <a:srgbClr val="0070C0"/>
                 </a:solidFill>
               </a:rPr>
               <a:t>v2 = [10, 11, 12, 13]</a:t>
@@ -6292,11 +6561,6 @@
               </a:rPr>
               <a:t>print(result)</a:t>
             </a:r>
-          </a:p>
-          <a:p>
-            <a:pPr marL="0" indent="0">
-              <a:buNone/>
-            </a:pPr>
             <a:endParaRPr lang="en-CA" dirty="0">
               <a:solidFill>
                 <a:schemeClr val="accent3"/>
@@ -6324,7 +6588,7 @@
             <a:r>
               <a:rPr lang="en-CA" dirty="0">
                 <a:solidFill>
-                  <a:schemeClr val="accent1"/>
+                  <a:srgbClr val="0070C0"/>
                 </a:solidFill>
               </a:rPr>
               <a:t>vector1 = </a:t>
@@ -6332,7 +6596,7 @@
             <a:r>
               <a:rPr lang="en-CA" dirty="0" err="1">
                 <a:solidFill>
-                  <a:schemeClr val="accent1"/>
+                  <a:srgbClr val="0070C0"/>
                 </a:solidFill>
               </a:rPr>
               <a:t>np.array</a:t>
@@ -6340,7 +6604,7 @@
             <a:r>
               <a:rPr lang="en-CA" dirty="0">
                 <a:solidFill>
-                  <a:schemeClr val="accent1"/>
+                  <a:srgbClr val="0070C0"/>
                 </a:solidFill>
               </a:rPr>
               <a:t>([5, 9, 3, 4]) </a:t>
@@ -6353,7 +6617,7 @@
             <a:r>
               <a:rPr lang="en-CA" dirty="0">
                 <a:solidFill>
-                  <a:schemeClr val="accent1"/>
+                  <a:srgbClr val="0070C0"/>
                 </a:solidFill>
               </a:rPr>
               <a:t>vector2 = </a:t>
@@ -6361,7 +6625,7 @@
             <a:r>
               <a:rPr lang="en-CA" dirty="0" err="1">
                 <a:solidFill>
-                  <a:schemeClr val="accent1"/>
+                  <a:srgbClr val="0070C0"/>
                 </a:solidFill>
               </a:rPr>
               <a:t>np.array</a:t>
@@ -6369,7 +6633,7 @@
             <a:r>
               <a:rPr lang="en-CA" dirty="0">
                 <a:solidFill>
-                  <a:schemeClr val="accent1"/>
+                  <a:srgbClr val="0070C0"/>
                 </a:solidFill>
               </a:rPr>
               <a:t>([10, 11, 12, 13])</a:t>
@@ -6379,23 +6643,13 @@
             <a:pPr marL="0" indent="0">
               <a:buNone/>
             </a:pPr>
-            <a:endParaRPr lang="en-CA" dirty="0">
-              <a:solidFill>
-                <a:schemeClr val="tx2"/>
-              </a:solidFill>
-            </a:endParaRPr>
-          </a:p>
-          <a:p>
-            <a:pPr marL="0" indent="0">
-              <a:buNone/>
-            </a:pPr>
             <a:r>
               <a:rPr lang="en-CA" dirty="0">
                 <a:solidFill>
                   <a:schemeClr val="accent3"/>
                 </a:solidFill>
               </a:rPr>
-              <a:t># Create 2D array from the 2 vectors, with axis 0 indicating ‘down’, i.e. each vector will become a row.</a:t>
+              <a:t># Create 2D array from the 2 vectors, with axis 0 indicating ‘down’, </a:t>
             </a:r>
           </a:p>
           <a:p>
@@ -6405,7 +6659,20 @@
             <a:r>
               <a:rPr lang="en-CA" dirty="0">
                 <a:solidFill>
-                  <a:schemeClr val="accent1"/>
+                  <a:schemeClr val="accent3"/>
+                </a:solidFill>
+              </a:rPr>
+              <a:t>i.e. each vector will become a row.</a:t>
+            </a:r>
+          </a:p>
+          <a:p>
+            <a:pPr marL="0" indent="0">
+              <a:buNone/>
+            </a:pPr>
+            <a:r>
+              <a:rPr lang="en-CA" dirty="0">
+                <a:solidFill>
+                  <a:srgbClr val="0070C0"/>
                 </a:solidFill>
               </a:rPr>
               <a:t>result = </a:t>
@@ -6413,7 +6680,7 @@
             <a:r>
               <a:rPr lang="en-CA" dirty="0" err="1">
                 <a:solidFill>
-                  <a:schemeClr val="accent1"/>
+                  <a:srgbClr val="0070C0"/>
                 </a:solidFill>
               </a:rPr>
               <a:t>np.concatenate</a:t>
@@ -6421,7 +6688,7 @@
             <a:r>
               <a:rPr lang="en-CA" dirty="0">
                 <a:solidFill>
-                  <a:schemeClr val="accent1"/>
+                  <a:srgbClr val="0070C0"/>
                 </a:solidFill>
               </a:rPr>
               <a:t>([vector1], [vector2], axis=0) </a:t>
@@ -6434,21 +6701,11 @@
             <a:r>
               <a:rPr lang="en-CA" dirty="0">
                 <a:solidFill>
-                  <a:schemeClr val="accent1"/>
+                  <a:srgbClr val="0070C0"/>
                 </a:solidFill>
               </a:rPr>
               <a:t>print(result)</a:t>
             </a:r>
-          </a:p>
-          <a:p>
-            <a:pPr marL="0" indent="0">
-              <a:buNone/>
-            </a:pPr>
-            <a:endParaRPr lang="en-CA" dirty="0">
-              <a:solidFill>
-                <a:schemeClr val="accent3"/>
-              </a:solidFill>
-            </a:endParaRPr>
           </a:p>
           <a:p>
             <a:pPr marL="0" indent="0">
@@ -6574,9 +6831,16 @@
             <p:ph idx="1"/>
           </p:nvPr>
         </p:nvSpPr>
-        <p:spPr/>
-        <p:txBody>
-          <a:bodyPr/>
+        <p:spPr>
+          <a:xfrm>
+            <a:off x="1606045" y="2638045"/>
+            <a:ext cx="3880355" cy="3101983"/>
+          </a:xfrm>
+        </p:spPr>
+        <p:txBody>
+          <a:bodyPr>
+            <a:normAutofit/>
+          </a:bodyPr>
           <a:lstStyle/>
           <a:p>
             <a:pPr marL="514350" indent="-514350">
@@ -6584,29 +6848,385 @@
               <a:buAutoNum type="arabicPeriod"/>
             </a:pPr>
             <a:r>
-              <a:rPr lang="en-US" dirty="0"/>
-              <a:t>Python intro</a:t>
-            </a:r>
-          </a:p>
-          <a:p>
-            <a:pPr marL="914400" lvl="1" indent="-514350">
+              <a:rPr lang="en-CA" dirty="0"/>
+              <a:t>Why Use Python?</a:t>
+            </a:r>
+          </a:p>
+          <a:p>
+            <a:pPr marL="514350" indent="-514350">
+              <a:buFont typeface="+mj-lt"/>
+              <a:buAutoNum type="arabicPeriod"/>
+            </a:pPr>
+            <a:r>
+              <a:rPr lang="en-CA" dirty="0"/>
+              <a:t>How to use it</a:t>
+            </a:r>
+          </a:p>
+          <a:p>
+            <a:pPr marL="514350" indent="-514350">
+              <a:buFont typeface="+mj-lt"/>
+              <a:buAutoNum type="arabicPeriod"/>
+            </a:pPr>
+            <a:r>
+              <a:rPr lang="en-CA" dirty="0"/>
+              <a:t>Installing packages</a:t>
+            </a:r>
+          </a:p>
+          <a:p>
+            <a:pPr marL="514350" indent="-514350">
+              <a:buFont typeface="+mj-lt"/>
+              <a:buAutoNum type="arabicPeriod"/>
+            </a:pPr>
+            <a:r>
+              <a:rPr lang="en-CA" dirty="0"/>
+              <a:t>Spyder walk-through</a:t>
+            </a:r>
+          </a:p>
+          <a:p>
+            <a:pPr marL="514350" indent="-514350">
+              <a:buFont typeface="+mj-lt"/>
+              <a:buAutoNum type="arabicPeriod"/>
+            </a:pPr>
+            <a:r>
+              <a:rPr lang="en-CA" dirty="0" err="1"/>
+              <a:t>Jupyter</a:t>
+            </a:r>
+            <a:r>
+              <a:rPr lang="en-CA" dirty="0"/>
+              <a:t> notebook walk-through</a:t>
+            </a:r>
+          </a:p>
+          <a:p>
+            <a:pPr marL="514350" indent="-514350">
+              <a:buFont typeface="+mj-lt"/>
+              <a:buAutoNum type="arabicPeriod"/>
+            </a:pPr>
+            <a:r>
+              <a:rPr lang="en-CA" dirty="0"/>
+              <a:t>Workspace</a:t>
+            </a:r>
+          </a:p>
+          <a:p>
+            <a:pPr marL="514350" indent="-514350">
+              <a:buFont typeface="+mj-lt"/>
+              <a:buAutoNum type="arabicPeriod"/>
+            </a:pPr>
+            <a:r>
+              <a:rPr lang="en-CA" dirty="0"/>
+              <a:t>Simple math</a:t>
+            </a:r>
+          </a:p>
+        </p:txBody>
+      </p:sp>
+      <p:sp>
+        <p:nvSpPr>
+          <p:cNvPr id="5" name="Content Placeholder 2">
+            <a:extLst>
+              <a:ext uri="{FF2B5EF4-FFF2-40B4-BE49-F238E27FC236}">
+                <a16:creationId xmlns:a16="http://schemas.microsoft.com/office/drawing/2014/main" id="{6C8D83E0-4370-3B4E-BEF6-C64D5DEF0D1D}"/>
+              </a:ext>
+            </a:extLst>
+          </p:cNvPr>
+          <p:cNvSpPr txBox="1">
+            <a:spLocks/>
+          </p:cNvSpPr>
+          <p:nvPr/>
+        </p:nvSpPr>
+        <p:spPr>
+          <a:xfrm>
+            <a:off x="5263645" y="2638044"/>
+            <a:ext cx="3880355" cy="3101983"/>
+          </a:xfrm>
+          <a:prstGeom prst="rect">
+            <a:avLst/>
+          </a:prstGeom>
+        </p:spPr>
+        <p:txBody>
+          <a:bodyPr vert="horz" lIns="91440" tIns="45720" rIns="91440" bIns="45720" rtlCol="0">
+            <a:normAutofit/>
+          </a:bodyPr>
+          <a:lstStyle>
+            <a:lvl1pPr marL="228600" indent="-228600" algn="l" defTabSz="914400" rtl="0" eaLnBrk="1" latinLnBrk="0" hangingPunct="1">
+              <a:lnSpc>
+                <a:spcPct val="100000"/>
+              </a:lnSpc>
+              <a:spcBef>
+                <a:spcPts val="1000"/>
+              </a:spcBef>
+              <a:buClr>
+                <a:schemeClr val="accent2"/>
+              </a:buClr>
               <a:buFont typeface="Arial" panose="020B0604020202020204" pitchFamily="34" charset="0"/>
               <a:buChar char="•"/>
-            </a:pPr>
-            <a:r>
-              <a:rPr lang="en-US" dirty="0"/>
-              <a:t>Spyder – IDE for python</a:t>
-            </a:r>
-          </a:p>
-          <a:p>
-            <a:pPr marL="914400" lvl="1" indent="-514350">
+              <a:defRPr sz="1800" kern="1200">
+                <a:solidFill>
+                  <a:schemeClr val="tx1">
+                    <a:lumMod val="85000"/>
+                    <a:lumOff val="15000"/>
+                  </a:schemeClr>
+                </a:solidFill>
+                <a:latin typeface="+mn-lt"/>
+                <a:ea typeface="+mn-ea"/>
+                <a:cs typeface="+mn-cs"/>
+              </a:defRPr>
+            </a:lvl1pPr>
+            <a:lvl2pPr marL="457200" indent="-228600" algn="l" defTabSz="914400" rtl="0" eaLnBrk="1" latinLnBrk="0" hangingPunct="1">
+              <a:lnSpc>
+                <a:spcPct val="100000"/>
+              </a:lnSpc>
+              <a:spcBef>
+                <a:spcPts val="1000"/>
+              </a:spcBef>
+              <a:buClr>
+                <a:schemeClr val="accent2"/>
+              </a:buClr>
               <a:buFont typeface="Arial" panose="020B0604020202020204" pitchFamily="34" charset="0"/>
               <a:buChar char="•"/>
-            </a:pPr>
-            <a:r>
-              <a:rPr lang="en-US" dirty="0"/>
-              <a:t>Language basics</a:t>
-            </a:r>
+              <a:defRPr sz="1600" kern="1200">
+                <a:solidFill>
+                  <a:schemeClr val="tx1">
+                    <a:lumMod val="85000"/>
+                    <a:lumOff val="15000"/>
+                  </a:schemeClr>
+                </a:solidFill>
+                <a:latin typeface="+mn-lt"/>
+                <a:ea typeface="+mn-ea"/>
+                <a:cs typeface="+mn-cs"/>
+              </a:defRPr>
+            </a:lvl2pPr>
+            <a:lvl3pPr marL="685800" indent="-228600" algn="l" defTabSz="914400" rtl="0" eaLnBrk="1" latinLnBrk="0" hangingPunct="1">
+              <a:lnSpc>
+                <a:spcPct val="100000"/>
+              </a:lnSpc>
+              <a:spcBef>
+                <a:spcPts val="1000"/>
+              </a:spcBef>
+              <a:buClr>
+                <a:schemeClr val="accent2"/>
+              </a:buClr>
+              <a:buFont typeface="Arial" panose="020B0604020202020204" pitchFamily="34" charset="0"/>
+              <a:buChar char="•"/>
+              <a:defRPr sz="1600" kern="1200">
+                <a:solidFill>
+                  <a:schemeClr val="tx1">
+                    <a:lumMod val="85000"/>
+                    <a:lumOff val="15000"/>
+                  </a:schemeClr>
+                </a:solidFill>
+                <a:latin typeface="+mn-lt"/>
+                <a:ea typeface="+mn-ea"/>
+                <a:cs typeface="+mn-cs"/>
+              </a:defRPr>
+            </a:lvl3pPr>
+            <a:lvl4pPr marL="914400" indent="-228600" algn="l" defTabSz="914400" rtl="0" eaLnBrk="1" latinLnBrk="0" hangingPunct="1">
+              <a:lnSpc>
+                <a:spcPct val="100000"/>
+              </a:lnSpc>
+              <a:spcBef>
+                <a:spcPts val="1000"/>
+              </a:spcBef>
+              <a:buClr>
+                <a:schemeClr val="accent2"/>
+              </a:buClr>
+              <a:buFont typeface="Arial" panose="020B0604020202020204" pitchFamily="34" charset="0"/>
+              <a:buChar char="•"/>
+              <a:defRPr sz="1600" kern="1200">
+                <a:solidFill>
+                  <a:schemeClr val="tx1">
+                    <a:lumMod val="85000"/>
+                    <a:lumOff val="15000"/>
+                  </a:schemeClr>
+                </a:solidFill>
+                <a:latin typeface="+mn-lt"/>
+                <a:ea typeface="+mn-ea"/>
+                <a:cs typeface="+mn-cs"/>
+              </a:defRPr>
+            </a:lvl4pPr>
+            <a:lvl5pPr marL="1143000" indent="-228600" algn="l" defTabSz="914400" rtl="0" eaLnBrk="1" latinLnBrk="0" hangingPunct="1">
+              <a:lnSpc>
+                <a:spcPct val="100000"/>
+              </a:lnSpc>
+              <a:spcBef>
+                <a:spcPts val="1000"/>
+              </a:spcBef>
+              <a:buClr>
+                <a:schemeClr val="accent2"/>
+              </a:buClr>
+              <a:buFont typeface="Arial" panose="020B0604020202020204" pitchFamily="34" charset="0"/>
+              <a:buChar char="•"/>
+              <a:defRPr sz="1600" kern="1200">
+                <a:solidFill>
+                  <a:schemeClr val="tx1">
+                    <a:lumMod val="85000"/>
+                    <a:lumOff val="15000"/>
+                  </a:schemeClr>
+                </a:solidFill>
+                <a:latin typeface="+mn-lt"/>
+                <a:ea typeface="+mn-ea"/>
+                <a:cs typeface="+mn-cs"/>
+              </a:defRPr>
+            </a:lvl5pPr>
+            <a:lvl6pPr marL="1314450" indent="-228600" algn="l" defTabSz="914400" rtl="0" eaLnBrk="1" latinLnBrk="0" hangingPunct="1">
+              <a:lnSpc>
+                <a:spcPct val="100000"/>
+              </a:lnSpc>
+              <a:spcBef>
+                <a:spcPts val="1000"/>
+              </a:spcBef>
+              <a:buClr>
+                <a:schemeClr val="accent2"/>
+              </a:buClr>
+              <a:buFont typeface="Arial" panose="020B0604020202020204" pitchFamily="34" charset="0"/>
+              <a:buChar char="•"/>
+              <a:defRPr sz="1600" kern="1200">
+                <a:solidFill>
+                  <a:schemeClr val="tx1"/>
+                </a:solidFill>
+                <a:latin typeface="+mn-lt"/>
+                <a:ea typeface="+mn-ea"/>
+                <a:cs typeface="+mn-cs"/>
+              </a:defRPr>
+            </a:lvl6pPr>
+            <a:lvl7pPr marL="1485900" indent="-228600" algn="l" defTabSz="914400" rtl="0" eaLnBrk="1" latinLnBrk="0" hangingPunct="1">
+              <a:lnSpc>
+                <a:spcPct val="100000"/>
+              </a:lnSpc>
+              <a:spcBef>
+                <a:spcPts val="1000"/>
+              </a:spcBef>
+              <a:buClr>
+                <a:schemeClr val="accent2"/>
+              </a:buClr>
+              <a:buFont typeface="Arial" panose="020B0604020202020204" pitchFamily="34" charset="0"/>
+              <a:buChar char="•"/>
+              <a:defRPr sz="1600" kern="1200">
+                <a:solidFill>
+                  <a:schemeClr val="tx1"/>
+                </a:solidFill>
+                <a:latin typeface="+mn-lt"/>
+                <a:ea typeface="+mn-ea"/>
+                <a:cs typeface="+mn-cs"/>
+              </a:defRPr>
+            </a:lvl7pPr>
+            <a:lvl8pPr marL="1657350" indent="-228600" algn="l" defTabSz="914400" rtl="0" eaLnBrk="1" latinLnBrk="0" hangingPunct="1">
+              <a:lnSpc>
+                <a:spcPct val="100000"/>
+              </a:lnSpc>
+              <a:spcBef>
+                <a:spcPts val="1000"/>
+              </a:spcBef>
+              <a:buClr>
+                <a:schemeClr val="accent2"/>
+              </a:buClr>
+              <a:buFont typeface="Arial" panose="020B0604020202020204" pitchFamily="34" charset="0"/>
+              <a:buChar char="•"/>
+              <a:defRPr sz="1600" kern="1200" baseline="0">
+                <a:solidFill>
+                  <a:schemeClr val="tx1"/>
+                </a:solidFill>
+                <a:latin typeface="+mn-lt"/>
+                <a:ea typeface="+mn-ea"/>
+                <a:cs typeface="+mn-cs"/>
+              </a:defRPr>
+            </a:lvl8pPr>
+            <a:lvl9pPr marL="1828800" indent="-228600" algn="l" defTabSz="914400" rtl="0" eaLnBrk="1" latinLnBrk="0" hangingPunct="1">
+              <a:lnSpc>
+                <a:spcPct val="100000"/>
+              </a:lnSpc>
+              <a:spcBef>
+                <a:spcPts val="1000"/>
+              </a:spcBef>
+              <a:buClr>
+                <a:schemeClr val="accent2"/>
+              </a:buClr>
+              <a:buFont typeface="Arial" panose="020B0604020202020204" pitchFamily="34" charset="0"/>
+              <a:buChar char="•"/>
+              <a:defRPr sz="1600" kern="1200" baseline="0">
+                <a:solidFill>
+                  <a:schemeClr val="tx1"/>
+                </a:solidFill>
+                <a:latin typeface="+mn-lt"/>
+                <a:ea typeface="+mn-ea"/>
+                <a:cs typeface="+mn-cs"/>
+              </a:defRPr>
+            </a:lvl9pPr>
+          </a:lstStyle>
+          <a:p>
+            <a:pPr marL="342900" indent="-342900">
+              <a:buFont typeface="+mj-lt"/>
+              <a:buAutoNum type="arabicPeriod" startAt="8"/>
+            </a:pPr>
+            <a:r>
+              <a:rPr lang="en-CA" dirty="0"/>
+              <a:t>Calling functions in python</a:t>
+            </a:r>
+          </a:p>
+          <a:p>
+            <a:pPr marL="342900" indent="-342900">
+              <a:buFont typeface="+mj-lt"/>
+              <a:buAutoNum type="arabicPeriod" startAt="8"/>
+            </a:pPr>
+            <a:r>
+              <a:rPr lang="en-CA" dirty="0"/>
+              <a:t>Importing packages</a:t>
+            </a:r>
+          </a:p>
+          <a:p>
+            <a:pPr marL="342900" indent="-342900">
+              <a:buFont typeface="+mj-lt"/>
+              <a:buAutoNum type="arabicPeriod" startAt="8"/>
+            </a:pPr>
+            <a:r>
+              <a:rPr lang="en-CA" dirty="0"/>
+              <a:t>Arrays and lists</a:t>
+            </a:r>
+          </a:p>
+          <a:p>
+            <a:pPr marL="342900" indent="-342900">
+              <a:buFont typeface="+mj-lt"/>
+              <a:buAutoNum type="arabicPeriod" startAt="8"/>
+            </a:pPr>
+            <a:r>
+              <a:rPr lang="en-CA" dirty="0"/>
+              <a:t>String concatenation</a:t>
+            </a:r>
+          </a:p>
+          <a:p>
+            <a:pPr marL="342900" indent="-342900">
+              <a:buFont typeface="+mj-lt"/>
+              <a:buAutoNum type="arabicPeriod" startAt="8"/>
+            </a:pPr>
+            <a:r>
+              <a:rPr lang="en-CA" dirty="0"/>
+              <a:t>More matrices</a:t>
+            </a:r>
+          </a:p>
+          <a:p>
+            <a:pPr marL="342900" indent="-342900">
+              <a:buFont typeface="+mj-lt"/>
+              <a:buAutoNum type="arabicPeriod" startAt="8"/>
+            </a:pPr>
+            <a:r>
+              <a:rPr lang="en-CA" dirty="0"/>
+              <a:t>Data types</a:t>
+            </a:r>
+          </a:p>
+          <a:p>
+            <a:pPr marL="342900" indent="-342900">
+              <a:buFont typeface="+mj-lt"/>
+              <a:buAutoNum type="arabicPeriod" startAt="8"/>
+            </a:pPr>
+            <a:r>
+              <a:rPr lang="en-CA" dirty="0"/>
+              <a:t>Data frames</a:t>
+            </a:r>
+          </a:p>
+          <a:p>
+            <a:pPr marL="514350" indent="-514350">
+              <a:buFont typeface="+mj-lt"/>
+              <a:buAutoNum type="arabicPeriod"/>
+            </a:pPr>
+            <a:endParaRPr lang="en-CA" dirty="0"/>
           </a:p>
         </p:txBody>
       </p:sp>
@@ -6672,10 +7292,15 @@
             <p:ph idx="1"/>
           </p:nvPr>
         </p:nvSpPr>
-        <p:spPr/>
+        <p:spPr>
+          <a:xfrm>
+            <a:off x="457200" y="2286000"/>
+            <a:ext cx="8229599" cy="4343399"/>
+          </a:xfrm>
+        </p:spPr>
         <p:txBody>
           <a:bodyPr>
-            <a:normAutofit/>
+            <a:normAutofit fontScale="92500" lnSpcReduction="10000"/>
           </a:bodyPr>
           <a:lstStyle/>
           <a:p>
@@ -6691,7 +7316,7 @@
             <a:r>
               <a:rPr lang="en-US" sz="2400" dirty="0">
                 <a:solidFill>
-                  <a:schemeClr val="accent1"/>
+                  <a:srgbClr val="0070C0"/>
                 </a:solidFill>
               </a:rPr>
               <a:t>str1 = 'Happy </a:t>
@@ -6699,7 +7324,7 @@
             <a:r>
               <a:rPr lang="en-US" sz="2400" dirty="0" err="1">
                 <a:solidFill>
-                  <a:schemeClr val="accent1"/>
+                  <a:srgbClr val="0070C0"/>
                 </a:solidFill>
               </a:rPr>
               <a:t>unBirthday</a:t>
@@ -6707,7 +7332,7 @@
             <a:r>
               <a:rPr lang="en-US" sz="2400" dirty="0">
                 <a:solidFill>
-                  <a:schemeClr val="accent1"/>
+                  <a:srgbClr val="0070C0"/>
                 </a:solidFill>
               </a:rPr>
               <a:t>’</a:t>
@@ -6720,7 +7345,7 @@
             <a:r>
               <a:rPr lang="en-US" sz="2400" dirty="0">
                 <a:solidFill>
-                  <a:schemeClr val="accent1"/>
+                  <a:srgbClr val="0070C0"/>
                 </a:solidFill>
               </a:rPr>
               <a:t>str2 = “to me”</a:t>
@@ -6733,7 +7358,7 @@
             <a:r>
               <a:rPr lang="en-US" sz="2400" dirty="0">
                 <a:solidFill>
-                  <a:schemeClr val="accent1"/>
+                  <a:srgbClr val="0070C0"/>
                 </a:solidFill>
               </a:rPr>
               <a:t>str3 = 'again’</a:t>
@@ -6746,44 +7371,57 @@
             <a:r>
               <a:rPr lang="en-US" sz="2400" dirty="0">
                 <a:solidFill>
-                  <a:schemeClr val="accent1"/>
-                </a:solidFill>
-              </a:rPr>
-              <a:t>str1 + ‘-’ + str2  </a:t>
-            </a:r>
+                  <a:srgbClr val="0070C0"/>
+                </a:solidFill>
+              </a:rPr>
+              <a:t>str1 + ‘-’ + str2  #concatenate with separator</a:t>
+            </a:r>
+          </a:p>
+          <a:p>
+            <a:pPr marL="0" indent="0">
+              <a:buNone/>
+            </a:pPr>
             <a:r>
               <a:rPr lang="en-US" sz="2400" dirty="0">
                 <a:solidFill>
-                  <a:schemeClr val="accent3"/>
-                </a:solidFill>
-              </a:rPr>
-              <a:t>#concatenate with separator</a:t>
-            </a:r>
-          </a:p>
-          <a:p>
-            <a:pPr marL="0" indent="0">
-              <a:buNone/>
-            </a:pPr>
+                  <a:srgbClr val="0070C0"/>
+                </a:solidFill>
+              </a:rPr>
+              <a:t>str1 + str2 + str3 # </a:t>
+            </a:r>
+            <a:r>
+              <a:rPr lang="en-US" sz="2400" dirty="0" err="1">
+                <a:solidFill>
+                  <a:srgbClr val="0070C0"/>
+                </a:solidFill>
+              </a:rPr>
+              <a:t>concat</a:t>
+            </a:r>
             <a:r>
               <a:rPr lang="en-US" sz="2400" dirty="0">
                 <a:solidFill>
-                  <a:schemeClr val="accent1"/>
-                </a:solidFill>
-              </a:rPr>
-              <a:t>str1 + str2 + str3 </a:t>
-            </a:r>
+                  <a:srgbClr val="0070C0"/>
+                </a:solidFill>
+              </a:rPr>
+              <a:t> without separator</a:t>
+            </a:r>
+          </a:p>
+          <a:p>
+            <a:pPr marL="0" indent="0">
+              <a:buNone/>
+            </a:pPr>
             <a:r>
               <a:rPr lang="en-US" sz="2400" dirty="0">
                 <a:solidFill>
-                  <a:schemeClr val="accent3"/>
-                </a:solidFill>
-              </a:rPr>
-              <a:t># </a:t>
+                  <a:srgbClr val="0070C0"/>
+                </a:solidFill>
+              </a:rPr>
+              <a:t>“-”.join([str1, str2, str3])  #</a:t>
             </a:r>
             <a:r>
               <a:rPr lang="en-US" sz="2400" dirty="0" err="1">
                 <a:solidFill>
-                  <a:schemeClr val="accent3"/>
+                  <a:srgbClr val="0070C0"/>
                 </a:solidFill>
               </a:rPr>
               <a:t>concat</a:t>
@@ -6791,10 +7429,10 @@
             <a:r>
               <a:rPr lang="en-US" sz="2400" dirty="0">
                 <a:solidFill>
-                  <a:schemeClr val="accent3"/>
-                </a:solidFill>
-              </a:rPr>
-              <a:t> without separator</a:t>
+                  <a:srgbClr val="0070C0"/>
+                </a:solidFill>
+              </a:rPr>
+              <a:t> multiple strings</a:t>
             </a:r>
           </a:p>
           <a:p>
@@ -6804,76 +7442,23 @@
             <a:r>
               <a:rPr lang="en-US" sz="2400" dirty="0">
                 <a:solidFill>
-                  <a:schemeClr val="accent1"/>
-                </a:solidFill>
-              </a:rPr>
-              <a:t>“-”.join([str1, str2, str3])  </a:t>
-            </a:r>
+                  <a:srgbClr val="0070C0"/>
+                </a:solidFill>
+              </a:rPr>
+              <a:t>str1.replace(“ un”,”, happy “)  #replace a substring</a:t>
+            </a:r>
+          </a:p>
+          <a:p>
+            <a:pPr marL="0" indent="0">
+              <a:buNone/>
+            </a:pPr>
             <a:r>
               <a:rPr lang="en-US" sz="2400" dirty="0">
                 <a:solidFill>
-                  <a:schemeClr val="accent3"/>
-                </a:solidFill>
-              </a:rPr>
-              <a:t>#</a:t>
-            </a:r>
-            <a:r>
-              <a:rPr lang="en-US" sz="2400" dirty="0" err="1">
-                <a:solidFill>
-                  <a:schemeClr val="accent3"/>
-                </a:solidFill>
-              </a:rPr>
-              <a:t>concat</a:t>
-            </a:r>
-            <a:r>
-              <a:rPr lang="en-US" sz="2400" dirty="0">
-                <a:solidFill>
-                  <a:schemeClr val="accent3"/>
-                </a:solidFill>
-              </a:rPr>
-              <a:t> multiple strings</a:t>
-            </a:r>
-          </a:p>
-          <a:p>
-            <a:pPr marL="0" indent="0">
-              <a:buNone/>
-            </a:pPr>
-            <a:r>
-              <a:rPr lang="en-US" sz="2400" dirty="0">
-                <a:solidFill>
-                  <a:schemeClr val="accent1"/>
-                </a:solidFill>
-              </a:rPr>
-              <a:t>str1.replace(“ un”,”, happy “)  </a:t>
-            </a:r>
-            <a:r>
-              <a:rPr lang="en-US" sz="2400" dirty="0">
-                <a:solidFill>
-                  <a:schemeClr val="accent3"/>
-                </a:solidFill>
-              </a:rPr>
-              <a:t>#replace a substring</a:t>
-            </a:r>
-          </a:p>
-          <a:p>
-            <a:pPr marL="0" indent="0">
-              <a:buNone/>
-            </a:pPr>
-            <a:r>
-              <a:rPr lang="en-US" sz="2400" dirty="0">
-                <a:solidFill>
-                  <a:schemeClr val="accent1"/>
-                </a:solidFill>
-              </a:rPr>
-              <a:t>str1.split(“ “) </a:t>
-            </a:r>
-            <a:r>
-              <a:rPr lang="en-US" sz="2400" dirty="0">
-                <a:solidFill>
-                  <a:schemeClr val="accent3"/>
-                </a:solidFill>
-              </a:rPr>
-              <a:t>#split a string into a list by separator.</a:t>
+                  <a:srgbClr val="0070C0"/>
+                </a:solidFill>
+              </a:rPr>
+              <a:t>str1.split(“ “) #split a string into a list by separator.</a:t>
             </a:r>
           </a:p>
         </p:txBody>
@@ -6957,7 +7542,7 @@
             <a:r>
               <a:rPr lang="en-CA" dirty="0" err="1">
                 <a:solidFill>
-                  <a:schemeClr val="accent1"/>
+                  <a:srgbClr val="0070C0"/>
                 </a:solidFill>
               </a:rPr>
               <a:t>arr</a:t>
@@ -6965,7 +7550,7 @@
             <a:r>
               <a:rPr lang="en-CA" dirty="0">
                 <a:solidFill>
-                  <a:schemeClr val="accent1"/>
+                  <a:srgbClr val="0070C0"/>
                 </a:solidFill>
               </a:rPr>
               <a:t> = </a:t>
@@ -6973,7 +7558,7 @@
             <a:r>
               <a:rPr lang="en-CA" dirty="0" err="1">
                 <a:solidFill>
-                  <a:schemeClr val="accent1"/>
+                  <a:srgbClr val="0070C0"/>
                 </a:solidFill>
               </a:rPr>
               <a:t>np.array</a:t>
@@ -6981,7 +7566,7 @@
             <a:r>
               <a:rPr lang="en-CA" dirty="0">
                 <a:solidFill>
-                  <a:schemeClr val="accent1"/>
+                  <a:srgbClr val="0070C0"/>
                 </a:solidFill>
               </a:rPr>
               <a:t>([[1,2,3],[4,5,6]])</a:t>
@@ -6994,7 +7579,7 @@
             <a:r>
               <a:rPr lang="en-CA" dirty="0" err="1">
                 <a:solidFill>
-                  <a:schemeClr val="accent1"/>
+                  <a:srgbClr val="0070C0"/>
                 </a:solidFill>
               </a:rPr>
               <a:t>arr.shape</a:t>
@@ -7002,47 +7587,31 @@
             <a:r>
               <a:rPr lang="en-CA" dirty="0">
                 <a:solidFill>
-                  <a:schemeClr val="accent1"/>
-                </a:solidFill>
-              </a:rPr>
-              <a:t>[0] </a:t>
+                  <a:srgbClr val="0070C0"/>
+                </a:solidFill>
+              </a:rPr>
+              <a:t>[0] #number of rows</a:t>
+            </a:r>
+          </a:p>
+          <a:p>
+            <a:pPr marL="0" indent="0">
+              <a:buNone/>
+            </a:pPr>
+            <a:r>
+              <a:rPr lang="en-CA" dirty="0" err="1">
+                <a:solidFill>
+                  <a:srgbClr val="0070C0"/>
+                </a:solidFill>
+              </a:rPr>
+              <a:t>arr.shape</a:t>
             </a:r>
             <a:r>
               <a:rPr lang="en-CA" dirty="0">
                 <a:solidFill>
-                  <a:schemeClr val="accent3"/>
-                </a:solidFill>
-              </a:rPr>
-              <a:t>#number of rows</a:t>
-            </a:r>
-          </a:p>
-          <a:p>
-            <a:pPr marL="0" indent="0">
-              <a:buNone/>
-            </a:pPr>
-            <a:r>
-              <a:rPr lang="en-CA" dirty="0" err="1">
-                <a:solidFill>
-                  <a:schemeClr val="accent1"/>
-                </a:solidFill>
-              </a:rPr>
-              <a:t>arr.shape</a:t>
-            </a:r>
-            <a:r>
-              <a:rPr lang="en-CA" dirty="0">
-                <a:solidFill>
-                  <a:schemeClr val="accent1"/>
-                </a:solidFill>
-              </a:rPr>
-              <a:t>[1] </a:t>
-            </a:r>
-            <a:r>
-              <a:rPr lang="en-CA" dirty="0">
-                <a:solidFill>
-                  <a:schemeClr val="accent3"/>
-                </a:solidFill>
-              </a:rPr>
-              <a:t>#number of columns</a:t>
+                  <a:srgbClr val="0070C0"/>
+                </a:solidFill>
+              </a:rPr>
+              <a:t>[1] #number of columns</a:t>
             </a:r>
           </a:p>
         </p:txBody>
@@ -7122,7 +7691,12 @@
             <p:ph idx="1"/>
           </p:nvPr>
         </p:nvSpPr>
-        <p:spPr/>
+        <p:spPr>
+          <a:xfrm>
+            <a:off x="381001" y="2638045"/>
+            <a:ext cx="8458200" cy="3762755"/>
+          </a:xfrm>
+        </p:spPr>
         <p:txBody>
           <a:bodyPr>
             <a:normAutofit/>
@@ -7135,7 +7709,7 @@
             <a:r>
               <a:rPr lang="en-CA" sz="2000" dirty="0">
                 <a:solidFill>
-                  <a:schemeClr val="accent1"/>
+                  <a:srgbClr val="0070C0"/>
                 </a:solidFill>
               </a:rPr>
               <a:t>myArray1 = </a:t>
@@ -7143,7 +7717,7 @@
             <a:r>
               <a:rPr lang="en-CA" sz="2000" dirty="0" err="1">
                 <a:solidFill>
-                  <a:schemeClr val="accent1"/>
+                  <a:srgbClr val="0070C0"/>
                 </a:solidFill>
               </a:rPr>
               <a:t>np.array</a:t>
@@ -7151,7 +7725,7 @@
             <a:r>
               <a:rPr lang="en-CA" sz="2000" dirty="0">
                 <a:solidFill>
-                  <a:schemeClr val="accent1"/>
+                  <a:srgbClr val="0070C0"/>
                 </a:solidFill>
               </a:rPr>
               <a:t>([1,2,3,4,5])</a:t>
@@ -7164,7 +7738,7 @@
             <a:r>
               <a:rPr lang="en-CA" sz="2000" dirty="0">
                 <a:solidFill>
-                  <a:schemeClr val="accent1"/>
+                  <a:srgbClr val="0070C0"/>
                 </a:solidFill>
               </a:rPr>
               <a:t>myArray2 = </a:t>
@@ -7172,7 +7746,7 @@
             <a:r>
               <a:rPr lang="en-CA" sz="2000" dirty="0" err="1">
                 <a:solidFill>
-                  <a:schemeClr val="accent1"/>
+                  <a:srgbClr val="0070C0"/>
                 </a:solidFill>
               </a:rPr>
               <a:t>np.array</a:t>
@@ -7180,7 +7754,7 @@
             <a:r>
               <a:rPr lang="en-CA" sz="2000" dirty="0">
                 <a:solidFill>
-                  <a:schemeClr val="accent1"/>
+                  <a:srgbClr val="0070C0"/>
                 </a:solidFill>
               </a:rPr>
               <a:t>([2,4,6,8,10])</a:t>
@@ -7193,7 +7767,7 @@
             <a:r>
               <a:rPr lang="en-CA" sz="2000" dirty="0">
                 <a:solidFill>
-                  <a:schemeClr val="accent1"/>
+                  <a:srgbClr val="0070C0"/>
                 </a:solidFill>
               </a:rPr>
               <a:t>myArray3 = </a:t>
@@ -7201,7 +7775,7 @@
             <a:r>
               <a:rPr lang="en-CA" sz="2000" dirty="0" err="1">
                 <a:solidFill>
-                  <a:schemeClr val="accent1"/>
+                  <a:srgbClr val="0070C0"/>
                 </a:solidFill>
               </a:rPr>
               <a:t>np.array</a:t>
@@ -7209,7 +7783,7 @@
             <a:r>
               <a:rPr lang="en-CA" sz="2000" dirty="0">
                 <a:solidFill>
-                  <a:schemeClr val="accent1"/>
+                  <a:srgbClr val="0070C0"/>
                 </a:solidFill>
               </a:rPr>
               <a:t>([3,6,9,12,15])</a:t>
@@ -7221,7 +7795,7 @@
             </a:pPr>
             <a:endParaRPr lang="en-CA" sz="2000" dirty="0">
               <a:solidFill>
-                <a:schemeClr val="accent1"/>
+                <a:srgbClr val="0070C0"/>
               </a:solidFill>
             </a:endParaRPr>
           </a:p>
@@ -7232,7 +7806,7 @@
             <a:r>
               <a:rPr lang="en-CA" sz="2000" dirty="0">
                 <a:solidFill>
-                  <a:schemeClr val="accent1"/>
+                  <a:srgbClr val="0070C0"/>
                 </a:solidFill>
               </a:rPr>
               <a:t>myMat12 = </a:t>
@@ -7240,7 +7814,7 @@
             <a:r>
               <a:rPr lang="en-CA" sz="2000" dirty="0" err="1">
                 <a:solidFill>
-                  <a:schemeClr val="accent1"/>
+                  <a:srgbClr val="0070C0"/>
                 </a:solidFill>
               </a:rPr>
               <a:t>np.concatenate</a:t>
@@ -7248,7 +7822,7 @@
             <a:r>
               <a:rPr lang="en-CA" sz="2000" dirty="0">
                 <a:solidFill>
-                  <a:schemeClr val="accent1"/>
+                  <a:srgbClr val="0070C0"/>
                 </a:solidFill>
               </a:rPr>
               <a:t>(([myArray1], [myArray2]), axis=0)</a:t>
@@ -7261,7 +7835,7 @@
             <a:r>
               <a:rPr lang="en-CA" sz="2000" dirty="0">
                 <a:solidFill>
-                  <a:schemeClr val="accent1"/>
+                  <a:srgbClr val="0070C0"/>
                 </a:solidFill>
               </a:rPr>
               <a:t>myMat123 = </a:t>
@@ -7269,7 +7843,7 @@
             <a:r>
               <a:rPr lang="en-CA" sz="2000" dirty="0" err="1">
                 <a:solidFill>
-                  <a:schemeClr val="accent1"/>
+                  <a:srgbClr val="0070C0"/>
                 </a:solidFill>
               </a:rPr>
               <a:t>np.concatenate</a:t>
@@ -7277,7 +7851,7 @@
             <a:r>
               <a:rPr lang="en-CA" sz="2000" dirty="0">
                 <a:solidFill>
-                  <a:schemeClr val="accent1"/>
+                  <a:srgbClr val="0070C0"/>
                 </a:solidFill>
               </a:rPr>
               <a:t>(([myArray1], [myArray2 ], [myArray3] ), axis=0)</a:t>
@@ -7626,7 +8200,12 @@
             <p:ph type="title"/>
           </p:nvPr>
         </p:nvSpPr>
-        <p:spPr/>
+        <p:spPr>
+          <a:xfrm>
+            <a:off x="1603122" y="228600"/>
+            <a:ext cx="5937755" cy="1188720"/>
+          </a:xfrm>
+        </p:spPr>
         <p:txBody>
           <a:bodyPr/>
           <a:lstStyle/>
@@ -7648,10 +8227,15 @@
             <p:ph idx="1"/>
           </p:nvPr>
         </p:nvSpPr>
-        <p:spPr/>
+        <p:spPr>
+          <a:xfrm>
+            <a:off x="457201" y="1524000"/>
+            <a:ext cx="8305800" cy="5029199"/>
+          </a:xfrm>
+        </p:spPr>
         <p:txBody>
           <a:bodyPr>
-            <a:normAutofit fontScale="55000" lnSpcReduction="20000"/>
+            <a:normAutofit fontScale="92500" lnSpcReduction="10000"/>
           </a:bodyPr>
           <a:lstStyle/>
           <a:p>
@@ -7701,16 +8285,10 @@
             <a:pPr marL="0" indent="0">
               <a:buNone/>
             </a:pPr>
-            <a:endParaRPr lang="en-US" dirty="0"/>
-          </a:p>
-          <a:p>
-            <a:pPr marL="0" indent="0">
-              <a:buNone/>
-            </a:pPr>
             <a:r>
               <a:rPr lang="en-US" dirty="0">
                 <a:solidFill>
-                  <a:schemeClr val="accent1"/>
+                  <a:srgbClr val="0070C0"/>
                 </a:solidFill>
               </a:rPr>
               <a:t>height = {“Harry”:5.9, “Sally”:5.2}</a:t>
@@ -7723,46 +8301,24 @@
             <a:r>
               <a:rPr lang="en-US" dirty="0">
                 <a:solidFill>
-                  <a:schemeClr val="accent1"/>
-                </a:solidFill>
-              </a:rPr>
-              <a:t>height[“Sally”]  </a:t>
-            </a:r>
+                  <a:srgbClr val="0070C0"/>
+                </a:solidFill>
+              </a:rPr>
+              <a:t>height[“Sally”]  # to obtain height of Sally</a:t>
+            </a:r>
+          </a:p>
+          <a:p>
+            <a:pPr marL="0" indent="0">
+              <a:buNone/>
+            </a:pPr>
             <a:r>
               <a:rPr lang="en-US" dirty="0">
                 <a:solidFill>
-                  <a:schemeClr val="accent3"/>
-                </a:solidFill>
-              </a:rPr>
-              <a:t># to obtain height of Sally</a:t>
-            </a:r>
-          </a:p>
-          <a:p>
-            <a:pPr marL="0" indent="0">
-              <a:buNone/>
-            </a:pPr>
-            <a:r>
-              <a:rPr lang="en-US" dirty="0">
-                <a:solidFill>
-                  <a:schemeClr val="accent1"/>
-                </a:solidFill>
-              </a:rPr>
-              <a:t>height[“Sally”] = 5.3  </a:t>
-            </a:r>
-            <a:r>
-              <a:rPr lang="en-US" dirty="0">
-                <a:solidFill>
-                  <a:schemeClr val="accent3"/>
-                </a:solidFill>
-              </a:rPr>
-              <a:t>#Sally has grown so assign new height.</a:t>
-            </a:r>
-          </a:p>
-          <a:p>
-            <a:pPr marL="0" indent="0">
-              <a:buNone/>
-            </a:pPr>
-            <a:endParaRPr lang="en-US" dirty="0"/>
+                  <a:srgbClr val="0070C0"/>
+                </a:solidFill>
+              </a:rPr>
+              <a:t>height[“Sally”] = 5.3  #Sally has grown so assign new height.</a:t>
+            </a:r>
           </a:p>
           <a:p>
             <a:r>
@@ -7781,18 +8337,10 @@
             <a:r>
               <a:rPr lang="en-US" dirty="0">
                 <a:solidFill>
-                  <a:schemeClr val="accent1"/>
-                </a:solidFill>
-              </a:rPr>
-              <a:t>pi = (“PI”, 3.14) </a:t>
-            </a:r>
-            <a:r>
-              <a:rPr lang="en-US" dirty="0">
-                <a:solidFill>
-                  <a:schemeClr val="accent3"/>
-                </a:solidFill>
-              </a:rPr>
-              <a:t># constant</a:t>
+                  <a:srgbClr val="0070C0"/>
+                </a:solidFill>
+              </a:rPr>
+              <a:t>pi = (“PI”, 3.14) # constant</a:t>
             </a:r>
           </a:p>
           <a:p>
@@ -7808,7 +8356,7 @@
           <a:p>
             <a:pPr lvl="1"/>
             <a:r>
-              <a:rPr lang="en-US" sz="3200" dirty="0"/>
+              <a:rPr lang="en-US" dirty="0"/>
               <a:t>useful for math set operations like union and intersection.</a:t>
             </a:r>
             <a:endParaRPr lang="en-US" dirty="0">
@@ -7824,7 +8372,7 @@
             <a:r>
               <a:rPr lang="en-US" dirty="0" err="1">
                 <a:solidFill>
-                  <a:schemeClr val="accent1"/>
+                  <a:srgbClr val="0070C0"/>
                 </a:solidFill>
               </a:rPr>
               <a:t>myset</a:t>
@@ -7832,7 +8380,7 @@
             <a:r>
               <a:rPr lang="en-US" dirty="0">
                 <a:solidFill>
-                  <a:schemeClr val="accent1"/>
+                  <a:srgbClr val="0070C0"/>
                 </a:solidFill>
               </a:rPr>
               <a:t> = set([2,3,6,7,8,2,6])</a:t>
@@ -7845,7 +8393,7 @@
             <a:r>
               <a:rPr lang="en-US" dirty="0">
                 <a:solidFill>
-                  <a:schemeClr val="accent1"/>
+                  <a:srgbClr val="0070C0"/>
                 </a:solidFill>
               </a:rPr>
               <a:t>{8, 2, 3, 6, 7}</a:t>
@@ -7930,7 +8478,9 @@
         </p:nvSpPr>
         <p:spPr/>
         <p:txBody>
-          <a:bodyPr/>
+          <a:bodyPr>
+            <a:normAutofit lnSpcReduction="10000"/>
+          </a:bodyPr>
           <a:lstStyle/>
           <a:p>
             <a:r>
@@ -7951,7 +8501,7 @@
             <a:r>
               <a:rPr lang="en-US" sz="2000" dirty="0">
                 <a:solidFill>
-                  <a:schemeClr val="accent1"/>
+                  <a:srgbClr val="0070C0"/>
                 </a:solidFill>
               </a:rPr>
               <a:t>import pandas as </a:t>
@@ -7959,14 +8509,14 @@
             <a:r>
               <a:rPr lang="en-US" sz="2000" dirty="0" err="1">
                 <a:solidFill>
-                  <a:schemeClr val="accent1"/>
+                  <a:srgbClr val="0070C0"/>
                 </a:solidFill>
               </a:rPr>
               <a:t>pd</a:t>
             </a:r>
             <a:endParaRPr lang="en-US" sz="2000" dirty="0">
               <a:solidFill>
-                <a:schemeClr val="accent1"/>
+                <a:srgbClr val="0070C0"/>
               </a:solidFill>
             </a:endParaRPr>
           </a:p>
@@ -7977,16 +8527,11 @@
             <a:r>
               <a:rPr lang="en-US" sz="2000" dirty="0">
                 <a:solidFill>
-                  <a:schemeClr val="accent3"/>
+                  <a:srgbClr val="0070C0"/>
                 </a:solidFill>
               </a:rPr>
               <a:t>#could use lists instead of arrays</a:t>
             </a:r>
-            <a:endParaRPr lang="en-US" sz="2000" dirty="0">
-              <a:solidFill>
-                <a:schemeClr val="accent1"/>
-              </a:solidFill>
-            </a:endParaRPr>
           </a:p>
           <a:p>
             <a:pPr marL="0" indent="0">
@@ -7995,7 +8540,7 @@
             <a:r>
               <a:rPr lang="en-US" sz="2000" dirty="0" err="1">
                 <a:solidFill>
-                  <a:schemeClr val="accent1"/>
+                  <a:srgbClr val="0070C0"/>
                 </a:solidFill>
               </a:rPr>
               <a:t>datadict</a:t>
@@ -8003,7 +8548,7 @@
             <a:r>
               <a:rPr lang="en-US" sz="2000" dirty="0">
                 <a:solidFill>
-                  <a:schemeClr val="accent1"/>
+                  <a:srgbClr val="0070C0"/>
                 </a:solidFill>
               </a:rPr>
               <a:t> = {"col1":myArray1, "col2":myArray2}</a:t>
@@ -8016,7 +8561,7 @@
             <a:r>
               <a:rPr lang="en-US" sz="2000" dirty="0">
                 <a:solidFill>
-                  <a:schemeClr val="accent3"/>
+                  <a:srgbClr val="0070C0"/>
                 </a:solidFill>
               </a:rPr>
               <a:t>#put the arrays into columns</a:t>
@@ -8029,7 +8574,7 @@
             <a:r>
               <a:rPr lang="en-US" sz="2000" dirty="0" err="1">
                 <a:solidFill>
-                  <a:schemeClr val="accent1"/>
+                  <a:srgbClr val="0070C0"/>
                 </a:solidFill>
               </a:rPr>
               <a:t>myDF</a:t>
@@ -8037,7 +8582,7 @@
             <a:r>
               <a:rPr lang="en-US" sz="2000" dirty="0">
                 <a:solidFill>
-                  <a:schemeClr val="accent1"/>
+                  <a:srgbClr val="0070C0"/>
                 </a:solidFill>
               </a:rPr>
               <a:t> = </a:t>
@@ -8045,7 +8590,7 @@
             <a:r>
               <a:rPr lang="en-US" sz="2000" dirty="0" err="1">
                 <a:solidFill>
-                  <a:schemeClr val="accent1"/>
+                  <a:srgbClr val="0070C0"/>
                 </a:solidFill>
               </a:rPr>
               <a:t>pd.DataFrame</a:t>
@@ -8053,7 +8598,7 @@
             <a:r>
               <a:rPr lang="en-US" sz="2000" dirty="0">
                 <a:solidFill>
-                  <a:schemeClr val="accent1"/>
+                  <a:srgbClr val="0070C0"/>
                 </a:solidFill>
               </a:rPr>
               <a:t>(</a:t>
@@ -8061,7 +8606,7 @@
             <a:r>
               <a:rPr lang="en-US" sz="2000" dirty="0" err="1">
                 <a:solidFill>
-                  <a:schemeClr val="accent1"/>
+                  <a:srgbClr val="0070C0"/>
                 </a:solidFill>
               </a:rPr>
               <a:t>datadict</a:t>
@@ -8069,16 +8614,11 @@
             <a:r>
               <a:rPr lang="en-US" sz="2000" dirty="0">
                 <a:solidFill>
-                  <a:schemeClr val="accent1"/>
+                  <a:srgbClr val="0070C0"/>
                 </a:solidFill>
               </a:rPr>
               <a:t>)</a:t>
             </a:r>
-            <a:endParaRPr lang="en-US" sz="2000" dirty="0">
-              <a:solidFill>
-                <a:schemeClr val="accent3"/>
-              </a:solidFill>
-            </a:endParaRPr>
           </a:p>
           <a:p>
             <a:pPr marL="0" indent="0">
@@ -8170,7 +8710,7 @@
         <p:spPr/>
         <p:txBody>
           <a:bodyPr>
-            <a:normAutofit lnSpcReduction="10000"/>
+            <a:normAutofit/>
           </a:bodyPr>
           <a:lstStyle/>
           <a:p>
@@ -8455,7 +8995,7 @@
         <p:spPr/>
         <p:txBody>
           <a:bodyPr>
-            <a:normAutofit/>
+            <a:normAutofit fontScale="85000" lnSpcReduction="20000"/>
           </a:bodyPr>
           <a:lstStyle/>
           <a:p>
@@ -8615,6 +9155,200 @@
     <p:extLst>
       <p:ext uri="{BB962C8B-B14F-4D97-AF65-F5344CB8AC3E}">
         <p14:creationId xmlns:p14="http://schemas.microsoft.com/office/powerpoint/2010/main" val="2512323101"/>
+      </p:ext>
+    </p:extLst>
+  </p:cSld>
+  <p:clrMapOvr>
+    <a:masterClrMapping/>
+  </p:clrMapOvr>
+</p:sld>
+</file>
+
+<file path=ppt/slides/slide28.xml><?xml version="1.0" encoding="utf-8"?>
+<p:sld xmlns:a="http://schemas.openxmlformats.org/drawingml/2006/main" xmlns:r="http://schemas.openxmlformats.org/officeDocument/2006/relationships" xmlns:p="http://schemas.openxmlformats.org/presentationml/2006/main">
+  <p:cSld>
+    <p:spTree>
+      <p:nvGrpSpPr>
+        <p:cNvPr id="1" name=""/>
+        <p:cNvGrpSpPr/>
+        <p:nvPr/>
+      </p:nvGrpSpPr>
+      <p:grpSpPr>
+        <a:xfrm>
+          <a:off x="0" y="0"/>
+          <a:ext cx="0" cy="0"/>
+          <a:chOff x="0" y="0"/>
+          <a:chExt cx="0" cy="0"/>
+        </a:xfrm>
+      </p:grpSpPr>
+      <p:sp>
+        <p:nvSpPr>
+          <p:cNvPr id="2" name="Title 1">
+            <a:extLst>
+              <a:ext uri="{FF2B5EF4-FFF2-40B4-BE49-F238E27FC236}">
+                <a16:creationId xmlns:a16="http://schemas.microsoft.com/office/drawing/2014/main" id="{A36C0CC9-9283-DE44-8A36-F130F2561F12}"/>
+              </a:ext>
+            </a:extLst>
+          </p:cNvPr>
+          <p:cNvSpPr>
+            <a:spLocks noGrp="1"/>
+          </p:cNvSpPr>
+          <p:nvPr>
+            <p:ph type="title"/>
+          </p:nvPr>
+        </p:nvSpPr>
+        <p:spPr/>
+        <p:txBody>
+          <a:bodyPr/>
+          <a:lstStyle/>
+          <a:p>
+            <a:r>
+              <a:rPr lang="en-US" dirty="0" err="1"/>
+              <a:t>Github</a:t>
+            </a:r>
+            <a:endParaRPr lang="en-US" dirty="0"/>
+          </a:p>
+        </p:txBody>
+      </p:sp>
+      <p:sp>
+        <p:nvSpPr>
+          <p:cNvPr id="3" name="Content Placeholder 2">
+            <a:extLst>
+              <a:ext uri="{FF2B5EF4-FFF2-40B4-BE49-F238E27FC236}">
+                <a16:creationId xmlns:a16="http://schemas.microsoft.com/office/drawing/2014/main" id="{E04037DD-F136-A142-8DFC-17CAB8DB79C3}"/>
+              </a:ext>
+            </a:extLst>
+          </p:cNvPr>
+          <p:cNvSpPr>
+            <a:spLocks noGrp="1"/>
+          </p:cNvSpPr>
+          <p:nvPr>
+            <p:ph idx="1"/>
+          </p:nvPr>
+        </p:nvSpPr>
+        <p:spPr/>
+        <p:txBody>
+          <a:bodyPr/>
+          <a:lstStyle/>
+          <a:p>
+            <a:pPr marL="0" indent="0">
+              <a:buNone/>
+            </a:pPr>
+            <a:r>
+              <a:rPr lang="en-US" dirty="0"/>
+              <a:t>The </a:t>
+            </a:r>
+            <a:r>
+              <a:rPr lang="en-US" dirty="0" err="1"/>
+              <a:t>Jupyter</a:t>
+            </a:r>
+            <a:r>
+              <a:rPr lang="en-US" dirty="0"/>
+              <a:t> Notebook </a:t>
+            </a:r>
+          </a:p>
+          <a:p>
+            <a:pPr marL="0" indent="0">
+              <a:buNone/>
+            </a:pPr>
+            <a:r>
+              <a:rPr lang="en-US" dirty="0" err="1">
+                <a:solidFill>
+                  <a:srgbClr val="0070C0"/>
+                </a:solidFill>
+              </a:rPr>
+              <a:t>Python_for_Psychologists.ipynb</a:t>
+            </a:r>
+            <a:r>
+              <a:rPr lang="en-US" dirty="0">
+                <a:solidFill>
+                  <a:srgbClr val="0070C0"/>
+                </a:solidFill>
+              </a:rPr>
+              <a:t> </a:t>
+            </a:r>
+          </a:p>
+          <a:p>
+            <a:pPr marL="0" indent="0">
+              <a:buNone/>
+            </a:pPr>
+            <a:r>
+              <a:rPr lang="en-US" dirty="0"/>
+              <a:t>is available on </a:t>
+            </a:r>
+            <a:r>
+              <a:rPr lang="en-US" dirty="0" err="1"/>
+              <a:t>github</a:t>
+            </a:r>
+            <a:r>
+              <a:rPr lang="en-US" dirty="0"/>
+              <a:t> here:</a:t>
+            </a:r>
+          </a:p>
+          <a:p>
+            <a:pPr marL="0" indent="0">
+              <a:buNone/>
+            </a:pPr>
+            <a:r>
+              <a:rPr lang="en-US" dirty="0">
+                <a:solidFill>
+                  <a:srgbClr val="0070C0"/>
+                </a:solidFill>
+              </a:rPr>
+              <a:t>https://</a:t>
+            </a:r>
+            <a:r>
+              <a:rPr lang="en-US" dirty="0" err="1">
+                <a:solidFill>
+                  <a:srgbClr val="0070C0"/>
+                </a:solidFill>
+              </a:rPr>
+              <a:t>github.com</a:t>
+            </a:r>
+            <a:r>
+              <a:rPr lang="en-US" dirty="0">
+                <a:solidFill>
+                  <a:srgbClr val="0070C0"/>
+                </a:solidFill>
+              </a:rPr>
+              <a:t>/</a:t>
+            </a:r>
+            <a:r>
+              <a:rPr lang="en-US" dirty="0" err="1">
+                <a:solidFill>
+                  <a:srgbClr val="0070C0"/>
+                </a:solidFill>
+              </a:rPr>
+              <a:t>pradau</a:t>
+            </a:r>
+            <a:r>
+              <a:rPr lang="en-US" dirty="0">
+                <a:solidFill>
+                  <a:srgbClr val="0070C0"/>
+                </a:solidFill>
+              </a:rPr>
+              <a:t>/</a:t>
+            </a:r>
+            <a:r>
+              <a:rPr lang="en-US" dirty="0" err="1">
+                <a:solidFill>
+                  <a:srgbClr val="0070C0"/>
+                </a:solidFill>
+              </a:rPr>
+              <a:t>python_for_psychologists</a:t>
+            </a:r>
+            <a:endParaRPr lang="en-US" dirty="0">
+              <a:solidFill>
+                <a:srgbClr val="0070C0"/>
+              </a:solidFill>
+            </a:endParaRPr>
+          </a:p>
+        </p:txBody>
+      </p:sp>
+    </p:spTree>
+    <p:extLst>
+      <p:ext uri="{BB962C8B-B14F-4D97-AF65-F5344CB8AC3E}">
+        <p14:creationId xmlns:p14="http://schemas.microsoft.com/office/powerpoint/2010/main" val="14293772"/>
       </p:ext>
     </p:extLst>
   </p:cSld>
@@ -8648,7 +9382,7 @@
             <a:spLocks noGrp="1"/>
           </p:cNvSpPr>
           <p:nvPr>
-            <p:ph type="ctrTitle"/>
+            <p:ph type="title"/>
           </p:nvPr>
         </p:nvSpPr>
         <p:spPr/>
@@ -8658,77 +9392,6 @@
           <a:p>
             <a:r>
               <a:rPr lang="en-CA" dirty="0"/>
-              <a:t>Python Basics</a:t>
-            </a:r>
-          </a:p>
-        </p:txBody>
-      </p:sp>
-      <p:sp>
-        <p:nvSpPr>
-          <p:cNvPr id="3" name="Subtitle 2"/>
-          <p:cNvSpPr>
-            <a:spLocks noGrp="1"/>
-          </p:cNvSpPr>
-          <p:nvPr>
-            <p:ph type="subTitle" idx="1"/>
-          </p:nvPr>
-        </p:nvSpPr>
-        <p:spPr/>
-        <p:txBody>
-          <a:bodyPr/>
-          <a:lstStyle/>
-          <a:p>
-            <a:endParaRPr lang="en-CA" dirty="0"/>
-          </a:p>
-        </p:txBody>
-      </p:sp>
-    </p:spTree>
-    <p:extLst>
-      <p:ext uri="{BB962C8B-B14F-4D97-AF65-F5344CB8AC3E}">
-        <p14:creationId xmlns:p14="http://schemas.microsoft.com/office/powerpoint/2010/main" val="143505822"/>
-      </p:ext>
-    </p:extLst>
-  </p:cSld>
-  <p:clrMapOvr>
-    <a:masterClrMapping/>
-  </p:clrMapOvr>
-</p:sld>
-</file>
-
-<file path=ppt/slides/slide4.xml><?xml version="1.0" encoding="utf-8"?>
-<p:sld xmlns:a="http://schemas.openxmlformats.org/drawingml/2006/main" xmlns:r="http://schemas.openxmlformats.org/officeDocument/2006/relationships" xmlns:p="http://schemas.openxmlformats.org/presentationml/2006/main">
-  <p:cSld>
-    <p:spTree>
-      <p:nvGrpSpPr>
-        <p:cNvPr id="1" name=""/>
-        <p:cNvGrpSpPr/>
-        <p:nvPr/>
-      </p:nvGrpSpPr>
-      <p:grpSpPr>
-        <a:xfrm>
-          <a:off x="0" y="0"/>
-          <a:ext cx="0" cy="0"/>
-          <a:chOff x="0" y="0"/>
-          <a:chExt cx="0" cy="0"/>
-        </a:xfrm>
-      </p:grpSpPr>
-      <p:sp>
-        <p:nvSpPr>
-          <p:cNvPr id="2" name="Title 1"/>
-          <p:cNvSpPr>
-            <a:spLocks noGrp="1"/>
-          </p:cNvSpPr>
-          <p:nvPr>
-            <p:ph type="title"/>
-          </p:nvPr>
-        </p:nvSpPr>
-        <p:spPr/>
-        <p:txBody>
-          <a:bodyPr/>
-          <a:lstStyle/>
-          <a:p>
-            <a:r>
-              <a:rPr lang="en-CA" dirty="0"/>
               <a:t>Why use Python?</a:t>
             </a:r>
           </a:p>
@@ -8744,7 +9407,12 @@
             <p:ph idx="1"/>
           </p:nvPr>
         </p:nvSpPr>
-        <p:spPr/>
+        <p:spPr>
+          <a:xfrm>
+            <a:off x="1606045" y="2312189"/>
+            <a:ext cx="5937755" cy="3101983"/>
+          </a:xfrm>
+        </p:spPr>
         <p:txBody>
           <a:bodyPr/>
           <a:lstStyle/>
@@ -8820,6 +9488,191 @@
 </p:sld>
 </file>
 
+<file path=ppt/slides/slide4.xml><?xml version="1.0" encoding="utf-8"?>
+<p:sld xmlns:a="http://schemas.openxmlformats.org/drawingml/2006/main" xmlns:r="http://schemas.openxmlformats.org/officeDocument/2006/relationships" xmlns:p="http://schemas.openxmlformats.org/presentationml/2006/main">
+  <p:cSld>
+    <p:spTree>
+      <p:nvGrpSpPr>
+        <p:cNvPr id="1" name=""/>
+        <p:cNvGrpSpPr/>
+        <p:nvPr/>
+      </p:nvGrpSpPr>
+      <p:grpSpPr>
+        <a:xfrm>
+          <a:off x="0" y="0"/>
+          <a:ext cx="0" cy="0"/>
+          <a:chOff x="0" y="0"/>
+          <a:chExt cx="0" cy="0"/>
+        </a:xfrm>
+      </p:grpSpPr>
+      <p:sp>
+        <p:nvSpPr>
+          <p:cNvPr id="2" name="Title 1">
+            <a:extLst>
+              <a:ext uri="{FF2B5EF4-FFF2-40B4-BE49-F238E27FC236}">
+                <a16:creationId xmlns:a16="http://schemas.microsoft.com/office/drawing/2014/main" id="{B0DCF341-93A9-0D47-BDD2-4C9641300D67}"/>
+              </a:ext>
+            </a:extLst>
+          </p:cNvPr>
+          <p:cNvSpPr>
+            <a:spLocks noGrp="1"/>
+          </p:cNvSpPr>
+          <p:nvPr>
+            <p:ph type="title"/>
+          </p:nvPr>
+        </p:nvSpPr>
+        <p:spPr>
+          <a:xfrm>
+            <a:off x="609600" y="533400"/>
+            <a:ext cx="8229600" cy="1143000"/>
+          </a:xfrm>
+        </p:spPr>
+        <p:txBody>
+          <a:bodyPr>
+            <a:normAutofit/>
+          </a:bodyPr>
+          <a:lstStyle/>
+          <a:p>
+            <a:r>
+              <a:rPr lang="en-CA" dirty="0"/>
+              <a:t>Benefits of Python</a:t>
+            </a:r>
+            <a:endParaRPr lang="en-US" dirty="0"/>
+          </a:p>
+        </p:txBody>
+      </p:sp>
+      <p:sp>
+        <p:nvSpPr>
+          <p:cNvPr id="3" name="Content Placeholder 2">
+            <a:extLst>
+              <a:ext uri="{FF2B5EF4-FFF2-40B4-BE49-F238E27FC236}">
+                <a16:creationId xmlns:a16="http://schemas.microsoft.com/office/drawing/2014/main" id="{DD668E37-AF6B-4041-86A3-BAF38C7145C4}"/>
+              </a:ext>
+            </a:extLst>
+          </p:cNvPr>
+          <p:cNvSpPr>
+            <a:spLocks noGrp="1"/>
+          </p:cNvSpPr>
+          <p:nvPr>
+            <p:ph idx="1"/>
+          </p:nvPr>
+        </p:nvSpPr>
+        <p:spPr>
+          <a:xfrm>
+            <a:off x="1371600" y="1828800"/>
+            <a:ext cx="6705599" cy="4343400"/>
+          </a:xfrm>
+        </p:spPr>
+        <p:txBody>
+          <a:bodyPr>
+            <a:normAutofit/>
+          </a:bodyPr>
+          <a:lstStyle/>
+          <a:p>
+            <a:pPr>
+              <a:buFontTx/>
+              <a:buChar char="-"/>
+            </a:pPr>
+            <a:r>
+              <a:rPr lang="en-CA" dirty="0"/>
+              <a:t>comprehensive, large libraries.</a:t>
+            </a:r>
+          </a:p>
+          <a:p>
+            <a:pPr>
+              <a:buFontTx/>
+              <a:buChar char="-"/>
+            </a:pPr>
+            <a:r>
+              <a:rPr lang="en-CA" dirty="0"/>
+              <a:t>rapid growth.</a:t>
+            </a:r>
+          </a:p>
+          <a:p>
+            <a:pPr>
+              <a:buFontTx/>
+              <a:buChar char="-"/>
+            </a:pPr>
+            <a:r>
+              <a:rPr lang="en-CA" dirty="0"/>
+              <a:t>wide use in software development companies.</a:t>
+            </a:r>
+          </a:p>
+          <a:p>
+            <a:pPr>
+              <a:buFontTx/>
+              <a:buChar char="-"/>
+            </a:pPr>
+            <a:r>
+              <a:rPr lang="en-CA" dirty="0"/>
+              <a:t>disadvantage of Python compared with </a:t>
+            </a:r>
+            <a:r>
+              <a:rPr lang="en-CA" b="1" dirty="0" err="1"/>
+              <a:t>Matlab</a:t>
+            </a:r>
+            <a:r>
+              <a:rPr lang="en-CA" dirty="0"/>
+              <a:t> is primarily the existence of many useful </a:t>
+            </a:r>
+            <a:r>
+              <a:rPr lang="en-CA" dirty="0" err="1"/>
+              <a:t>Matlab</a:t>
+            </a:r>
+            <a:r>
+              <a:rPr lang="en-CA" dirty="0"/>
+              <a:t> utilities written by and for scientists (e.g. SPM).</a:t>
+            </a:r>
+          </a:p>
+          <a:p>
+            <a:pPr>
+              <a:buFontTx/>
+              <a:buChar char="-"/>
+            </a:pPr>
+            <a:r>
+              <a:rPr lang="en-CA" dirty="0"/>
+              <a:t>disadvantage of Python compared with </a:t>
+            </a:r>
+            <a:r>
+              <a:rPr lang="en-CA" b="1" dirty="0"/>
+              <a:t>R</a:t>
+            </a:r>
+            <a:r>
+              <a:rPr lang="en-CA" dirty="0"/>
+              <a:t> is primarily that cutting edge statistical /graphing tools are easier to find (or only available) in R.</a:t>
+            </a:r>
+          </a:p>
+          <a:p>
+            <a:pPr>
+              <a:buFontTx/>
+              <a:buChar char="-"/>
+            </a:pPr>
+            <a:r>
+              <a:rPr lang="en-CA" dirty="0"/>
+              <a:t>Compared with other languages (C++/Java) Python may be considered too high-level or difficult to debug (run-time errors, type casting).</a:t>
+            </a:r>
+          </a:p>
+          <a:p>
+            <a:pPr marL="0" indent="0">
+              <a:buNone/>
+            </a:pPr>
+            <a:endParaRPr lang="en-CA" dirty="0"/>
+          </a:p>
+        </p:txBody>
+      </p:sp>
+    </p:spTree>
+    <p:extLst>
+      <p:ext uri="{BB962C8B-B14F-4D97-AF65-F5344CB8AC3E}">
+        <p14:creationId xmlns:p14="http://schemas.microsoft.com/office/powerpoint/2010/main" val="2125983619"/>
+      </p:ext>
+    </p:extLst>
+  </p:cSld>
+  <p:clrMapOvr>
+    <a:masterClrMapping/>
+  </p:clrMapOvr>
+</p:sld>
+</file>
+
 <file path=ppt/slides/slide5.xml><?xml version="1.0" encoding="utf-8"?>
 <p:sld xmlns:a="http://schemas.openxmlformats.org/drawingml/2006/main" xmlns:r="http://schemas.openxmlformats.org/officeDocument/2006/relationships" xmlns:p="http://schemas.openxmlformats.org/presentationml/2006/main">
   <p:cSld>
@@ -8839,13 +9692,7 @@
       </p:grpSpPr>
       <p:sp>
         <p:nvSpPr>
-          <p:cNvPr id="2" name="Title 1">
-            <a:extLst>
-              <a:ext uri="{FF2B5EF4-FFF2-40B4-BE49-F238E27FC236}">
-                <a16:creationId xmlns:a16="http://schemas.microsoft.com/office/drawing/2014/main" id="{B0DCF341-93A9-0D47-BDD2-4C9641300D67}"/>
-              </a:ext>
-            </a:extLst>
-          </p:cNvPr>
+          <p:cNvPr id="2" name="Title 1"/>
           <p:cNvSpPr>
             <a:spLocks noGrp="1"/>
           </p:cNvSpPr>
@@ -8853,35 +9700,21 @@
             <p:ph type="title"/>
           </p:nvPr>
         </p:nvSpPr>
-        <p:spPr>
-          <a:xfrm>
-            <a:off x="609600" y="533400"/>
-            <a:ext cx="8229600" cy="1143000"/>
-          </a:xfrm>
-        </p:spPr>
-        <p:txBody>
-          <a:bodyPr>
-            <a:normAutofit/>
-          </a:bodyPr>
+        <p:spPr/>
+        <p:txBody>
+          <a:bodyPr/>
           <a:lstStyle/>
           <a:p>
             <a:r>
               <a:rPr lang="en-CA" dirty="0"/>
-              <a:t>Benefits of Python</a:t>
-            </a:r>
-            <a:endParaRPr lang="en-US" dirty="0"/>
-          </a:p>
-        </p:txBody>
-      </p:sp>
-      <p:sp>
-        <p:nvSpPr>
-          <p:cNvPr id="3" name="Content Placeholder 2">
-            <a:extLst>
-              <a:ext uri="{FF2B5EF4-FFF2-40B4-BE49-F238E27FC236}">
-                <a16:creationId xmlns:a16="http://schemas.microsoft.com/office/drawing/2014/main" id="{DD668E37-AF6B-4041-86A3-BAF38C7145C4}"/>
-              </a:ext>
-            </a:extLst>
-          </p:cNvPr>
+              <a:t>How to use it?</a:t>
+            </a:r>
+          </a:p>
+        </p:txBody>
+      </p:sp>
+      <p:sp>
+        <p:nvSpPr>
+          <p:cNvPr id="3" name="Content Placeholder 2"/>
           <p:cNvSpPr>
             <a:spLocks noGrp="1"/>
           </p:cNvSpPr>
@@ -8891,106 +9724,40 @@
         </p:nvSpPr>
         <p:spPr/>
         <p:txBody>
-          <a:bodyPr>
-            <a:normAutofit fontScale="85000" lnSpcReduction="20000"/>
-          </a:bodyPr>
+          <a:bodyPr/>
           <a:lstStyle/>
           <a:p>
-            <a:pPr>
-              <a:buFontTx/>
-              <a:buChar char="-"/>
-            </a:pPr>
-            <a:r>
-              <a:rPr lang="en-CA" dirty="0"/>
-              <a:t>comprehensive, large libraries.</a:t>
-            </a:r>
-          </a:p>
-          <a:p>
-            <a:pPr>
-              <a:buFontTx/>
-              <a:buChar char="-"/>
-            </a:pPr>
-            <a:r>
-              <a:rPr lang="en-CA" dirty="0"/>
-              <a:t>rapid growth.</a:t>
-            </a:r>
-          </a:p>
-          <a:p>
-            <a:pPr>
-              <a:buFontTx/>
-              <a:buChar char="-"/>
-            </a:pPr>
-            <a:r>
-              <a:rPr lang="en-CA" dirty="0"/>
-              <a:t>wide use in software development companies.</a:t>
-            </a:r>
-          </a:p>
-          <a:p>
-            <a:pPr>
-              <a:buFontTx/>
-              <a:buChar char="-"/>
-            </a:pPr>
-            <a:r>
-              <a:rPr lang="en-CA" dirty="0"/>
-              <a:t>disadvantage of Python compared with </a:t>
-            </a:r>
-            <a:r>
-              <a:rPr lang="en-CA" b="1" dirty="0" err="1"/>
-              <a:t>Matlab</a:t>
-            </a:r>
-            <a:r>
-              <a:rPr lang="en-CA" dirty="0"/>
-              <a:t> is primarily the existence of many useful </a:t>
-            </a:r>
-            <a:r>
-              <a:rPr lang="en-CA" dirty="0" err="1"/>
-              <a:t>Matlab</a:t>
-            </a:r>
-            <a:r>
-              <a:rPr lang="en-CA" dirty="0"/>
-              <a:t> utilities written by and for scientists (e.g. SPM).</a:t>
-            </a:r>
-          </a:p>
-          <a:p>
-            <a:pPr>
-              <a:buFontTx/>
-              <a:buChar char="-"/>
-            </a:pPr>
-            <a:r>
-              <a:rPr lang="en-CA" dirty="0"/>
-              <a:t>disadvantage of Python compared with </a:t>
+            <a:r>
+              <a:rPr lang="en-CA" dirty="0"/>
+              <a:t>Built-in as part of OS (e.g. macOS, Ubuntu).</a:t>
+            </a:r>
+          </a:p>
+          <a:p>
+            <a:r>
+              <a:rPr lang="en-CA" dirty="0"/>
+              <a:t>Download a distribution (e.g. Anaconda) that may be newer, include a larger set of features with environment manager.</a:t>
+            </a:r>
+          </a:p>
+          <a:p>
+            <a:r>
+              <a:rPr lang="en-CA" dirty="0"/>
+              <a:t>Some advantages and ease for beginners to using a Integrated Development Environment (IDE) like </a:t>
             </a:r>
             <a:r>
               <a:rPr lang="en-CA" b="1" dirty="0"/>
-              <a:t>R</a:t>
-            </a:r>
-            <a:r>
-              <a:rPr lang="en-CA" dirty="0"/>
-              <a:t> is primarily that cutting edge statistical /graphing tools are easier to find (or only available) in R.</a:t>
-            </a:r>
-          </a:p>
-          <a:p>
-            <a:pPr>
-              <a:buFontTx/>
-              <a:buChar char="-"/>
-            </a:pPr>
-            <a:r>
-              <a:rPr lang="en-CA" dirty="0"/>
-              <a:t>Compared with other languages (C++/Java) Python may be considered too high-level or difficult to debug (run-time errors, type casting).</a:t>
-            </a:r>
-          </a:p>
-          <a:p>
-            <a:pPr marL="0" indent="0">
-              <a:buNone/>
-            </a:pPr>
-            <a:endParaRPr lang="en-CA" dirty="0"/>
+              <a:t>Spyder</a:t>
+            </a:r>
+            <a:r>
+              <a:rPr lang="en-CA" dirty="0"/>
+              <a:t>, which comes with the Anaconda distribution.</a:t>
+            </a:r>
           </a:p>
         </p:txBody>
       </p:sp>
     </p:spTree>
     <p:extLst>
       <p:ext uri="{BB962C8B-B14F-4D97-AF65-F5344CB8AC3E}">
-        <p14:creationId xmlns:p14="http://schemas.microsoft.com/office/powerpoint/2010/main" val="2125983619"/>
+        <p14:creationId xmlns:p14="http://schemas.microsoft.com/office/powerpoint/2010/main" val="1661352585"/>
       </p:ext>
     </p:extLst>
   </p:cSld>
@@ -9034,7 +9801,7 @@
           <a:p>
             <a:r>
               <a:rPr lang="en-CA" dirty="0"/>
-              <a:t>How to use it?</a:t>
+              <a:t>Installing packages</a:t>
             </a:r>
           </a:p>
         </p:txBody>
@@ -9049,42 +9816,134 @@
             <p:ph idx="1"/>
           </p:nvPr>
         </p:nvSpPr>
-        <p:spPr/>
-        <p:txBody>
-          <a:bodyPr/>
+        <p:spPr>
+          <a:xfrm>
+            <a:off x="460122" y="1905000"/>
+            <a:ext cx="8229600" cy="4525963"/>
+          </a:xfrm>
+        </p:spPr>
+        <p:txBody>
+          <a:bodyPr>
+            <a:normAutofit/>
+          </a:bodyPr>
           <a:lstStyle/>
           <a:p>
-            <a:r>
-              <a:rPr lang="en-CA" dirty="0"/>
-              <a:t>Built-in as part of OS (e.g. macOS, Ubuntu).</a:t>
-            </a:r>
-          </a:p>
-          <a:p>
-            <a:r>
-              <a:rPr lang="en-CA" dirty="0"/>
-              <a:t>Download a distribution (e.g. Anaconda) that may be newer, include a larger set of features with environment manager.</a:t>
-            </a:r>
-          </a:p>
-          <a:p>
-            <a:r>
-              <a:rPr lang="en-CA" dirty="0"/>
-              <a:t>Some advantages and ease for beginners to using a Integrated Development Environment (IDE) like </a:t>
-            </a:r>
-            <a:r>
-              <a:rPr lang="en-CA" b="1" dirty="0"/>
-              <a:t>Spyder</a:t>
-            </a:r>
-            <a:r>
-              <a:rPr lang="en-CA" dirty="0"/>
-              <a:t>, which comes with the Anaconda distribution.</a:t>
-            </a:r>
+            <a:endParaRPr lang="en-CA" dirty="0"/>
+          </a:p>
+          <a:p>
+            <a:r>
+              <a:rPr lang="en-CA" dirty="0"/>
+              <a:t>As with R, you will sometimes need to download and install required packages.</a:t>
+            </a:r>
+          </a:p>
+          <a:p>
+            <a:r>
+              <a:rPr lang="en-CA" dirty="0"/>
+              <a:t>For a simple script you could use pip. E.g. to install SciPy package:</a:t>
+            </a:r>
+          </a:p>
+          <a:p>
+            <a:pPr marL="0" indent="0">
+              <a:buNone/>
+            </a:pPr>
+            <a:r>
+              <a:rPr lang="en-CA" dirty="0">
+                <a:solidFill>
+                  <a:schemeClr val="accent1"/>
+                </a:solidFill>
+              </a:rPr>
+              <a:t>pip install </a:t>
+            </a:r>
+            <a:r>
+              <a:rPr lang="en-CA" dirty="0" err="1">
+                <a:solidFill>
+                  <a:schemeClr val="accent1"/>
+                </a:solidFill>
+              </a:rPr>
+              <a:t>scipy</a:t>
+            </a:r>
+            <a:endParaRPr lang="en-CA" dirty="0">
+              <a:solidFill>
+                <a:schemeClr val="accent1"/>
+              </a:solidFill>
+            </a:endParaRPr>
+          </a:p>
+          <a:p>
+            <a:endParaRPr lang="en-CA" dirty="0"/>
+          </a:p>
+          <a:p>
+            <a:r>
+              <a:rPr lang="en-CA" dirty="0">
+                <a:solidFill>
+                  <a:schemeClr val="tx2"/>
+                </a:solidFill>
+              </a:rPr>
+              <a:t>However, </a:t>
+            </a:r>
+            <a:r>
+              <a:rPr lang="en-CA" dirty="0" err="1">
+                <a:solidFill>
+                  <a:schemeClr val="tx2"/>
+                </a:solidFill>
+              </a:rPr>
+              <a:t>conda</a:t>
+            </a:r>
+            <a:r>
+              <a:rPr lang="en-CA" dirty="0">
+                <a:solidFill>
+                  <a:schemeClr val="tx2"/>
+                </a:solidFill>
+              </a:rPr>
+              <a:t> (part of Anaconda) has many advantages because it is a general-purpose package manager (including non-Python languages) and can be used to create virtual environments. These features are useful for larger projects.</a:t>
+            </a:r>
+          </a:p>
+          <a:p>
+            <a:pPr marL="0" indent="0">
+              <a:buNone/>
+            </a:pPr>
+            <a:r>
+              <a:rPr lang="en-CA" dirty="0" err="1">
+                <a:solidFill>
+                  <a:schemeClr val="accent1"/>
+                </a:solidFill>
+              </a:rPr>
+              <a:t>conda</a:t>
+            </a:r>
+            <a:r>
+              <a:rPr lang="en-CA" dirty="0">
+                <a:solidFill>
+                  <a:schemeClr val="accent1"/>
+                </a:solidFill>
+              </a:rPr>
+              <a:t> install </a:t>
+            </a:r>
+            <a:r>
+              <a:rPr lang="en-CA" dirty="0" err="1">
+                <a:solidFill>
+                  <a:schemeClr val="accent1"/>
+                </a:solidFill>
+              </a:rPr>
+              <a:t>scipy</a:t>
+            </a:r>
+            <a:endParaRPr lang="en-CA" dirty="0">
+              <a:solidFill>
+                <a:schemeClr val="accent1"/>
+              </a:solidFill>
+            </a:endParaRPr>
+          </a:p>
+          <a:p>
+            <a:endParaRPr lang="en-CA" dirty="0">
+              <a:solidFill>
+                <a:schemeClr val="tx2"/>
+              </a:solidFill>
+            </a:endParaRPr>
           </a:p>
         </p:txBody>
       </p:sp>
     </p:spTree>
     <p:extLst>
       <p:ext uri="{BB962C8B-B14F-4D97-AF65-F5344CB8AC3E}">
-        <p14:creationId xmlns:p14="http://schemas.microsoft.com/office/powerpoint/2010/main" val="1661352585"/>
+        <p14:creationId xmlns:p14="http://schemas.microsoft.com/office/powerpoint/2010/main" val="3461058683"/>
       </p:ext>
     </p:extLst>
   </p:cSld>
@@ -9128,7 +9987,7 @@
           <a:p>
             <a:r>
               <a:rPr lang="en-CA" dirty="0"/>
-              <a:t>Installing packages</a:t>
+              <a:t>Spyder walk-through</a:t>
             </a:r>
           </a:p>
         </p:txBody>
@@ -9143,134 +10002,93 @@
             <p:ph idx="1"/>
           </p:nvPr>
         </p:nvSpPr>
-        <p:spPr>
-          <a:xfrm>
-            <a:off x="457200" y="1295400"/>
-            <a:ext cx="8229600" cy="4525963"/>
-          </a:xfrm>
-        </p:spPr>
+        <p:spPr/>
         <p:txBody>
           <a:bodyPr>
-            <a:normAutofit fontScale="77500" lnSpcReduction="20000"/>
+            <a:normAutofit fontScale="92500" lnSpcReduction="20000"/>
           </a:bodyPr>
           <a:lstStyle/>
           <a:p>
+            <a:r>
+              <a:rPr lang="en-CA" dirty="0"/>
+              <a:t>Code editor</a:t>
+            </a:r>
+          </a:p>
+          <a:p>
+            <a:r>
+              <a:rPr lang="en-CA" dirty="0"/>
+              <a:t>Console (Terminal)</a:t>
+            </a:r>
+          </a:p>
+          <a:p>
+            <a:r>
+              <a:rPr lang="en-CA" dirty="0"/>
+              <a:t>Variable explorer / File explorer</a:t>
+            </a:r>
+          </a:p>
+          <a:p>
+            <a:r>
+              <a:rPr lang="en-CA" dirty="0"/>
+              <a:t>History log</a:t>
+            </a:r>
+          </a:p>
+          <a:p>
+            <a:r>
+              <a:rPr lang="en-CA" dirty="0"/>
+              <a:t>Note: will start with a script template.</a:t>
+            </a:r>
+          </a:p>
+          <a:p>
+            <a:r>
+              <a:rPr lang="en-CA" dirty="0"/>
+              <a:t>Blue buttons are for debug mode (e.g. to set breakpoints).</a:t>
+            </a:r>
+          </a:p>
+          <a:p>
+            <a:r>
+              <a:rPr lang="en-CA" dirty="0"/>
+              <a:t>Green buttons are for normal execution.</a:t>
+            </a:r>
+          </a:p>
+          <a:p>
+            <a:r>
+              <a:rPr lang="en-CA" dirty="0"/>
+              <a:t>Plots from </a:t>
+            </a:r>
+            <a:r>
+              <a:rPr lang="en-CA" dirty="0" err="1"/>
+              <a:t>plt.show</a:t>
+            </a:r>
+            <a:r>
+              <a:rPr lang="en-CA" dirty="0"/>
+              <a:t>() will appear in </a:t>
+            </a:r>
+            <a:r>
+              <a:rPr lang="en-CA" dirty="0" err="1"/>
+              <a:t>IPython</a:t>
+            </a:r>
+            <a:r>
+              <a:rPr lang="en-CA" dirty="0"/>
+              <a:t> console window but outside </a:t>
+            </a:r>
+            <a:r>
+              <a:rPr lang="en-CA" dirty="0" err="1"/>
+              <a:t>spyder</a:t>
+            </a:r>
+            <a:r>
+              <a:rPr lang="en-CA" dirty="0"/>
+              <a:t> the script will produce an interactive viewer containing the plot.</a:t>
+            </a:r>
+          </a:p>
+          <a:p>
             <a:endParaRPr lang="en-CA" dirty="0"/>
-          </a:p>
-          <a:p>
-            <a:r>
-              <a:rPr lang="en-CA" dirty="0"/>
-              <a:t>As with R, you will sometimes need to download and install required packages.</a:t>
-            </a:r>
-          </a:p>
-          <a:p>
-            <a:r>
-              <a:rPr lang="en-CA" dirty="0"/>
-              <a:t>For a simple script you could use pip. E.g. to install SciPy package:</a:t>
-            </a:r>
-          </a:p>
-          <a:p>
-            <a:pPr marL="0" indent="0">
-              <a:buNone/>
-            </a:pPr>
-            <a:r>
-              <a:rPr lang="en-CA" dirty="0">
-                <a:solidFill>
-                  <a:schemeClr val="accent1"/>
-                </a:solidFill>
-              </a:rPr>
-              <a:t>pip install </a:t>
-            </a:r>
-            <a:r>
-              <a:rPr lang="en-CA" dirty="0" err="1">
-                <a:solidFill>
-                  <a:schemeClr val="accent1"/>
-                </a:solidFill>
-              </a:rPr>
-              <a:t>scipy</a:t>
-            </a:r>
-            <a:endParaRPr lang="en-CA" dirty="0">
-              <a:solidFill>
-                <a:schemeClr val="accent1"/>
-              </a:solidFill>
-            </a:endParaRPr>
-          </a:p>
-          <a:p>
-            <a:endParaRPr lang="en-CA" dirty="0"/>
-          </a:p>
-          <a:p>
-            <a:r>
-              <a:rPr lang="en-CA" dirty="0">
-                <a:solidFill>
-                  <a:schemeClr val="tx2"/>
-                </a:solidFill>
-              </a:rPr>
-              <a:t>However, </a:t>
-            </a:r>
-            <a:r>
-              <a:rPr lang="en-CA" dirty="0" err="1">
-                <a:solidFill>
-                  <a:schemeClr val="tx2"/>
-                </a:solidFill>
-              </a:rPr>
-              <a:t>conda</a:t>
-            </a:r>
-            <a:r>
-              <a:rPr lang="en-CA" dirty="0">
-                <a:solidFill>
-                  <a:schemeClr val="tx2"/>
-                </a:solidFill>
-              </a:rPr>
-              <a:t> (part of Anaconda) has many advantages because it is a general-purpose package manager (including non-Python languages) and can be used to create virtual environments. These features are useful for larger projects.</a:t>
-            </a:r>
-          </a:p>
-          <a:p>
-            <a:pPr marL="0" indent="0">
-              <a:buNone/>
-            </a:pPr>
-            <a:r>
-              <a:rPr lang="en-CA" dirty="0" err="1">
-                <a:solidFill>
-                  <a:schemeClr val="accent1"/>
-                </a:solidFill>
-              </a:rPr>
-              <a:t>conda</a:t>
-            </a:r>
-            <a:r>
-              <a:rPr lang="en-CA" dirty="0">
-                <a:solidFill>
-                  <a:schemeClr val="accent1"/>
-                </a:solidFill>
-              </a:rPr>
-              <a:t> install </a:t>
-            </a:r>
-            <a:r>
-              <a:rPr lang="en-CA" dirty="0" err="1">
-                <a:solidFill>
-                  <a:schemeClr val="accent1"/>
-                </a:solidFill>
-              </a:rPr>
-              <a:t>scipy</a:t>
-            </a:r>
-            <a:endParaRPr lang="en-CA" dirty="0">
-              <a:solidFill>
-                <a:schemeClr val="accent1"/>
-              </a:solidFill>
-            </a:endParaRPr>
-          </a:p>
-          <a:p>
-            <a:endParaRPr lang="en-CA" dirty="0">
-              <a:solidFill>
-                <a:schemeClr val="tx2"/>
-              </a:solidFill>
-            </a:endParaRPr>
           </a:p>
         </p:txBody>
       </p:sp>
     </p:spTree>
     <p:extLst>
       <p:ext uri="{BB962C8B-B14F-4D97-AF65-F5344CB8AC3E}">
-        <p14:creationId xmlns:p14="http://schemas.microsoft.com/office/powerpoint/2010/main" val="3461058683"/>
+        <p14:creationId xmlns:p14="http://schemas.microsoft.com/office/powerpoint/2010/main" val="1466554010"/>
       </p:ext>
     </p:extLst>
   </p:cSld>
@@ -9299,7 +10117,13 @@
       </p:grpSpPr>
       <p:sp>
         <p:nvSpPr>
-          <p:cNvPr id="2" name="Title 1"/>
+          <p:cNvPr id="2" name="Title 1">
+            <a:extLst>
+              <a:ext uri="{FF2B5EF4-FFF2-40B4-BE49-F238E27FC236}">
+                <a16:creationId xmlns:a16="http://schemas.microsoft.com/office/drawing/2014/main" id="{0E26F7D9-F3D9-524F-A145-2D5B3CF118E8}"/>
+              </a:ext>
+            </a:extLst>
+          </p:cNvPr>
           <p:cNvSpPr>
             <a:spLocks noGrp="1"/>
           </p:cNvSpPr>
@@ -9313,15 +10137,25 @@
           <a:lstStyle/>
           <a:p>
             <a:r>
-              <a:rPr lang="en-CA" dirty="0"/>
-              <a:t>Spyder walk-through</a:t>
-            </a:r>
-          </a:p>
-        </p:txBody>
-      </p:sp>
-      <p:sp>
-        <p:nvSpPr>
-          <p:cNvPr id="3" name="Content Placeholder 2"/>
+              <a:rPr lang="en-US" dirty="0" err="1"/>
+              <a:t>Jupyter</a:t>
+            </a:r>
+            <a:r>
+              <a:rPr lang="en-US" dirty="0"/>
+              <a:t> Notebook</a:t>
+            </a:r>
+          </a:p>
+        </p:txBody>
+      </p:sp>
+      <p:sp>
+        <p:nvSpPr>
+          <p:cNvPr id="3" name="Content Placeholder 2">
+            <a:extLst>
+              <a:ext uri="{FF2B5EF4-FFF2-40B4-BE49-F238E27FC236}">
+                <a16:creationId xmlns:a16="http://schemas.microsoft.com/office/drawing/2014/main" id="{1D882542-8ACF-1E4E-B9E0-653F1E2D373F}"/>
+              </a:ext>
+            </a:extLst>
+          </p:cNvPr>
           <p:cNvSpPr>
             <a:spLocks noGrp="1"/>
           </p:cNvSpPr>
@@ -9332,90 +10166,61 @@
         <p:spPr/>
         <p:txBody>
           <a:bodyPr>
-            <a:normAutofit fontScale="85000" lnSpcReduction="20000"/>
+            <a:normAutofit fontScale="92500" lnSpcReduction="20000"/>
           </a:bodyPr>
           <a:lstStyle/>
           <a:p>
             <a:r>
-              <a:rPr lang="en-CA" dirty="0"/>
-              <a:t>Code editor</a:t>
-            </a:r>
-          </a:p>
-          <a:p>
-            <a:r>
-              <a:rPr lang="en-CA" dirty="0"/>
-              <a:t>Console (Terminal)</a:t>
-            </a:r>
-          </a:p>
-          <a:p>
-            <a:r>
-              <a:rPr lang="en-CA" dirty="0"/>
-              <a:t>Variable explorer / File explorer</a:t>
-            </a:r>
-          </a:p>
-          <a:p>
-            <a:r>
-              <a:rPr lang="en-CA" dirty="0"/>
-              <a:t>History log</a:t>
-            </a:r>
-          </a:p>
-          <a:p>
-            <a:r>
-              <a:rPr lang="en-CA" dirty="0"/>
-              <a:t>Note: will start with a script template.</a:t>
-            </a:r>
-          </a:p>
-          <a:p>
-            <a:r>
-              <a:rPr lang="en-CA" dirty="0"/>
-              <a:t>Blue buttons are for debug mode (e.g. to set breakpoints).</a:t>
-            </a:r>
-          </a:p>
-          <a:p>
-            <a:r>
-              <a:rPr lang="en-CA" dirty="0"/>
-              <a:t>Green buttons are for normal execution.</a:t>
-            </a:r>
-          </a:p>
-          <a:p>
-            <a:r>
-              <a:rPr lang="en-CA" dirty="0"/>
-              <a:t>Plots from </a:t>
-            </a:r>
-            <a:r>
-              <a:rPr lang="en-CA" dirty="0" err="1"/>
-              <a:t>plt.show</a:t>
-            </a:r>
-            <a:r>
-              <a:rPr lang="en-CA" dirty="0"/>
-              <a:t>() will appear in </a:t>
-            </a:r>
-            <a:r>
-              <a:rPr lang="en-CA" dirty="0" err="1"/>
-              <a:t>IPython</a:t>
-            </a:r>
-            <a:r>
-              <a:rPr lang="en-CA" dirty="0"/>
-              <a:t> console window but outside </a:t>
-            </a:r>
-            <a:r>
-              <a:rPr lang="en-CA" dirty="0" err="1"/>
-              <a:t>spyder</a:t>
-            </a:r>
-            <a:r>
-              <a:rPr lang="en-CA" dirty="0"/>
-              <a:t> the script will produce an interactive viewer containing the plot.</a:t>
-            </a:r>
-          </a:p>
-          <a:p>
-            <a:endParaRPr lang="en-CA" dirty="0"/>
+              <a:rPr lang="en-US" dirty="0" err="1"/>
+              <a:t>Jupyter</a:t>
+            </a:r>
+            <a:r>
+              <a:rPr lang="en-US" dirty="0"/>
+              <a:t> notebook can contain both code and rich text elements like figures.</a:t>
+            </a:r>
+          </a:p>
+          <a:p>
+            <a:r>
+              <a:rPr lang="en-US" dirty="0"/>
+              <a:t>can be used with multiple languages including Python (and R).</a:t>
+            </a:r>
+          </a:p>
+          <a:p>
+            <a:r>
+              <a:rPr lang="en-US" dirty="0"/>
+              <a:t>the notebooks can be used and edited in the web browser. </a:t>
+            </a:r>
+          </a:p>
+          <a:p>
+            <a:r>
+              <a:rPr lang="en-US" dirty="0"/>
+              <a:t>this is a client-server application. The server running JN can be local or another computer you access. </a:t>
+            </a:r>
+          </a:p>
+          <a:p>
+            <a:r>
+              <a:rPr lang="en-US" dirty="0"/>
+              <a:t>The JN’s main components: kernel and dashboard.</a:t>
+            </a:r>
+          </a:p>
+          <a:p>
+            <a:r>
+              <a:rPr lang="en-US" dirty="0"/>
+              <a:t>Kernel runs the user’s code and manages variables etc.</a:t>
+            </a:r>
+          </a:p>
+          <a:p>
+            <a:r>
+              <a:rPr lang="en-US" dirty="0"/>
+              <a:t>Dashboard visible in web browser is used to manage kernel and the notebook(s).</a:t>
+            </a:r>
           </a:p>
         </p:txBody>
       </p:sp>
     </p:spTree>
     <p:extLst>
       <p:ext uri="{BB962C8B-B14F-4D97-AF65-F5344CB8AC3E}">
-        <p14:creationId xmlns:p14="http://schemas.microsoft.com/office/powerpoint/2010/main" val="1466554010"/>
+        <p14:creationId xmlns:p14="http://schemas.microsoft.com/office/powerpoint/2010/main" val="1464796643"/>
       </p:ext>
     </p:extLst>
   </p:cSld>
@@ -9474,10 +10279,15 @@
             <p:ph idx="1"/>
           </p:nvPr>
         </p:nvSpPr>
-        <p:spPr/>
+        <p:spPr>
+          <a:xfrm>
+            <a:off x="381001" y="2286000"/>
+            <a:ext cx="8610600" cy="4038599"/>
+          </a:xfrm>
+        </p:spPr>
         <p:txBody>
           <a:bodyPr>
-            <a:normAutofit fontScale="62500" lnSpcReduction="20000"/>
+            <a:normAutofit fontScale="77500" lnSpcReduction="20000"/>
           </a:bodyPr>
           <a:lstStyle/>
           <a:p>
@@ -9670,90 +10480,58 @@
 </file>
 
 <file path=ppt/theme/theme1.xml><?xml version="1.0" encoding="utf-8"?>
-<a:theme xmlns:a="http://schemas.openxmlformats.org/drawingml/2006/main" name="Office Theme">
+<a:theme xmlns:a="http://schemas.openxmlformats.org/drawingml/2006/main" name="Parcel">
   <a:themeElements>
-    <a:clrScheme name="Office">
+    <a:clrScheme name="Parcel">
       <a:dk1>
-        <a:sysClr val="windowText" lastClr="000000"/>
+        <a:srgbClr val="000000"/>
       </a:dk1>
       <a:lt1>
-        <a:sysClr val="window" lastClr="FFFFFF"/>
+        <a:srgbClr val="FFFFFF"/>
       </a:lt1>
       <a:dk2>
-        <a:srgbClr val="1F497D"/>
+        <a:srgbClr val="4A5356"/>
       </a:dk2>
       <a:lt2>
-        <a:srgbClr val="EEECE1"/>
+        <a:srgbClr val="E8E3CE"/>
       </a:lt2>
       <a:accent1>
-        <a:srgbClr val="4F81BD"/>
+        <a:srgbClr val="F6A21D"/>
       </a:accent1>
       <a:accent2>
-        <a:srgbClr val="C0504D"/>
+        <a:srgbClr val="9BAFB5"/>
       </a:accent2>
       <a:accent3>
-        <a:srgbClr val="9BBB59"/>
+        <a:srgbClr val="C96731"/>
       </a:accent3>
       <a:accent4>
-        <a:srgbClr val="8064A2"/>
+        <a:srgbClr val="9CA383"/>
       </a:accent4>
       <a:accent5>
-        <a:srgbClr val="4BACC6"/>
+        <a:srgbClr val="87795D"/>
       </a:accent5>
       <a:accent6>
-        <a:srgbClr val="F79646"/>
+        <a:srgbClr val="A0988C"/>
       </a:accent6>
       <a:hlink>
-        <a:srgbClr val="0000FF"/>
+        <a:srgbClr val="00B0F0"/>
       </a:hlink>
       <a:folHlink>
-        <a:srgbClr val="800080"/>
+        <a:srgbClr val="738F97"/>
       </a:folHlink>
     </a:clrScheme>
-    <a:fontScheme name="Office">
+    <a:fontScheme name="Parcel">
       <a:majorFont>
-        <a:latin typeface="Calibri"/>
+        <a:latin typeface="Gill Sans MT" panose="020B0502020104020203"/>
         <a:ea typeface=""/>
         <a:cs typeface=""/>
-        <a:font script="Jpan" typeface="ＭＳ Ｐゴシック"/>
-        <a:font script="Hang" typeface="맑은 고딕"/>
-        <a:font script="Hans" typeface="宋体"/>
-        <a:font script="Hant" typeface="新細明體"/>
-        <a:font script="Arab" typeface="Times New Roman"/>
-        <a:font script="Hebr" typeface="Times New Roman"/>
-        <a:font script="Thai" typeface="Angsana New"/>
-        <a:font script="Ethi" typeface="Nyala"/>
-        <a:font script="Beng" typeface="Vrinda"/>
-        <a:font script="Gujr" typeface="Shruti"/>
-        <a:font script="Khmr" typeface="MoolBoran"/>
-        <a:font script="Knda" typeface="Tunga"/>
-        <a:font script="Guru" typeface="Raavi"/>
-        <a:font script="Cans" typeface="Euphemia"/>
-        <a:font script="Cher" typeface="Plantagenet Cherokee"/>
-        <a:font script="Yiii" typeface="Microsoft Yi Baiti"/>
-        <a:font script="Tibt" typeface="Microsoft Himalaya"/>
-        <a:font script="Thaa" typeface="MV Boli"/>
-        <a:font script="Deva" typeface="Mangal"/>
-        <a:font script="Telu" typeface="Gautami"/>
-        <a:font script="Taml" typeface="Latha"/>
-        <a:font script="Syrc" typeface="Estrangelo Edessa"/>
-        <a:font script="Orya" typeface="Kalinga"/>
-        <a:font script="Mlym" typeface="Kartika"/>
-        <a:font script="Laoo" typeface="DokChampa"/>
-        <a:font script="Sinh" typeface="Iskoola Pota"/>
-        <a:font script="Mong" typeface="Mongolian Baiti"/>
-        <a:font script="Viet" typeface="Times New Roman"/>
-        <a:font script="Uigh" typeface="Microsoft Uighur"/>
-      </a:majorFont>
-      <a:minorFont>
-        <a:latin typeface="Calibri"/>
-        <a:ea typeface=""/>
-        <a:cs typeface=""/>
-        <a:font script="Jpan" typeface="ＭＳ Ｐゴシック"/>
-        <a:font script="Hang" typeface="맑은 고딕"/>
-        <a:font script="Hans" typeface="宋体"/>
-        <a:font script="Hant" typeface="新細明體"/>
-        <a:font script="Arab" typeface="Arial"/>
+        <a:font script="Grek" typeface="Corbel"/>
+        <a:font script="Cyrl" typeface="Corbel"/>
+        <a:font script="Jpan" typeface="HGｺﾞｼｯｸE"/>
+        <a:font script="Hang" typeface="휴먼매직체"/>
+        <a:font script="Hans" typeface="华文中宋"/>
+        <a:font script="Hant" typeface="微軟正黑體"/>
+        <a:font script="Arab" typeface="Majalla UI"/>
         <a:font script="Hebr" typeface="Arial"/>
         <a:font script="Thai" typeface="Cordia New"/>
         <a:font script="Ethi" typeface="Nyala"/>
@@ -9776,11 +10554,49 @@
         <a:font script="Laoo" typeface="DokChampa"/>
         <a:font script="Sinh" typeface="Iskoola Pota"/>
         <a:font script="Mong" typeface="Mongolian Baiti"/>
-        <a:font script="Viet" typeface="Arial"/>
+        <a:font script="Viet" typeface="Tahoma"/>
         <a:font script="Uigh" typeface="Microsoft Uighur"/>
+        <a:font script="Geor" typeface="Sylfaen"/>
+      </a:majorFont>
+      <a:minorFont>
+        <a:latin typeface="Gill Sans MT" panose="020B0502020104020203"/>
+        <a:ea typeface=""/>
+        <a:cs typeface=""/>
+        <a:font script="Grek" typeface="Corbel"/>
+        <a:font script="Cyrl" typeface="Corbel"/>
+        <a:font script="Jpan" typeface="HGｺﾞｼｯｸE"/>
+        <a:font script="Hang" typeface="휴먼매직체"/>
+        <a:font script="Hans" typeface="华文中宋"/>
+        <a:font script="Hant" typeface="微軟正黑體"/>
+        <a:font script="Arab" typeface="Majalla UI"/>
+        <a:font script="Hebr" typeface="Arial"/>
+        <a:font script="Thai" typeface="Cordia New"/>
+        <a:font script="Ethi" typeface="Nyala"/>
+        <a:font script="Beng" typeface="Vrinda"/>
+        <a:font script="Gujr" typeface="Shruti"/>
+        <a:font script="Khmr" typeface="DaunPenh"/>
+        <a:font script="Knda" typeface="Tunga"/>
+        <a:font script="Guru" typeface="Raavi"/>
+        <a:font script="Cans" typeface="Euphemia"/>
+        <a:font script="Cher" typeface="Plantagenet Cherokee"/>
+        <a:font script="Yiii" typeface="Microsoft Yi Baiti"/>
+        <a:font script="Tibt" typeface="Microsoft Himalaya"/>
+        <a:font script="Thaa" typeface="MV Boli"/>
+        <a:font script="Deva" typeface="Mangal"/>
+        <a:font script="Telu" typeface="Gautami"/>
+        <a:font script="Taml" typeface="Latha"/>
+        <a:font script="Syrc" typeface="Estrangelo Edessa"/>
+        <a:font script="Orya" typeface="Kalinga"/>
+        <a:font script="Mlym" typeface="Kartika"/>
+        <a:font script="Laoo" typeface="DokChampa"/>
+        <a:font script="Sinh" typeface="Iskoola Pota"/>
+        <a:font script="Mong" typeface="Mongolian Baiti"/>
+        <a:font script="Viet" typeface="Tahoma"/>
+        <a:font script="Uigh" typeface="Microsoft Uighur"/>
+        <a:font script="Geor" typeface="Sylfaen"/>
       </a:minorFont>
     </a:fontScheme>
-    <a:fmtScheme name="Office">
+    <a:fmtScheme name="Parcel">
       <a:fillStyleLst>
         <a:solidFill>
           <a:schemeClr val="phClr"/>
@@ -9789,66 +10605,62 @@
           <a:gsLst>
             <a:gs pos="0">
               <a:schemeClr val="phClr">
-                <a:tint val="50000"/>
-                <a:satMod val="300000"/>
-              </a:schemeClr>
-            </a:gs>
-            <a:gs pos="35000">
-              <a:schemeClr val="phClr">
-                <a:tint val="37000"/>
-                <a:satMod val="300000"/>
+                <a:tint val="80000"/>
+                <a:satMod val="107000"/>
+                <a:lumMod val="103000"/>
               </a:schemeClr>
             </a:gs>
             <a:gs pos="100000">
               <a:schemeClr val="phClr">
-                <a:tint val="15000"/>
-                <a:satMod val="350000"/>
+                <a:tint val="82000"/>
+                <a:satMod val="109000"/>
+                <a:lumMod val="103000"/>
               </a:schemeClr>
             </a:gs>
           </a:gsLst>
-          <a:lin ang="16200000" scaled="1"/>
+          <a:lin ang="5400000" scaled="0"/>
         </a:gradFill>
         <a:gradFill rotWithShape="1">
           <a:gsLst>
             <a:gs pos="0">
               <a:schemeClr val="phClr">
-                <a:shade val="51000"/>
-                <a:satMod val="130000"/>
+                <a:tint val="97000"/>
+                <a:satMod val="100000"/>
+                <a:lumMod val="102000"/>
               </a:schemeClr>
             </a:gs>
-            <a:gs pos="80000">
+            <a:gs pos="50000">
               <a:schemeClr val="phClr">
-                <a:shade val="93000"/>
-                <a:satMod val="130000"/>
+                <a:shade val="100000"/>
+                <a:satMod val="103000"/>
+                <a:lumMod val="100000"/>
               </a:schemeClr>
             </a:gs>
             <a:gs pos="100000">
               <a:schemeClr val="phClr">
-                <a:shade val="94000"/>
-                <a:satMod val="135000"/>
+                <a:shade val="93000"/>
+                <a:satMod val="110000"/>
+                <a:lumMod val="99000"/>
               </a:schemeClr>
             </a:gs>
           </a:gsLst>
-          <a:lin ang="16200000" scaled="0"/>
+          <a:lin ang="5400000" scaled="0"/>
         </a:gradFill>
       </a:fillStyleLst>
       <a:lnStyleLst>
-        <a:ln w="9525" cap="flat" cmpd="sng" algn="ctr">
-          <a:solidFill>
-            <a:schemeClr val="phClr">
-              <a:shade val="95000"/>
-              <a:satMod val="105000"/>
-            </a:schemeClr>
-          </a:solidFill>
-          <a:prstDash val="solid"/>
-        </a:ln>
-        <a:ln w="25400" cap="flat" cmpd="sng" algn="ctr">
+        <a:ln w="6350" cap="flat" cmpd="sng" algn="ctr">
           <a:solidFill>
             <a:schemeClr val="phClr"/>
           </a:solidFill>
           <a:prstDash val="solid"/>
         </a:ln>
-        <a:ln w="38100" cap="flat" cmpd="sng" algn="ctr">
+        <a:ln w="12700" cap="flat" cmpd="sng" algn="ctr">
+          <a:solidFill>
+            <a:schemeClr val="phClr"/>
+          </a:solidFill>
+          <a:prstDash val="solid"/>
+        </a:ln>
+        <a:ln w="31750" cap="flat" cmpd="sng" algn="ctr">
           <a:solidFill>
             <a:schemeClr val="phClr"/>
           </a:solidFill>
@@ -9857,28 +10669,16 @@
       </a:lnStyleLst>
       <a:effectStyleLst>
         <a:effectStyle>
-          <a:effectLst>
-            <a:outerShdw blurRad="40000" dist="20000" dir="5400000" rotWithShape="0">
-              <a:srgbClr val="000000">
-                <a:alpha val="38000"/>
-              </a:srgbClr>
-            </a:outerShdw>
-          </a:effectLst>
+          <a:effectLst/>
+        </a:effectStyle>
+        <a:effectStyle>
+          <a:effectLst/>
         </a:effectStyle>
         <a:effectStyle>
           <a:effectLst>
-            <a:outerShdw blurRad="40000" dist="23000" dir="5400000" rotWithShape="0">
+            <a:outerShdw blurRad="55880" dist="15240" dir="5400000" algn="ctr" rotWithShape="0">
               <a:srgbClr val="000000">
-                <a:alpha val="35000"/>
-              </a:srgbClr>
-            </a:outerShdw>
-          </a:effectLst>
-        </a:effectStyle>
-        <a:effectStyle>
-          <a:effectLst>
-            <a:outerShdw blurRad="40000" dist="23000" dir="5400000" rotWithShape="0">
-              <a:srgbClr val="000000">
-                <a:alpha val="35000"/>
+                <a:alpha val="45000"/>
               </a:srgbClr>
             </a:outerShdw>
           </a:effectLst>
@@ -9886,12 +10686,10 @@
             <a:camera prst="orthographicFront">
               <a:rot lat="0" lon="0" rev="0"/>
             </a:camera>
-            <a:lightRig rig="threePt" dir="t">
-              <a:rot lat="0" lon="0" rev="1200000"/>
-            </a:lightRig>
+            <a:lightRig rig="brightRoom" dir="tl"/>
           </a:scene3d>
-          <a:sp3d>
-            <a:bevelT w="63500" h="25400"/>
+          <a:sp3d prstMaterial="dkEdge">
+            <a:bevelT w="0" h="0"/>
           </a:sp3d>
         </a:effectStyle>
       </a:effectStyleLst>
@@ -9899,49 +10697,33 @@
         <a:solidFill>
           <a:schemeClr val="phClr"/>
         </a:solidFill>
+        <a:solidFill>
+          <a:schemeClr val="phClr">
+            <a:tint val="95000"/>
+            <a:satMod val="170000"/>
+          </a:schemeClr>
+        </a:solidFill>
         <a:gradFill rotWithShape="1">
           <a:gsLst>
             <a:gs pos="0">
               <a:schemeClr val="phClr">
-                <a:tint val="40000"/>
-                <a:satMod val="350000"/>
-              </a:schemeClr>
-            </a:gs>
-            <a:gs pos="40000">
-              <a:schemeClr val="phClr">
-                <a:tint val="45000"/>
-                <a:shade val="99000"/>
-                <a:satMod val="350000"/>
+                <a:tint val="97000"/>
+                <a:shade val="100000"/>
+                <a:satMod val="185000"/>
+                <a:lumMod val="120000"/>
               </a:schemeClr>
             </a:gs>
             <a:gs pos="100000">
               <a:schemeClr val="phClr">
-                <a:shade val="20000"/>
-                <a:satMod val="255000"/>
+                <a:tint val="96000"/>
+                <a:shade val="95000"/>
+                <a:satMod val="215000"/>
+                <a:lumMod val="80000"/>
               </a:schemeClr>
             </a:gs>
           </a:gsLst>
           <a:path path="circle">
-            <a:fillToRect l="50000" t="-80000" r="50000" b="180000"/>
-          </a:path>
-        </a:gradFill>
-        <a:gradFill rotWithShape="1">
-          <a:gsLst>
-            <a:gs pos="0">
-              <a:schemeClr val="phClr">
-                <a:tint val="80000"/>
-                <a:satMod val="300000"/>
-              </a:schemeClr>
-            </a:gs>
-            <a:gs pos="100000">
-              <a:schemeClr val="phClr">
-                <a:shade val="30000"/>
-                <a:satMod val="200000"/>
-              </a:schemeClr>
-            </a:gs>
-          </a:gsLst>
-          <a:path path="circle">
-            <a:fillToRect l="50000" t="50000" r="50000" b="50000"/>
+            <a:fillToRect l="50000" t="55000" r="125000" b="100000"/>
           </a:path>
         </a:gradFill>
       </a:bgFillStyleLst>
@@ -9949,6 +10731,11 @@
   </a:themeElements>
   <a:objectDefaults/>
   <a:extraClrSchemeLst/>
+  <a:extLst>
+    <a:ext uri="{05A4C25C-085E-4340-85A3-A5531E510DB2}">
+      <thm15:themeFamily xmlns:thm15="http://schemas.microsoft.com/office/thememl/2012/main" name="Parcel" id="{8BEC4385-4EB9-4D53-BFB5-0EA123736B6D}" vid="{4DB32801-28C0-48B0-8C1D-A9A58613615A}"/>
+    </a:ext>
+  </a:extLst>
 </a:theme>
 </file>
 
